--- a/poster.pptx
+++ b/poster.pptx
@@ -2,7 +2,7 @@
 <file path=ppt/presentation.xml><?xml version="1.0" encoding="utf-8"?>
 <p:presentation xmlns:a="http://schemas.openxmlformats.org/drawingml/2006/main" xmlns:r="http://schemas.openxmlformats.org/officeDocument/2006/relationships" xmlns:p="http://schemas.openxmlformats.org/presentationml/2006/main" saveSubsetFonts="1">
   <p:sldMasterIdLst>
-    <p:sldMasterId id="2147483648" r:id="rId1"/>
+    <p:sldMasterId id="2147483755" r:id="rId1"/>
   </p:sldMasterIdLst>
   <p:handoutMasterIdLst>
     <p:handoutMasterId r:id="rId3"/>
@@ -191,11 +191,11 @@
           <c:showBubbleSize val="0"/>
         </c:dLbls>
         <c:gapWidth val="150"/>
-        <c:axId val="136043520"/>
-        <c:axId val="136045312"/>
+        <c:axId val="170980480"/>
+        <c:axId val="186652160"/>
       </c:barChart>
       <c:catAx>
-        <c:axId val="136043520"/>
+        <c:axId val="170980480"/>
         <c:scaling>
           <c:orientation val="minMax"/>
         </c:scaling>
@@ -204,7 +204,7 @@
         <c:majorTickMark val="out"/>
         <c:minorTickMark val="none"/>
         <c:tickLblPos val="nextTo"/>
-        <c:crossAx val="136045312"/>
+        <c:crossAx val="186652160"/>
         <c:crosses val="autoZero"/>
         <c:auto val="1"/>
         <c:lblAlgn val="ctr"/>
@@ -212,7 +212,7 @@
         <c:noMultiLvlLbl val="0"/>
       </c:catAx>
       <c:valAx>
-        <c:axId val="136045312"/>
+        <c:axId val="186652160"/>
         <c:scaling>
           <c:orientation val="minMax"/>
         </c:scaling>
@@ -223,7 +223,7 @@
         <c:majorTickMark val="out"/>
         <c:minorTickMark val="none"/>
         <c:tickLblPos val="nextTo"/>
-        <c:crossAx val="136043520"/>
+        <c:crossAx val="170980480"/>
         <c:crosses val="autoZero"/>
         <c:crossBetween val="between"/>
       </c:valAx>
@@ -414,8 +414,600 @@
 </file>
 
 <file path=ppt/slideLayouts/slideLayout1.xml><?xml version="1.0" encoding="utf-8"?>
-<p:sldLayout xmlns:a="http://schemas.openxmlformats.org/drawingml/2006/main" xmlns:r="http://schemas.openxmlformats.org/officeDocument/2006/relationships" xmlns:p="http://schemas.openxmlformats.org/presentationml/2006/main" preserve="1" userDrawn="1">
+<p:sldLayout xmlns:a="http://schemas.openxmlformats.org/drawingml/2006/main" xmlns:r="http://schemas.openxmlformats.org/officeDocument/2006/relationships" xmlns:p="http://schemas.openxmlformats.org/presentationml/2006/main" type="title" preserve="1">
   <p:cSld name="Title Slide">
+    <p:spTree>
+      <p:nvGrpSpPr>
+        <p:cNvPr id="1" name=""/>
+        <p:cNvGrpSpPr/>
+        <p:nvPr/>
+      </p:nvGrpSpPr>
+      <p:grpSpPr>
+        <a:xfrm>
+          <a:off x="0" y="0"/>
+          <a:ext cx="0" cy="0"/>
+          <a:chOff x="0" y="0"/>
+          <a:chExt cx="0" cy="0"/>
+        </a:xfrm>
+      </p:grpSpPr>
+      <p:sp>
+        <p:nvSpPr>
+          <p:cNvPr id="2" name="Title 1"/>
+          <p:cNvSpPr>
+            <a:spLocks noGrp="1"/>
+          </p:cNvSpPr>
+          <p:nvPr>
+            <p:ph type="ctrTitle"/>
+          </p:nvPr>
+        </p:nvSpPr>
+        <p:spPr>
+          <a:xfrm>
+            <a:off x="2468880" y="6817365"/>
+            <a:ext cx="27980640" cy="4704080"/>
+          </a:xfrm>
+        </p:spPr>
+        <p:txBody>
+          <a:bodyPr/>
+          <a:lstStyle/>
+          <a:p>
+            <a:r>
+              <a:rPr lang="en-US" smtClean="0"/>
+              <a:t>Click to edit Master title style</a:t>
+            </a:r>
+            <a:endParaRPr lang="en-US"/>
+          </a:p>
+        </p:txBody>
+      </p:sp>
+      <p:sp>
+        <p:nvSpPr>
+          <p:cNvPr id="3" name="Subtitle 2"/>
+          <p:cNvSpPr>
+            <a:spLocks noGrp="1"/>
+          </p:cNvSpPr>
+          <p:nvPr>
+            <p:ph type="subTitle" idx="1"/>
+          </p:nvPr>
+        </p:nvSpPr>
+        <p:spPr>
+          <a:xfrm>
+            <a:off x="4937760" y="12435840"/>
+            <a:ext cx="23042880" cy="5608320"/>
+          </a:xfrm>
+        </p:spPr>
+        <p:txBody>
+          <a:bodyPr/>
+          <a:lstStyle>
+            <a:lvl1pPr marL="0" indent="0" algn="ctr">
+              <a:buNone/>
+              <a:defRPr>
+                <a:solidFill>
+                  <a:schemeClr val="tx1">
+                    <a:tint val="75000"/>
+                  </a:schemeClr>
+                </a:solidFill>
+              </a:defRPr>
+            </a:lvl1pPr>
+            <a:lvl2pPr marL="1567119" indent="0" algn="ctr">
+              <a:buNone/>
+              <a:defRPr>
+                <a:solidFill>
+                  <a:schemeClr val="tx1">
+                    <a:tint val="75000"/>
+                  </a:schemeClr>
+                </a:solidFill>
+              </a:defRPr>
+            </a:lvl2pPr>
+            <a:lvl3pPr marL="3134239" indent="0" algn="ctr">
+              <a:buNone/>
+              <a:defRPr>
+                <a:solidFill>
+                  <a:schemeClr val="tx1">
+                    <a:tint val="75000"/>
+                  </a:schemeClr>
+                </a:solidFill>
+              </a:defRPr>
+            </a:lvl3pPr>
+            <a:lvl4pPr marL="4701358" indent="0" algn="ctr">
+              <a:buNone/>
+              <a:defRPr>
+                <a:solidFill>
+                  <a:schemeClr val="tx1">
+                    <a:tint val="75000"/>
+                  </a:schemeClr>
+                </a:solidFill>
+              </a:defRPr>
+            </a:lvl4pPr>
+            <a:lvl5pPr marL="6268477" indent="0" algn="ctr">
+              <a:buNone/>
+              <a:defRPr>
+                <a:solidFill>
+                  <a:schemeClr val="tx1">
+                    <a:tint val="75000"/>
+                  </a:schemeClr>
+                </a:solidFill>
+              </a:defRPr>
+            </a:lvl5pPr>
+            <a:lvl6pPr marL="7835597" indent="0" algn="ctr">
+              <a:buNone/>
+              <a:defRPr>
+                <a:solidFill>
+                  <a:schemeClr val="tx1">
+                    <a:tint val="75000"/>
+                  </a:schemeClr>
+                </a:solidFill>
+              </a:defRPr>
+            </a:lvl6pPr>
+            <a:lvl7pPr marL="9402716" indent="0" algn="ctr">
+              <a:buNone/>
+              <a:defRPr>
+                <a:solidFill>
+                  <a:schemeClr val="tx1">
+                    <a:tint val="75000"/>
+                  </a:schemeClr>
+                </a:solidFill>
+              </a:defRPr>
+            </a:lvl7pPr>
+            <a:lvl8pPr marL="10969835" indent="0" algn="ctr">
+              <a:buNone/>
+              <a:defRPr>
+                <a:solidFill>
+                  <a:schemeClr val="tx1">
+                    <a:tint val="75000"/>
+                  </a:schemeClr>
+                </a:solidFill>
+              </a:defRPr>
+            </a:lvl8pPr>
+            <a:lvl9pPr marL="12536955" indent="0" algn="ctr">
+              <a:buNone/>
+              <a:defRPr>
+                <a:solidFill>
+                  <a:schemeClr val="tx1">
+                    <a:tint val="75000"/>
+                  </a:schemeClr>
+                </a:solidFill>
+              </a:defRPr>
+            </a:lvl9pPr>
+          </a:lstStyle>
+          <a:p>
+            <a:r>
+              <a:rPr lang="en-US" smtClean="0"/>
+              <a:t>Click to edit Master subtitle style</a:t>
+            </a:r>
+            <a:endParaRPr lang="en-US"/>
+          </a:p>
+        </p:txBody>
+      </p:sp>
+      <p:sp>
+        <p:nvSpPr>
+          <p:cNvPr id="4" name="Date Placeholder 3"/>
+          <p:cNvSpPr>
+            <a:spLocks noGrp="1"/>
+          </p:cNvSpPr>
+          <p:nvPr>
+            <p:ph type="dt" sz="half" idx="10"/>
+          </p:nvPr>
+        </p:nvSpPr>
+        <p:spPr/>
+        <p:txBody>
+          <a:bodyPr/>
+          <a:lstStyle/>
+          <a:p>
+            <a:fld id="{985D6BDF-9D0E-4E2B-85B8-D8F4790360C9}" type="datetimeFigureOut">
+              <a:rPr lang="en-US" smtClean="0"/>
+              <a:t>1/23/2022</a:t>
+            </a:fld>
+            <a:endParaRPr lang="en-US" dirty="0"/>
+          </a:p>
+        </p:txBody>
+      </p:sp>
+      <p:sp>
+        <p:nvSpPr>
+          <p:cNvPr id="5" name="Footer Placeholder 4"/>
+          <p:cNvSpPr>
+            <a:spLocks noGrp="1"/>
+          </p:cNvSpPr>
+          <p:nvPr>
+            <p:ph type="ftr" sz="quarter" idx="11"/>
+          </p:nvPr>
+        </p:nvSpPr>
+        <p:spPr/>
+        <p:txBody>
+          <a:bodyPr/>
+          <a:lstStyle/>
+          <a:p>
+            <a:endParaRPr lang="en-US" dirty="0"/>
+          </a:p>
+        </p:txBody>
+      </p:sp>
+      <p:sp>
+        <p:nvSpPr>
+          <p:cNvPr id="6" name="Slide Number Placeholder 5"/>
+          <p:cNvSpPr>
+            <a:spLocks noGrp="1"/>
+          </p:cNvSpPr>
+          <p:nvPr>
+            <p:ph type="sldNum" sz="quarter" idx="12"/>
+          </p:nvPr>
+        </p:nvSpPr>
+        <p:spPr/>
+        <p:txBody>
+          <a:bodyPr/>
+          <a:lstStyle/>
+          <a:p>
+            <a:fld id="{FBB075EA-769C-4ECD-B48E-D6FCDC24F876}" type="slidenum">
+              <a:rPr lang="en-US" smtClean="0"/>
+              <a:t>‹#›</a:t>
+            </a:fld>
+            <a:endParaRPr lang="en-US" dirty="0"/>
+          </a:p>
+        </p:txBody>
+      </p:sp>
+    </p:spTree>
+    <p:extLst>
+      <p:ext uri="{BB962C8B-B14F-4D97-AF65-F5344CB8AC3E}">
+        <p14:creationId xmlns:p14="http://schemas.microsoft.com/office/powerpoint/2010/main" val="1025726537"/>
+      </p:ext>
+    </p:extLst>
+  </p:cSld>
+  <p:clrMapOvr>
+    <a:masterClrMapping/>
+  </p:clrMapOvr>
+</p:sldLayout>
+</file>
+
+<file path=ppt/slideLayouts/slideLayout10.xml><?xml version="1.0" encoding="utf-8"?>
+<p:sldLayout xmlns:a="http://schemas.openxmlformats.org/drawingml/2006/main" xmlns:r="http://schemas.openxmlformats.org/officeDocument/2006/relationships" xmlns:p="http://schemas.openxmlformats.org/presentationml/2006/main" type="vertTx" preserve="1">
+  <p:cSld name="Title and Vertical Text">
+    <p:spTree>
+      <p:nvGrpSpPr>
+        <p:cNvPr id="1" name=""/>
+        <p:cNvGrpSpPr/>
+        <p:nvPr/>
+      </p:nvGrpSpPr>
+      <p:grpSpPr>
+        <a:xfrm>
+          <a:off x="0" y="0"/>
+          <a:ext cx="0" cy="0"/>
+          <a:chOff x="0" y="0"/>
+          <a:chExt cx="0" cy="0"/>
+        </a:xfrm>
+      </p:grpSpPr>
+      <p:sp>
+        <p:nvSpPr>
+          <p:cNvPr id="2" name="Title 1"/>
+          <p:cNvSpPr>
+            <a:spLocks noGrp="1"/>
+          </p:cNvSpPr>
+          <p:nvPr>
+            <p:ph type="title"/>
+          </p:nvPr>
+        </p:nvSpPr>
+        <p:spPr/>
+        <p:txBody>
+          <a:bodyPr/>
+          <a:lstStyle/>
+          <a:p>
+            <a:r>
+              <a:rPr lang="en-US" smtClean="0"/>
+              <a:t>Click to edit Master title style</a:t>
+            </a:r>
+            <a:endParaRPr lang="en-US"/>
+          </a:p>
+        </p:txBody>
+      </p:sp>
+      <p:sp>
+        <p:nvSpPr>
+          <p:cNvPr id="3" name="Vertical Text Placeholder 2"/>
+          <p:cNvSpPr>
+            <a:spLocks noGrp="1"/>
+          </p:cNvSpPr>
+          <p:nvPr>
+            <p:ph type="body" orient="vert" idx="1"/>
+          </p:nvPr>
+        </p:nvSpPr>
+        <p:spPr/>
+        <p:txBody>
+          <a:bodyPr vert="eaVert"/>
+          <a:lstStyle/>
+          <a:p>
+            <a:pPr lvl="0"/>
+            <a:r>
+              <a:rPr lang="en-US" smtClean="0"/>
+              <a:t>Click to edit Master text styles</a:t>
+            </a:r>
+          </a:p>
+          <a:p>
+            <a:pPr lvl="1"/>
+            <a:r>
+              <a:rPr lang="en-US" smtClean="0"/>
+              <a:t>Second level</a:t>
+            </a:r>
+          </a:p>
+          <a:p>
+            <a:pPr lvl="2"/>
+            <a:r>
+              <a:rPr lang="en-US" smtClean="0"/>
+              <a:t>Third level</a:t>
+            </a:r>
+          </a:p>
+          <a:p>
+            <a:pPr lvl="3"/>
+            <a:r>
+              <a:rPr lang="en-US" smtClean="0"/>
+              <a:t>Fourth level</a:t>
+            </a:r>
+          </a:p>
+          <a:p>
+            <a:pPr lvl="4"/>
+            <a:r>
+              <a:rPr lang="en-US" smtClean="0"/>
+              <a:t>Fifth level</a:t>
+            </a:r>
+            <a:endParaRPr lang="en-US"/>
+          </a:p>
+        </p:txBody>
+      </p:sp>
+      <p:sp>
+        <p:nvSpPr>
+          <p:cNvPr id="4" name="Date Placeholder 3"/>
+          <p:cNvSpPr>
+            <a:spLocks noGrp="1"/>
+          </p:cNvSpPr>
+          <p:nvPr>
+            <p:ph type="dt" sz="half" idx="10"/>
+          </p:nvPr>
+        </p:nvSpPr>
+        <p:spPr/>
+        <p:txBody>
+          <a:bodyPr/>
+          <a:lstStyle/>
+          <a:p>
+            <a:fld id="{985D6BDF-9D0E-4E2B-85B8-D8F4790360C9}" type="datetimeFigureOut">
+              <a:rPr lang="en-US" smtClean="0"/>
+              <a:t>1/23/2022</a:t>
+            </a:fld>
+            <a:endParaRPr lang="en-US" dirty="0"/>
+          </a:p>
+        </p:txBody>
+      </p:sp>
+      <p:sp>
+        <p:nvSpPr>
+          <p:cNvPr id="5" name="Footer Placeholder 4"/>
+          <p:cNvSpPr>
+            <a:spLocks noGrp="1"/>
+          </p:cNvSpPr>
+          <p:nvPr>
+            <p:ph type="ftr" sz="quarter" idx="11"/>
+          </p:nvPr>
+        </p:nvSpPr>
+        <p:spPr/>
+        <p:txBody>
+          <a:bodyPr/>
+          <a:lstStyle/>
+          <a:p>
+            <a:endParaRPr lang="en-US" dirty="0"/>
+          </a:p>
+        </p:txBody>
+      </p:sp>
+      <p:sp>
+        <p:nvSpPr>
+          <p:cNvPr id="6" name="Slide Number Placeholder 5"/>
+          <p:cNvSpPr>
+            <a:spLocks noGrp="1"/>
+          </p:cNvSpPr>
+          <p:nvPr>
+            <p:ph type="sldNum" sz="quarter" idx="12"/>
+          </p:nvPr>
+        </p:nvSpPr>
+        <p:spPr/>
+        <p:txBody>
+          <a:bodyPr/>
+          <a:lstStyle/>
+          <a:p>
+            <a:fld id="{FBB075EA-769C-4ECD-B48E-D6FCDC24F876}" type="slidenum">
+              <a:rPr lang="en-US" smtClean="0"/>
+              <a:t>‹#›</a:t>
+            </a:fld>
+            <a:endParaRPr lang="en-US" dirty="0"/>
+          </a:p>
+        </p:txBody>
+      </p:sp>
+    </p:spTree>
+    <p:extLst>
+      <p:ext uri="{BB962C8B-B14F-4D97-AF65-F5344CB8AC3E}">
+        <p14:creationId xmlns:p14="http://schemas.microsoft.com/office/powerpoint/2010/main" val="1669499324"/>
+      </p:ext>
+    </p:extLst>
+  </p:cSld>
+  <p:clrMapOvr>
+    <a:masterClrMapping/>
+  </p:clrMapOvr>
+</p:sldLayout>
+</file>
+
+<file path=ppt/slideLayouts/slideLayout11.xml><?xml version="1.0" encoding="utf-8"?>
+<p:sldLayout xmlns:a="http://schemas.openxmlformats.org/drawingml/2006/main" xmlns:r="http://schemas.openxmlformats.org/officeDocument/2006/relationships" xmlns:p="http://schemas.openxmlformats.org/presentationml/2006/main" type="vertTitleAndTx" preserve="1">
+  <p:cSld name="Vertical Title and Text">
+    <p:spTree>
+      <p:nvGrpSpPr>
+        <p:cNvPr id="1" name=""/>
+        <p:cNvGrpSpPr/>
+        <p:nvPr/>
+      </p:nvGrpSpPr>
+      <p:grpSpPr>
+        <a:xfrm>
+          <a:off x="0" y="0"/>
+          <a:ext cx="0" cy="0"/>
+          <a:chOff x="0" y="0"/>
+          <a:chExt cx="0" cy="0"/>
+        </a:xfrm>
+      </p:grpSpPr>
+      <p:sp>
+        <p:nvSpPr>
+          <p:cNvPr id="2" name="Vertical Title 1"/>
+          <p:cNvSpPr>
+            <a:spLocks noGrp="1"/>
+          </p:cNvSpPr>
+          <p:nvPr>
+            <p:ph type="title" orient="vert"/>
+          </p:nvPr>
+        </p:nvSpPr>
+        <p:spPr>
+          <a:xfrm>
+            <a:off x="23865840" y="878843"/>
+            <a:ext cx="7406640" cy="18724881"/>
+          </a:xfrm>
+        </p:spPr>
+        <p:txBody>
+          <a:bodyPr vert="eaVert"/>
+          <a:lstStyle/>
+          <a:p>
+            <a:r>
+              <a:rPr lang="en-US" smtClean="0"/>
+              <a:t>Click to edit Master title style</a:t>
+            </a:r>
+            <a:endParaRPr lang="en-US"/>
+          </a:p>
+        </p:txBody>
+      </p:sp>
+      <p:sp>
+        <p:nvSpPr>
+          <p:cNvPr id="3" name="Vertical Text Placeholder 2"/>
+          <p:cNvSpPr>
+            <a:spLocks noGrp="1"/>
+          </p:cNvSpPr>
+          <p:nvPr>
+            <p:ph type="body" orient="vert" idx="1"/>
+          </p:nvPr>
+        </p:nvSpPr>
+        <p:spPr>
+          <a:xfrm>
+            <a:off x="1645920" y="878843"/>
+            <a:ext cx="21671280" cy="18724881"/>
+          </a:xfrm>
+        </p:spPr>
+        <p:txBody>
+          <a:bodyPr vert="eaVert"/>
+          <a:lstStyle/>
+          <a:p>
+            <a:pPr lvl="0"/>
+            <a:r>
+              <a:rPr lang="en-US" smtClean="0"/>
+              <a:t>Click to edit Master text styles</a:t>
+            </a:r>
+          </a:p>
+          <a:p>
+            <a:pPr lvl="1"/>
+            <a:r>
+              <a:rPr lang="en-US" smtClean="0"/>
+              <a:t>Second level</a:t>
+            </a:r>
+          </a:p>
+          <a:p>
+            <a:pPr lvl="2"/>
+            <a:r>
+              <a:rPr lang="en-US" smtClean="0"/>
+              <a:t>Third level</a:t>
+            </a:r>
+          </a:p>
+          <a:p>
+            <a:pPr lvl="3"/>
+            <a:r>
+              <a:rPr lang="en-US" smtClean="0"/>
+              <a:t>Fourth level</a:t>
+            </a:r>
+          </a:p>
+          <a:p>
+            <a:pPr lvl="4"/>
+            <a:r>
+              <a:rPr lang="en-US" smtClean="0"/>
+              <a:t>Fifth level</a:t>
+            </a:r>
+            <a:endParaRPr lang="en-US"/>
+          </a:p>
+        </p:txBody>
+      </p:sp>
+      <p:sp>
+        <p:nvSpPr>
+          <p:cNvPr id="4" name="Date Placeholder 3"/>
+          <p:cNvSpPr>
+            <a:spLocks noGrp="1"/>
+          </p:cNvSpPr>
+          <p:nvPr>
+            <p:ph type="dt" sz="half" idx="10"/>
+          </p:nvPr>
+        </p:nvSpPr>
+        <p:spPr/>
+        <p:txBody>
+          <a:bodyPr/>
+          <a:lstStyle/>
+          <a:p>
+            <a:fld id="{985D6BDF-9D0E-4E2B-85B8-D8F4790360C9}" type="datetimeFigureOut">
+              <a:rPr lang="en-US" smtClean="0"/>
+              <a:t>1/23/2022</a:t>
+            </a:fld>
+            <a:endParaRPr lang="en-US" dirty="0"/>
+          </a:p>
+        </p:txBody>
+      </p:sp>
+      <p:sp>
+        <p:nvSpPr>
+          <p:cNvPr id="5" name="Footer Placeholder 4"/>
+          <p:cNvSpPr>
+            <a:spLocks noGrp="1"/>
+          </p:cNvSpPr>
+          <p:nvPr>
+            <p:ph type="ftr" sz="quarter" idx="11"/>
+          </p:nvPr>
+        </p:nvSpPr>
+        <p:spPr/>
+        <p:txBody>
+          <a:bodyPr/>
+          <a:lstStyle/>
+          <a:p>
+            <a:endParaRPr lang="en-US" dirty="0"/>
+          </a:p>
+        </p:txBody>
+      </p:sp>
+      <p:sp>
+        <p:nvSpPr>
+          <p:cNvPr id="6" name="Slide Number Placeholder 5"/>
+          <p:cNvSpPr>
+            <a:spLocks noGrp="1"/>
+          </p:cNvSpPr>
+          <p:nvPr>
+            <p:ph type="sldNum" sz="quarter" idx="12"/>
+          </p:nvPr>
+        </p:nvSpPr>
+        <p:spPr/>
+        <p:txBody>
+          <a:bodyPr/>
+          <a:lstStyle/>
+          <a:p>
+            <a:fld id="{FBB075EA-769C-4ECD-B48E-D6FCDC24F876}" type="slidenum">
+              <a:rPr lang="en-US" smtClean="0"/>
+              <a:t>‹#›</a:t>
+            </a:fld>
+            <a:endParaRPr lang="en-US" dirty="0"/>
+          </a:p>
+        </p:txBody>
+      </p:sp>
+    </p:spTree>
+    <p:extLst>
+      <p:ext uri="{BB962C8B-B14F-4D97-AF65-F5344CB8AC3E}">
+        <p14:creationId xmlns:p14="http://schemas.microsoft.com/office/powerpoint/2010/main" val="1396890409"/>
+      </p:ext>
+    </p:extLst>
+  </p:cSld>
+  <p:clrMapOvr>
+    <a:masterClrMapping/>
+  </p:clrMapOvr>
+</p:sldLayout>
+</file>
+
+<file path=ppt/slideLayouts/slideLayout12.xml><?xml version="1.0" encoding="utf-8"?>
+<p:sldLayout xmlns:a="http://schemas.openxmlformats.org/drawingml/2006/main" xmlns:r="http://schemas.openxmlformats.org/officeDocument/2006/relationships" xmlns:p="http://schemas.openxmlformats.org/presentationml/2006/main" userDrawn="1">
+  <p:cSld name="1_Title Slide">
     <p:spTree>
       <p:nvGrpSpPr>
         <p:cNvPr id="1" name=""/>
@@ -438,7 +1030,7 @@
         </p:nvSpPr>
         <p:spPr>
           <a:xfrm>
-            <a:off x="32369760" y="0"/>
+            <a:off x="32369760" y="1"/>
             <a:ext cx="548640" cy="21945600"/>
           </a:xfrm>
           <a:prstGeom prst="rect">
@@ -487,7 +1079,7 @@
         </p:nvSpPr>
         <p:spPr>
           <a:xfrm>
-            <a:off x="-2" y="0"/>
+            <a:off x="-2" y="1"/>
             <a:ext cx="548640" cy="21945600"/>
           </a:xfrm>
           <a:prstGeom prst="rect">
@@ -633,7 +1225,7 @@
         </p:nvSpPr>
         <p:spPr>
           <a:xfrm>
-            <a:off x="-7680960" y="0"/>
+            <a:off x="-7680960" y="1"/>
             <a:ext cx="7132320" cy="21945600"/>
           </a:xfrm>
           <a:prstGeom prst="rect">
@@ -1154,7 +1746,7 @@
         </p:nvGrpSpPr>
         <p:grpSpPr>
           <a:xfrm>
-            <a:off x="33467040" y="0"/>
+            <a:off x="33467040" y="1"/>
             <a:ext cx="7132320" cy="21945600"/>
             <a:chOff x="33832800" y="0"/>
             <a:chExt cx="12801600" cy="43891200"/>
@@ -1895,7 +2487,7 @@
         </p:blipFill>
         <p:spPr>
           <a:xfrm>
-            <a:off x="27508200" y="21677939"/>
+            <a:off x="27508202" y="21677939"/>
             <a:ext cx="5297435" cy="185928"/>
           </a:xfrm>
           <a:prstGeom prst="rect">
@@ -2083,20 +2675,1712 @@
     </p:spTree>
     <p:extLst>
       <p:ext uri="{BB962C8B-B14F-4D97-AF65-F5344CB8AC3E}">
-        <p14:creationId xmlns:p14="http://schemas.microsoft.com/office/powerpoint/2010/main" val="2931665100"/>
+        <p14:creationId xmlns:p14="http://schemas.microsoft.com/office/powerpoint/2010/main" val="2182108573"/>
       </p:ext>
     </p:extLst>
   </p:cSld>
   <p:clrMapOvr>
     <a:masterClrMapping/>
   </p:clrMapOvr>
-  <p:timing>
-    <p:tnLst>
-      <p:par>
-        <p:cTn id="1" dur="indefinite" restart="never" nodeType="tmRoot"/>
-      </p:par>
-    </p:tnLst>
-  </p:timing>
+</p:sldLayout>
+</file>
+
+<file path=ppt/slideLayouts/slideLayout3.xml><?xml version="1.0" encoding="utf-8"?>
+<p:sldLayout xmlns:a="http://schemas.openxmlformats.org/drawingml/2006/main" xmlns:r="http://schemas.openxmlformats.org/officeDocument/2006/relationships" xmlns:p="http://schemas.openxmlformats.org/presentationml/2006/main" type="secHead" preserve="1">
+  <p:cSld name="Section Header">
+    <p:spTree>
+      <p:nvGrpSpPr>
+        <p:cNvPr id="1" name=""/>
+        <p:cNvGrpSpPr/>
+        <p:nvPr/>
+      </p:nvGrpSpPr>
+      <p:grpSpPr>
+        <a:xfrm>
+          <a:off x="0" y="0"/>
+          <a:ext cx="0" cy="0"/>
+          <a:chOff x="0" y="0"/>
+          <a:chExt cx="0" cy="0"/>
+        </a:xfrm>
+      </p:grpSpPr>
+      <p:sp>
+        <p:nvSpPr>
+          <p:cNvPr id="2" name="Title 1"/>
+          <p:cNvSpPr>
+            <a:spLocks noGrp="1"/>
+          </p:cNvSpPr>
+          <p:nvPr>
+            <p:ph type="title"/>
+          </p:nvPr>
+        </p:nvSpPr>
+        <p:spPr>
+          <a:xfrm>
+            <a:off x="2600327" y="14102086"/>
+            <a:ext cx="27980640" cy="4358640"/>
+          </a:xfrm>
+        </p:spPr>
+        <p:txBody>
+          <a:bodyPr anchor="t"/>
+          <a:lstStyle>
+            <a:lvl1pPr algn="l">
+              <a:defRPr sz="13700" b="1" cap="all"/>
+            </a:lvl1pPr>
+          </a:lstStyle>
+          <a:p>
+            <a:r>
+              <a:rPr lang="en-US" smtClean="0"/>
+              <a:t>Click to edit Master title style</a:t>
+            </a:r>
+            <a:endParaRPr lang="en-US"/>
+          </a:p>
+        </p:txBody>
+      </p:sp>
+      <p:sp>
+        <p:nvSpPr>
+          <p:cNvPr id="3" name="Text Placeholder 2"/>
+          <p:cNvSpPr>
+            <a:spLocks noGrp="1"/>
+          </p:cNvSpPr>
+          <p:nvPr>
+            <p:ph type="body" idx="1"/>
+          </p:nvPr>
+        </p:nvSpPr>
+        <p:spPr>
+          <a:xfrm>
+            <a:off x="2600327" y="9301483"/>
+            <a:ext cx="27980640" cy="4800598"/>
+          </a:xfrm>
+        </p:spPr>
+        <p:txBody>
+          <a:bodyPr anchor="b"/>
+          <a:lstStyle>
+            <a:lvl1pPr marL="0" indent="0">
+              <a:buNone/>
+              <a:defRPr sz="6900">
+                <a:solidFill>
+                  <a:schemeClr val="tx1">
+                    <a:tint val="75000"/>
+                  </a:schemeClr>
+                </a:solidFill>
+              </a:defRPr>
+            </a:lvl1pPr>
+            <a:lvl2pPr marL="1567119" indent="0">
+              <a:buNone/>
+              <a:defRPr sz="6200">
+                <a:solidFill>
+                  <a:schemeClr val="tx1">
+                    <a:tint val="75000"/>
+                  </a:schemeClr>
+                </a:solidFill>
+              </a:defRPr>
+            </a:lvl2pPr>
+            <a:lvl3pPr marL="3134239" indent="0">
+              <a:buNone/>
+              <a:defRPr sz="5500">
+                <a:solidFill>
+                  <a:schemeClr val="tx1">
+                    <a:tint val="75000"/>
+                  </a:schemeClr>
+                </a:solidFill>
+              </a:defRPr>
+            </a:lvl3pPr>
+            <a:lvl4pPr marL="4701358" indent="0">
+              <a:buNone/>
+              <a:defRPr sz="4800">
+                <a:solidFill>
+                  <a:schemeClr val="tx1">
+                    <a:tint val="75000"/>
+                  </a:schemeClr>
+                </a:solidFill>
+              </a:defRPr>
+            </a:lvl4pPr>
+            <a:lvl5pPr marL="6268477" indent="0">
+              <a:buNone/>
+              <a:defRPr sz="4800">
+                <a:solidFill>
+                  <a:schemeClr val="tx1">
+                    <a:tint val="75000"/>
+                  </a:schemeClr>
+                </a:solidFill>
+              </a:defRPr>
+            </a:lvl5pPr>
+            <a:lvl6pPr marL="7835597" indent="0">
+              <a:buNone/>
+              <a:defRPr sz="4800">
+                <a:solidFill>
+                  <a:schemeClr val="tx1">
+                    <a:tint val="75000"/>
+                  </a:schemeClr>
+                </a:solidFill>
+              </a:defRPr>
+            </a:lvl6pPr>
+            <a:lvl7pPr marL="9402716" indent="0">
+              <a:buNone/>
+              <a:defRPr sz="4800">
+                <a:solidFill>
+                  <a:schemeClr val="tx1">
+                    <a:tint val="75000"/>
+                  </a:schemeClr>
+                </a:solidFill>
+              </a:defRPr>
+            </a:lvl7pPr>
+            <a:lvl8pPr marL="10969835" indent="0">
+              <a:buNone/>
+              <a:defRPr sz="4800">
+                <a:solidFill>
+                  <a:schemeClr val="tx1">
+                    <a:tint val="75000"/>
+                  </a:schemeClr>
+                </a:solidFill>
+              </a:defRPr>
+            </a:lvl8pPr>
+            <a:lvl9pPr marL="12536955" indent="0">
+              <a:buNone/>
+              <a:defRPr sz="4800">
+                <a:solidFill>
+                  <a:schemeClr val="tx1">
+                    <a:tint val="75000"/>
+                  </a:schemeClr>
+                </a:solidFill>
+              </a:defRPr>
+            </a:lvl9pPr>
+          </a:lstStyle>
+          <a:p>
+            <a:pPr lvl="0"/>
+            <a:r>
+              <a:rPr lang="en-US" smtClean="0"/>
+              <a:t>Click to edit Master text styles</a:t>
+            </a:r>
+          </a:p>
+        </p:txBody>
+      </p:sp>
+      <p:sp>
+        <p:nvSpPr>
+          <p:cNvPr id="4" name="Date Placeholder 3"/>
+          <p:cNvSpPr>
+            <a:spLocks noGrp="1"/>
+          </p:cNvSpPr>
+          <p:nvPr>
+            <p:ph type="dt" sz="half" idx="10"/>
+          </p:nvPr>
+        </p:nvSpPr>
+        <p:spPr/>
+        <p:txBody>
+          <a:bodyPr/>
+          <a:lstStyle/>
+          <a:p>
+            <a:fld id="{985D6BDF-9D0E-4E2B-85B8-D8F4790360C9}" type="datetimeFigureOut">
+              <a:rPr lang="en-US" smtClean="0"/>
+              <a:t>1/23/2022</a:t>
+            </a:fld>
+            <a:endParaRPr lang="en-US" dirty="0"/>
+          </a:p>
+        </p:txBody>
+      </p:sp>
+      <p:sp>
+        <p:nvSpPr>
+          <p:cNvPr id="5" name="Footer Placeholder 4"/>
+          <p:cNvSpPr>
+            <a:spLocks noGrp="1"/>
+          </p:cNvSpPr>
+          <p:nvPr>
+            <p:ph type="ftr" sz="quarter" idx="11"/>
+          </p:nvPr>
+        </p:nvSpPr>
+        <p:spPr/>
+        <p:txBody>
+          <a:bodyPr/>
+          <a:lstStyle/>
+          <a:p>
+            <a:endParaRPr lang="en-US" dirty="0"/>
+          </a:p>
+        </p:txBody>
+      </p:sp>
+      <p:sp>
+        <p:nvSpPr>
+          <p:cNvPr id="6" name="Slide Number Placeholder 5"/>
+          <p:cNvSpPr>
+            <a:spLocks noGrp="1"/>
+          </p:cNvSpPr>
+          <p:nvPr>
+            <p:ph type="sldNum" sz="quarter" idx="12"/>
+          </p:nvPr>
+        </p:nvSpPr>
+        <p:spPr/>
+        <p:txBody>
+          <a:bodyPr/>
+          <a:lstStyle/>
+          <a:p>
+            <a:fld id="{FBB075EA-769C-4ECD-B48E-D6FCDC24F876}" type="slidenum">
+              <a:rPr lang="en-US" smtClean="0"/>
+              <a:t>‹#›</a:t>
+            </a:fld>
+            <a:endParaRPr lang="en-US" dirty="0"/>
+          </a:p>
+        </p:txBody>
+      </p:sp>
+    </p:spTree>
+    <p:extLst>
+      <p:ext uri="{BB962C8B-B14F-4D97-AF65-F5344CB8AC3E}">
+        <p14:creationId xmlns:p14="http://schemas.microsoft.com/office/powerpoint/2010/main" val="314729895"/>
+      </p:ext>
+    </p:extLst>
+  </p:cSld>
+  <p:clrMapOvr>
+    <a:masterClrMapping/>
+  </p:clrMapOvr>
+</p:sldLayout>
+</file>
+
+<file path=ppt/slideLayouts/slideLayout4.xml><?xml version="1.0" encoding="utf-8"?>
+<p:sldLayout xmlns:a="http://schemas.openxmlformats.org/drawingml/2006/main" xmlns:r="http://schemas.openxmlformats.org/officeDocument/2006/relationships" xmlns:p="http://schemas.openxmlformats.org/presentationml/2006/main" type="twoObj" preserve="1">
+  <p:cSld name="Two Content">
+    <p:spTree>
+      <p:nvGrpSpPr>
+        <p:cNvPr id="1" name=""/>
+        <p:cNvGrpSpPr/>
+        <p:nvPr/>
+      </p:nvGrpSpPr>
+      <p:grpSpPr>
+        <a:xfrm>
+          <a:off x="0" y="0"/>
+          <a:ext cx="0" cy="0"/>
+          <a:chOff x="0" y="0"/>
+          <a:chExt cx="0" cy="0"/>
+        </a:xfrm>
+      </p:grpSpPr>
+      <p:sp>
+        <p:nvSpPr>
+          <p:cNvPr id="2" name="Title 1"/>
+          <p:cNvSpPr>
+            <a:spLocks noGrp="1"/>
+          </p:cNvSpPr>
+          <p:nvPr>
+            <p:ph type="title"/>
+          </p:nvPr>
+        </p:nvSpPr>
+        <p:spPr/>
+        <p:txBody>
+          <a:bodyPr/>
+          <a:lstStyle/>
+          <a:p>
+            <a:r>
+              <a:rPr lang="en-US" smtClean="0"/>
+              <a:t>Click to edit Master title style</a:t>
+            </a:r>
+            <a:endParaRPr lang="en-US"/>
+          </a:p>
+        </p:txBody>
+      </p:sp>
+      <p:sp>
+        <p:nvSpPr>
+          <p:cNvPr id="3" name="Content Placeholder 2"/>
+          <p:cNvSpPr>
+            <a:spLocks noGrp="1"/>
+          </p:cNvSpPr>
+          <p:nvPr>
+            <p:ph sz="half" idx="1"/>
+          </p:nvPr>
+        </p:nvSpPr>
+        <p:spPr>
+          <a:xfrm>
+            <a:off x="1645920" y="5120641"/>
+            <a:ext cx="14538960" cy="14483082"/>
+          </a:xfrm>
+        </p:spPr>
+        <p:txBody>
+          <a:bodyPr/>
+          <a:lstStyle>
+            <a:lvl1pPr>
+              <a:defRPr sz="9600"/>
+            </a:lvl1pPr>
+            <a:lvl2pPr>
+              <a:defRPr sz="8200"/>
+            </a:lvl2pPr>
+            <a:lvl3pPr>
+              <a:defRPr sz="6900"/>
+            </a:lvl3pPr>
+            <a:lvl4pPr>
+              <a:defRPr sz="6200"/>
+            </a:lvl4pPr>
+            <a:lvl5pPr>
+              <a:defRPr sz="6200"/>
+            </a:lvl5pPr>
+            <a:lvl6pPr>
+              <a:defRPr sz="6200"/>
+            </a:lvl6pPr>
+            <a:lvl7pPr>
+              <a:defRPr sz="6200"/>
+            </a:lvl7pPr>
+            <a:lvl8pPr>
+              <a:defRPr sz="6200"/>
+            </a:lvl8pPr>
+            <a:lvl9pPr>
+              <a:defRPr sz="6200"/>
+            </a:lvl9pPr>
+          </a:lstStyle>
+          <a:p>
+            <a:pPr lvl="0"/>
+            <a:r>
+              <a:rPr lang="en-US" smtClean="0"/>
+              <a:t>Click to edit Master text styles</a:t>
+            </a:r>
+          </a:p>
+          <a:p>
+            <a:pPr lvl="1"/>
+            <a:r>
+              <a:rPr lang="en-US" smtClean="0"/>
+              <a:t>Second level</a:t>
+            </a:r>
+          </a:p>
+          <a:p>
+            <a:pPr lvl="2"/>
+            <a:r>
+              <a:rPr lang="en-US" smtClean="0"/>
+              <a:t>Third level</a:t>
+            </a:r>
+          </a:p>
+          <a:p>
+            <a:pPr lvl="3"/>
+            <a:r>
+              <a:rPr lang="en-US" smtClean="0"/>
+              <a:t>Fourth level</a:t>
+            </a:r>
+          </a:p>
+          <a:p>
+            <a:pPr lvl="4"/>
+            <a:r>
+              <a:rPr lang="en-US" smtClean="0"/>
+              <a:t>Fifth level</a:t>
+            </a:r>
+            <a:endParaRPr lang="en-US"/>
+          </a:p>
+        </p:txBody>
+      </p:sp>
+      <p:sp>
+        <p:nvSpPr>
+          <p:cNvPr id="4" name="Content Placeholder 3"/>
+          <p:cNvSpPr>
+            <a:spLocks noGrp="1"/>
+          </p:cNvSpPr>
+          <p:nvPr>
+            <p:ph sz="half" idx="2"/>
+          </p:nvPr>
+        </p:nvSpPr>
+        <p:spPr>
+          <a:xfrm>
+            <a:off x="16733520" y="5120641"/>
+            <a:ext cx="14538960" cy="14483082"/>
+          </a:xfrm>
+        </p:spPr>
+        <p:txBody>
+          <a:bodyPr/>
+          <a:lstStyle>
+            <a:lvl1pPr>
+              <a:defRPr sz="9600"/>
+            </a:lvl1pPr>
+            <a:lvl2pPr>
+              <a:defRPr sz="8200"/>
+            </a:lvl2pPr>
+            <a:lvl3pPr>
+              <a:defRPr sz="6900"/>
+            </a:lvl3pPr>
+            <a:lvl4pPr>
+              <a:defRPr sz="6200"/>
+            </a:lvl4pPr>
+            <a:lvl5pPr>
+              <a:defRPr sz="6200"/>
+            </a:lvl5pPr>
+            <a:lvl6pPr>
+              <a:defRPr sz="6200"/>
+            </a:lvl6pPr>
+            <a:lvl7pPr>
+              <a:defRPr sz="6200"/>
+            </a:lvl7pPr>
+            <a:lvl8pPr>
+              <a:defRPr sz="6200"/>
+            </a:lvl8pPr>
+            <a:lvl9pPr>
+              <a:defRPr sz="6200"/>
+            </a:lvl9pPr>
+          </a:lstStyle>
+          <a:p>
+            <a:pPr lvl="0"/>
+            <a:r>
+              <a:rPr lang="en-US" smtClean="0"/>
+              <a:t>Click to edit Master text styles</a:t>
+            </a:r>
+          </a:p>
+          <a:p>
+            <a:pPr lvl="1"/>
+            <a:r>
+              <a:rPr lang="en-US" smtClean="0"/>
+              <a:t>Second level</a:t>
+            </a:r>
+          </a:p>
+          <a:p>
+            <a:pPr lvl="2"/>
+            <a:r>
+              <a:rPr lang="en-US" smtClean="0"/>
+              <a:t>Third level</a:t>
+            </a:r>
+          </a:p>
+          <a:p>
+            <a:pPr lvl="3"/>
+            <a:r>
+              <a:rPr lang="en-US" smtClean="0"/>
+              <a:t>Fourth level</a:t>
+            </a:r>
+          </a:p>
+          <a:p>
+            <a:pPr lvl="4"/>
+            <a:r>
+              <a:rPr lang="en-US" smtClean="0"/>
+              <a:t>Fifth level</a:t>
+            </a:r>
+            <a:endParaRPr lang="en-US"/>
+          </a:p>
+        </p:txBody>
+      </p:sp>
+      <p:sp>
+        <p:nvSpPr>
+          <p:cNvPr id="5" name="Date Placeholder 4"/>
+          <p:cNvSpPr>
+            <a:spLocks noGrp="1"/>
+          </p:cNvSpPr>
+          <p:nvPr>
+            <p:ph type="dt" sz="half" idx="10"/>
+          </p:nvPr>
+        </p:nvSpPr>
+        <p:spPr/>
+        <p:txBody>
+          <a:bodyPr/>
+          <a:lstStyle/>
+          <a:p>
+            <a:fld id="{985D6BDF-9D0E-4E2B-85B8-D8F4790360C9}" type="datetimeFigureOut">
+              <a:rPr lang="en-US" smtClean="0"/>
+              <a:t>1/23/2022</a:t>
+            </a:fld>
+            <a:endParaRPr lang="en-US" dirty="0"/>
+          </a:p>
+        </p:txBody>
+      </p:sp>
+      <p:sp>
+        <p:nvSpPr>
+          <p:cNvPr id="6" name="Footer Placeholder 5"/>
+          <p:cNvSpPr>
+            <a:spLocks noGrp="1"/>
+          </p:cNvSpPr>
+          <p:nvPr>
+            <p:ph type="ftr" sz="quarter" idx="11"/>
+          </p:nvPr>
+        </p:nvSpPr>
+        <p:spPr/>
+        <p:txBody>
+          <a:bodyPr/>
+          <a:lstStyle/>
+          <a:p>
+            <a:endParaRPr lang="en-US" dirty="0"/>
+          </a:p>
+        </p:txBody>
+      </p:sp>
+      <p:sp>
+        <p:nvSpPr>
+          <p:cNvPr id="7" name="Slide Number Placeholder 6"/>
+          <p:cNvSpPr>
+            <a:spLocks noGrp="1"/>
+          </p:cNvSpPr>
+          <p:nvPr>
+            <p:ph type="sldNum" sz="quarter" idx="12"/>
+          </p:nvPr>
+        </p:nvSpPr>
+        <p:spPr/>
+        <p:txBody>
+          <a:bodyPr/>
+          <a:lstStyle/>
+          <a:p>
+            <a:fld id="{FBB075EA-769C-4ECD-B48E-D6FCDC24F876}" type="slidenum">
+              <a:rPr lang="en-US" smtClean="0"/>
+              <a:t>‹#›</a:t>
+            </a:fld>
+            <a:endParaRPr lang="en-US" dirty="0"/>
+          </a:p>
+        </p:txBody>
+      </p:sp>
+    </p:spTree>
+    <p:extLst>
+      <p:ext uri="{BB962C8B-B14F-4D97-AF65-F5344CB8AC3E}">
+        <p14:creationId xmlns:p14="http://schemas.microsoft.com/office/powerpoint/2010/main" val="2318664105"/>
+      </p:ext>
+    </p:extLst>
+  </p:cSld>
+  <p:clrMapOvr>
+    <a:masterClrMapping/>
+  </p:clrMapOvr>
+</p:sldLayout>
+</file>
+
+<file path=ppt/slideLayouts/slideLayout5.xml><?xml version="1.0" encoding="utf-8"?>
+<p:sldLayout xmlns:a="http://schemas.openxmlformats.org/drawingml/2006/main" xmlns:r="http://schemas.openxmlformats.org/officeDocument/2006/relationships" xmlns:p="http://schemas.openxmlformats.org/presentationml/2006/main" type="twoTxTwoObj" preserve="1">
+  <p:cSld name="Comparison">
+    <p:spTree>
+      <p:nvGrpSpPr>
+        <p:cNvPr id="1" name=""/>
+        <p:cNvGrpSpPr/>
+        <p:nvPr/>
+      </p:nvGrpSpPr>
+      <p:grpSpPr>
+        <a:xfrm>
+          <a:off x="0" y="0"/>
+          <a:ext cx="0" cy="0"/>
+          <a:chOff x="0" y="0"/>
+          <a:chExt cx="0" cy="0"/>
+        </a:xfrm>
+      </p:grpSpPr>
+      <p:sp>
+        <p:nvSpPr>
+          <p:cNvPr id="2" name="Title 1"/>
+          <p:cNvSpPr>
+            <a:spLocks noGrp="1"/>
+          </p:cNvSpPr>
+          <p:nvPr>
+            <p:ph type="title"/>
+          </p:nvPr>
+        </p:nvSpPr>
+        <p:spPr/>
+        <p:txBody>
+          <a:bodyPr/>
+          <a:lstStyle>
+            <a:lvl1pPr>
+              <a:defRPr/>
+            </a:lvl1pPr>
+          </a:lstStyle>
+          <a:p>
+            <a:r>
+              <a:rPr lang="en-US" smtClean="0"/>
+              <a:t>Click to edit Master title style</a:t>
+            </a:r>
+            <a:endParaRPr lang="en-US"/>
+          </a:p>
+        </p:txBody>
+      </p:sp>
+      <p:sp>
+        <p:nvSpPr>
+          <p:cNvPr id="3" name="Text Placeholder 2"/>
+          <p:cNvSpPr>
+            <a:spLocks noGrp="1"/>
+          </p:cNvSpPr>
+          <p:nvPr>
+            <p:ph type="body" idx="1"/>
+          </p:nvPr>
+        </p:nvSpPr>
+        <p:spPr>
+          <a:xfrm>
+            <a:off x="1645921" y="4912362"/>
+            <a:ext cx="14544677" cy="2047238"/>
+          </a:xfrm>
+        </p:spPr>
+        <p:txBody>
+          <a:bodyPr anchor="b"/>
+          <a:lstStyle>
+            <a:lvl1pPr marL="0" indent="0">
+              <a:buNone/>
+              <a:defRPr sz="8200" b="1"/>
+            </a:lvl1pPr>
+            <a:lvl2pPr marL="1567119" indent="0">
+              <a:buNone/>
+              <a:defRPr sz="6900" b="1"/>
+            </a:lvl2pPr>
+            <a:lvl3pPr marL="3134239" indent="0">
+              <a:buNone/>
+              <a:defRPr sz="6200" b="1"/>
+            </a:lvl3pPr>
+            <a:lvl4pPr marL="4701358" indent="0">
+              <a:buNone/>
+              <a:defRPr sz="5500" b="1"/>
+            </a:lvl4pPr>
+            <a:lvl5pPr marL="6268477" indent="0">
+              <a:buNone/>
+              <a:defRPr sz="5500" b="1"/>
+            </a:lvl5pPr>
+            <a:lvl6pPr marL="7835597" indent="0">
+              <a:buNone/>
+              <a:defRPr sz="5500" b="1"/>
+            </a:lvl6pPr>
+            <a:lvl7pPr marL="9402716" indent="0">
+              <a:buNone/>
+              <a:defRPr sz="5500" b="1"/>
+            </a:lvl7pPr>
+            <a:lvl8pPr marL="10969835" indent="0">
+              <a:buNone/>
+              <a:defRPr sz="5500" b="1"/>
+            </a:lvl8pPr>
+            <a:lvl9pPr marL="12536955" indent="0">
+              <a:buNone/>
+              <a:defRPr sz="5500" b="1"/>
+            </a:lvl9pPr>
+          </a:lstStyle>
+          <a:p>
+            <a:pPr lvl="0"/>
+            <a:r>
+              <a:rPr lang="en-US" smtClean="0"/>
+              <a:t>Click to edit Master text styles</a:t>
+            </a:r>
+          </a:p>
+        </p:txBody>
+      </p:sp>
+      <p:sp>
+        <p:nvSpPr>
+          <p:cNvPr id="4" name="Content Placeholder 3"/>
+          <p:cNvSpPr>
+            <a:spLocks noGrp="1"/>
+          </p:cNvSpPr>
+          <p:nvPr>
+            <p:ph sz="half" idx="2"/>
+          </p:nvPr>
+        </p:nvSpPr>
+        <p:spPr>
+          <a:xfrm>
+            <a:off x="1645921" y="6959600"/>
+            <a:ext cx="14544677" cy="12644122"/>
+          </a:xfrm>
+        </p:spPr>
+        <p:txBody>
+          <a:bodyPr/>
+          <a:lstStyle>
+            <a:lvl1pPr>
+              <a:defRPr sz="8200"/>
+            </a:lvl1pPr>
+            <a:lvl2pPr>
+              <a:defRPr sz="6900"/>
+            </a:lvl2pPr>
+            <a:lvl3pPr>
+              <a:defRPr sz="6200"/>
+            </a:lvl3pPr>
+            <a:lvl4pPr>
+              <a:defRPr sz="5500"/>
+            </a:lvl4pPr>
+            <a:lvl5pPr>
+              <a:defRPr sz="5500"/>
+            </a:lvl5pPr>
+            <a:lvl6pPr>
+              <a:defRPr sz="5500"/>
+            </a:lvl6pPr>
+            <a:lvl7pPr>
+              <a:defRPr sz="5500"/>
+            </a:lvl7pPr>
+            <a:lvl8pPr>
+              <a:defRPr sz="5500"/>
+            </a:lvl8pPr>
+            <a:lvl9pPr>
+              <a:defRPr sz="5500"/>
+            </a:lvl9pPr>
+          </a:lstStyle>
+          <a:p>
+            <a:pPr lvl="0"/>
+            <a:r>
+              <a:rPr lang="en-US" smtClean="0"/>
+              <a:t>Click to edit Master text styles</a:t>
+            </a:r>
+          </a:p>
+          <a:p>
+            <a:pPr lvl="1"/>
+            <a:r>
+              <a:rPr lang="en-US" smtClean="0"/>
+              <a:t>Second level</a:t>
+            </a:r>
+          </a:p>
+          <a:p>
+            <a:pPr lvl="2"/>
+            <a:r>
+              <a:rPr lang="en-US" smtClean="0"/>
+              <a:t>Third level</a:t>
+            </a:r>
+          </a:p>
+          <a:p>
+            <a:pPr lvl="3"/>
+            <a:r>
+              <a:rPr lang="en-US" smtClean="0"/>
+              <a:t>Fourth level</a:t>
+            </a:r>
+          </a:p>
+          <a:p>
+            <a:pPr lvl="4"/>
+            <a:r>
+              <a:rPr lang="en-US" smtClean="0"/>
+              <a:t>Fifth level</a:t>
+            </a:r>
+            <a:endParaRPr lang="en-US"/>
+          </a:p>
+        </p:txBody>
+      </p:sp>
+      <p:sp>
+        <p:nvSpPr>
+          <p:cNvPr id="5" name="Text Placeholder 4"/>
+          <p:cNvSpPr>
+            <a:spLocks noGrp="1"/>
+          </p:cNvSpPr>
+          <p:nvPr>
+            <p:ph type="body" sz="quarter" idx="3"/>
+          </p:nvPr>
+        </p:nvSpPr>
+        <p:spPr>
+          <a:xfrm>
+            <a:off x="16722095" y="4912362"/>
+            <a:ext cx="14550390" cy="2047238"/>
+          </a:xfrm>
+        </p:spPr>
+        <p:txBody>
+          <a:bodyPr anchor="b"/>
+          <a:lstStyle>
+            <a:lvl1pPr marL="0" indent="0">
+              <a:buNone/>
+              <a:defRPr sz="8200" b="1"/>
+            </a:lvl1pPr>
+            <a:lvl2pPr marL="1567119" indent="0">
+              <a:buNone/>
+              <a:defRPr sz="6900" b="1"/>
+            </a:lvl2pPr>
+            <a:lvl3pPr marL="3134239" indent="0">
+              <a:buNone/>
+              <a:defRPr sz="6200" b="1"/>
+            </a:lvl3pPr>
+            <a:lvl4pPr marL="4701358" indent="0">
+              <a:buNone/>
+              <a:defRPr sz="5500" b="1"/>
+            </a:lvl4pPr>
+            <a:lvl5pPr marL="6268477" indent="0">
+              <a:buNone/>
+              <a:defRPr sz="5500" b="1"/>
+            </a:lvl5pPr>
+            <a:lvl6pPr marL="7835597" indent="0">
+              <a:buNone/>
+              <a:defRPr sz="5500" b="1"/>
+            </a:lvl6pPr>
+            <a:lvl7pPr marL="9402716" indent="0">
+              <a:buNone/>
+              <a:defRPr sz="5500" b="1"/>
+            </a:lvl7pPr>
+            <a:lvl8pPr marL="10969835" indent="0">
+              <a:buNone/>
+              <a:defRPr sz="5500" b="1"/>
+            </a:lvl8pPr>
+            <a:lvl9pPr marL="12536955" indent="0">
+              <a:buNone/>
+              <a:defRPr sz="5500" b="1"/>
+            </a:lvl9pPr>
+          </a:lstStyle>
+          <a:p>
+            <a:pPr lvl="0"/>
+            <a:r>
+              <a:rPr lang="en-US" smtClean="0"/>
+              <a:t>Click to edit Master text styles</a:t>
+            </a:r>
+          </a:p>
+        </p:txBody>
+      </p:sp>
+      <p:sp>
+        <p:nvSpPr>
+          <p:cNvPr id="6" name="Content Placeholder 5"/>
+          <p:cNvSpPr>
+            <a:spLocks noGrp="1"/>
+          </p:cNvSpPr>
+          <p:nvPr>
+            <p:ph sz="quarter" idx="4"/>
+          </p:nvPr>
+        </p:nvSpPr>
+        <p:spPr>
+          <a:xfrm>
+            <a:off x="16722095" y="6959600"/>
+            <a:ext cx="14550390" cy="12644122"/>
+          </a:xfrm>
+        </p:spPr>
+        <p:txBody>
+          <a:bodyPr/>
+          <a:lstStyle>
+            <a:lvl1pPr>
+              <a:defRPr sz="8200"/>
+            </a:lvl1pPr>
+            <a:lvl2pPr>
+              <a:defRPr sz="6900"/>
+            </a:lvl2pPr>
+            <a:lvl3pPr>
+              <a:defRPr sz="6200"/>
+            </a:lvl3pPr>
+            <a:lvl4pPr>
+              <a:defRPr sz="5500"/>
+            </a:lvl4pPr>
+            <a:lvl5pPr>
+              <a:defRPr sz="5500"/>
+            </a:lvl5pPr>
+            <a:lvl6pPr>
+              <a:defRPr sz="5500"/>
+            </a:lvl6pPr>
+            <a:lvl7pPr>
+              <a:defRPr sz="5500"/>
+            </a:lvl7pPr>
+            <a:lvl8pPr>
+              <a:defRPr sz="5500"/>
+            </a:lvl8pPr>
+            <a:lvl9pPr>
+              <a:defRPr sz="5500"/>
+            </a:lvl9pPr>
+          </a:lstStyle>
+          <a:p>
+            <a:pPr lvl="0"/>
+            <a:r>
+              <a:rPr lang="en-US" smtClean="0"/>
+              <a:t>Click to edit Master text styles</a:t>
+            </a:r>
+          </a:p>
+          <a:p>
+            <a:pPr lvl="1"/>
+            <a:r>
+              <a:rPr lang="en-US" smtClean="0"/>
+              <a:t>Second level</a:t>
+            </a:r>
+          </a:p>
+          <a:p>
+            <a:pPr lvl="2"/>
+            <a:r>
+              <a:rPr lang="en-US" smtClean="0"/>
+              <a:t>Third level</a:t>
+            </a:r>
+          </a:p>
+          <a:p>
+            <a:pPr lvl="3"/>
+            <a:r>
+              <a:rPr lang="en-US" smtClean="0"/>
+              <a:t>Fourth level</a:t>
+            </a:r>
+          </a:p>
+          <a:p>
+            <a:pPr lvl="4"/>
+            <a:r>
+              <a:rPr lang="en-US" smtClean="0"/>
+              <a:t>Fifth level</a:t>
+            </a:r>
+            <a:endParaRPr lang="en-US"/>
+          </a:p>
+        </p:txBody>
+      </p:sp>
+      <p:sp>
+        <p:nvSpPr>
+          <p:cNvPr id="7" name="Date Placeholder 6"/>
+          <p:cNvSpPr>
+            <a:spLocks noGrp="1"/>
+          </p:cNvSpPr>
+          <p:nvPr>
+            <p:ph type="dt" sz="half" idx="10"/>
+          </p:nvPr>
+        </p:nvSpPr>
+        <p:spPr/>
+        <p:txBody>
+          <a:bodyPr/>
+          <a:lstStyle/>
+          <a:p>
+            <a:fld id="{985D6BDF-9D0E-4E2B-85B8-D8F4790360C9}" type="datetimeFigureOut">
+              <a:rPr lang="en-US" smtClean="0"/>
+              <a:t>1/23/2022</a:t>
+            </a:fld>
+            <a:endParaRPr lang="en-US" dirty="0"/>
+          </a:p>
+        </p:txBody>
+      </p:sp>
+      <p:sp>
+        <p:nvSpPr>
+          <p:cNvPr id="8" name="Footer Placeholder 7"/>
+          <p:cNvSpPr>
+            <a:spLocks noGrp="1"/>
+          </p:cNvSpPr>
+          <p:nvPr>
+            <p:ph type="ftr" sz="quarter" idx="11"/>
+          </p:nvPr>
+        </p:nvSpPr>
+        <p:spPr/>
+        <p:txBody>
+          <a:bodyPr/>
+          <a:lstStyle/>
+          <a:p>
+            <a:endParaRPr lang="en-US" dirty="0"/>
+          </a:p>
+        </p:txBody>
+      </p:sp>
+      <p:sp>
+        <p:nvSpPr>
+          <p:cNvPr id="9" name="Slide Number Placeholder 8"/>
+          <p:cNvSpPr>
+            <a:spLocks noGrp="1"/>
+          </p:cNvSpPr>
+          <p:nvPr>
+            <p:ph type="sldNum" sz="quarter" idx="12"/>
+          </p:nvPr>
+        </p:nvSpPr>
+        <p:spPr/>
+        <p:txBody>
+          <a:bodyPr/>
+          <a:lstStyle/>
+          <a:p>
+            <a:fld id="{FBB075EA-769C-4ECD-B48E-D6FCDC24F876}" type="slidenum">
+              <a:rPr lang="en-US" smtClean="0"/>
+              <a:t>‹#›</a:t>
+            </a:fld>
+            <a:endParaRPr lang="en-US" dirty="0"/>
+          </a:p>
+        </p:txBody>
+      </p:sp>
+    </p:spTree>
+    <p:extLst>
+      <p:ext uri="{BB962C8B-B14F-4D97-AF65-F5344CB8AC3E}">
+        <p14:creationId xmlns:p14="http://schemas.microsoft.com/office/powerpoint/2010/main" val="1980041414"/>
+      </p:ext>
+    </p:extLst>
+  </p:cSld>
+  <p:clrMapOvr>
+    <a:masterClrMapping/>
+  </p:clrMapOvr>
+</p:sldLayout>
+</file>
+
+<file path=ppt/slideLayouts/slideLayout6.xml><?xml version="1.0" encoding="utf-8"?>
+<p:sldLayout xmlns:a="http://schemas.openxmlformats.org/drawingml/2006/main" xmlns:r="http://schemas.openxmlformats.org/officeDocument/2006/relationships" xmlns:p="http://schemas.openxmlformats.org/presentationml/2006/main" type="titleOnly" preserve="1">
+  <p:cSld name="Title Only">
+    <p:spTree>
+      <p:nvGrpSpPr>
+        <p:cNvPr id="1" name=""/>
+        <p:cNvGrpSpPr/>
+        <p:nvPr/>
+      </p:nvGrpSpPr>
+      <p:grpSpPr>
+        <a:xfrm>
+          <a:off x="0" y="0"/>
+          <a:ext cx="0" cy="0"/>
+          <a:chOff x="0" y="0"/>
+          <a:chExt cx="0" cy="0"/>
+        </a:xfrm>
+      </p:grpSpPr>
+      <p:sp>
+        <p:nvSpPr>
+          <p:cNvPr id="2" name="Title 1"/>
+          <p:cNvSpPr>
+            <a:spLocks noGrp="1"/>
+          </p:cNvSpPr>
+          <p:nvPr>
+            <p:ph type="title"/>
+          </p:nvPr>
+        </p:nvSpPr>
+        <p:spPr/>
+        <p:txBody>
+          <a:bodyPr/>
+          <a:lstStyle/>
+          <a:p>
+            <a:r>
+              <a:rPr lang="en-US" smtClean="0"/>
+              <a:t>Click to edit Master title style</a:t>
+            </a:r>
+            <a:endParaRPr lang="en-US"/>
+          </a:p>
+        </p:txBody>
+      </p:sp>
+      <p:sp>
+        <p:nvSpPr>
+          <p:cNvPr id="3" name="Date Placeholder 2"/>
+          <p:cNvSpPr>
+            <a:spLocks noGrp="1"/>
+          </p:cNvSpPr>
+          <p:nvPr>
+            <p:ph type="dt" sz="half" idx="10"/>
+          </p:nvPr>
+        </p:nvSpPr>
+        <p:spPr/>
+        <p:txBody>
+          <a:bodyPr/>
+          <a:lstStyle/>
+          <a:p>
+            <a:fld id="{985D6BDF-9D0E-4E2B-85B8-D8F4790360C9}" type="datetimeFigureOut">
+              <a:rPr lang="en-US" smtClean="0"/>
+              <a:t>1/23/2022</a:t>
+            </a:fld>
+            <a:endParaRPr lang="en-US" dirty="0"/>
+          </a:p>
+        </p:txBody>
+      </p:sp>
+      <p:sp>
+        <p:nvSpPr>
+          <p:cNvPr id="4" name="Footer Placeholder 3"/>
+          <p:cNvSpPr>
+            <a:spLocks noGrp="1"/>
+          </p:cNvSpPr>
+          <p:nvPr>
+            <p:ph type="ftr" sz="quarter" idx="11"/>
+          </p:nvPr>
+        </p:nvSpPr>
+        <p:spPr/>
+        <p:txBody>
+          <a:bodyPr/>
+          <a:lstStyle/>
+          <a:p>
+            <a:endParaRPr lang="en-US" dirty="0"/>
+          </a:p>
+        </p:txBody>
+      </p:sp>
+      <p:sp>
+        <p:nvSpPr>
+          <p:cNvPr id="5" name="Slide Number Placeholder 4"/>
+          <p:cNvSpPr>
+            <a:spLocks noGrp="1"/>
+          </p:cNvSpPr>
+          <p:nvPr>
+            <p:ph type="sldNum" sz="quarter" idx="12"/>
+          </p:nvPr>
+        </p:nvSpPr>
+        <p:spPr/>
+        <p:txBody>
+          <a:bodyPr/>
+          <a:lstStyle/>
+          <a:p>
+            <a:fld id="{FBB075EA-769C-4ECD-B48E-D6FCDC24F876}" type="slidenum">
+              <a:rPr lang="en-US" smtClean="0"/>
+              <a:t>‹#›</a:t>
+            </a:fld>
+            <a:endParaRPr lang="en-US" dirty="0"/>
+          </a:p>
+        </p:txBody>
+      </p:sp>
+    </p:spTree>
+    <p:extLst>
+      <p:ext uri="{BB962C8B-B14F-4D97-AF65-F5344CB8AC3E}">
+        <p14:creationId xmlns:p14="http://schemas.microsoft.com/office/powerpoint/2010/main" val="2358235536"/>
+      </p:ext>
+    </p:extLst>
+  </p:cSld>
+  <p:clrMapOvr>
+    <a:masterClrMapping/>
+  </p:clrMapOvr>
+</p:sldLayout>
+</file>
+
+<file path=ppt/slideLayouts/slideLayout7.xml><?xml version="1.0" encoding="utf-8"?>
+<p:sldLayout xmlns:a="http://schemas.openxmlformats.org/drawingml/2006/main" xmlns:r="http://schemas.openxmlformats.org/officeDocument/2006/relationships" xmlns:p="http://schemas.openxmlformats.org/presentationml/2006/main" type="blank" preserve="1">
+  <p:cSld name="Blank">
+    <p:spTree>
+      <p:nvGrpSpPr>
+        <p:cNvPr id="1" name=""/>
+        <p:cNvGrpSpPr/>
+        <p:nvPr/>
+      </p:nvGrpSpPr>
+      <p:grpSpPr>
+        <a:xfrm>
+          <a:off x="0" y="0"/>
+          <a:ext cx="0" cy="0"/>
+          <a:chOff x="0" y="0"/>
+          <a:chExt cx="0" cy="0"/>
+        </a:xfrm>
+      </p:grpSpPr>
+      <p:sp>
+        <p:nvSpPr>
+          <p:cNvPr id="2" name="Date Placeholder 1"/>
+          <p:cNvSpPr>
+            <a:spLocks noGrp="1"/>
+          </p:cNvSpPr>
+          <p:nvPr>
+            <p:ph type="dt" sz="half" idx="10"/>
+          </p:nvPr>
+        </p:nvSpPr>
+        <p:spPr/>
+        <p:txBody>
+          <a:bodyPr/>
+          <a:lstStyle/>
+          <a:p>
+            <a:fld id="{985D6BDF-9D0E-4E2B-85B8-D8F4790360C9}" type="datetimeFigureOut">
+              <a:rPr lang="en-US" smtClean="0"/>
+              <a:t>1/23/2022</a:t>
+            </a:fld>
+            <a:endParaRPr lang="en-US" dirty="0"/>
+          </a:p>
+        </p:txBody>
+      </p:sp>
+      <p:sp>
+        <p:nvSpPr>
+          <p:cNvPr id="3" name="Footer Placeholder 2"/>
+          <p:cNvSpPr>
+            <a:spLocks noGrp="1"/>
+          </p:cNvSpPr>
+          <p:nvPr>
+            <p:ph type="ftr" sz="quarter" idx="11"/>
+          </p:nvPr>
+        </p:nvSpPr>
+        <p:spPr/>
+        <p:txBody>
+          <a:bodyPr/>
+          <a:lstStyle/>
+          <a:p>
+            <a:endParaRPr lang="en-US" dirty="0"/>
+          </a:p>
+        </p:txBody>
+      </p:sp>
+      <p:sp>
+        <p:nvSpPr>
+          <p:cNvPr id="4" name="Slide Number Placeholder 3"/>
+          <p:cNvSpPr>
+            <a:spLocks noGrp="1"/>
+          </p:cNvSpPr>
+          <p:nvPr>
+            <p:ph type="sldNum" sz="quarter" idx="12"/>
+          </p:nvPr>
+        </p:nvSpPr>
+        <p:spPr/>
+        <p:txBody>
+          <a:bodyPr/>
+          <a:lstStyle/>
+          <a:p>
+            <a:fld id="{FBB075EA-769C-4ECD-B48E-D6FCDC24F876}" type="slidenum">
+              <a:rPr lang="en-US" smtClean="0"/>
+              <a:t>‹#›</a:t>
+            </a:fld>
+            <a:endParaRPr lang="en-US" dirty="0"/>
+          </a:p>
+        </p:txBody>
+      </p:sp>
+    </p:spTree>
+    <p:extLst>
+      <p:ext uri="{BB962C8B-B14F-4D97-AF65-F5344CB8AC3E}">
+        <p14:creationId xmlns:p14="http://schemas.microsoft.com/office/powerpoint/2010/main" val="730604263"/>
+      </p:ext>
+    </p:extLst>
+  </p:cSld>
+  <p:clrMapOvr>
+    <a:masterClrMapping/>
+  </p:clrMapOvr>
+</p:sldLayout>
+</file>
+
+<file path=ppt/slideLayouts/slideLayout8.xml><?xml version="1.0" encoding="utf-8"?>
+<p:sldLayout xmlns:a="http://schemas.openxmlformats.org/drawingml/2006/main" xmlns:r="http://schemas.openxmlformats.org/officeDocument/2006/relationships" xmlns:p="http://schemas.openxmlformats.org/presentationml/2006/main" type="objTx" preserve="1">
+  <p:cSld name="Content with Caption">
+    <p:spTree>
+      <p:nvGrpSpPr>
+        <p:cNvPr id="1" name=""/>
+        <p:cNvGrpSpPr/>
+        <p:nvPr/>
+      </p:nvGrpSpPr>
+      <p:grpSpPr>
+        <a:xfrm>
+          <a:off x="0" y="0"/>
+          <a:ext cx="0" cy="0"/>
+          <a:chOff x="0" y="0"/>
+          <a:chExt cx="0" cy="0"/>
+        </a:xfrm>
+      </p:grpSpPr>
+      <p:sp>
+        <p:nvSpPr>
+          <p:cNvPr id="2" name="Title 1"/>
+          <p:cNvSpPr>
+            <a:spLocks noGrp="1"/>
+          </p:cNvSpPr>
+          <p:nvPr>
+            <p:ph type="title"/>
+          </p:nvPr>
+        </p:nvSpPr>
+        <p:spPr>
+          <a:xfrm>
+            <a:off x="1645927" y="873761"/>
+            <a:ext cx="10829927" cy="3718560"/>
+          </a:xfrm>
+        </p:spPr>
+        <p:txBody>
+          <a:bodyPr anchor="b"/>
+          <a:lstStyle>
+            <a:lvl1pPr algn="l">
+              <a:defRPr sz="6900" b="1"/>
+            </a:lvl1pPr>
+          </a:lstStyle>
+          <a:p>
+            <a:r>
+              <a:rPr lang="en-US" smtClean="0"/>
+              <a:t>Click to edit Master title style</a:t>
+            </a:r>
+            <a:endParaRPr lang="en-US"/>
+          </a:p>
+        </p:txBody>
+      </p:sp>
+      <p:sp>
+        <p:nvSpPr>
+          <p:cNvPr id="3" name="Content Placeholder 2"/>
+          <p:cNvSpPr>
+            <a:spLocks noGrp="1"/>
+          </p:cNvSpPr>
+          <p:nvPr>
+            <p:ph idx="1"/>
+          </p:nvPr>
+        </p:nvSpPr>
+        <p:spPr>
+          <a:xfrm>
+            <a:off x="12870180" y="873761"/>
+            <a:ext cx="18402300" cy="18729962"/>
+          </a:xfrm>
+        </p:spPr>
+        <p:txBody>
+          <a:bodyPr/>
+          <a:lstStyle>
+            <a:lvl1pPr>
+              <a:defRPr sz="11000"/>
+            </a:lvl1pPr>
+            <a:lvl2pPr>
+              <a:defRPr sz="9600"/>
+            </a:lvl2pPr>
+            <a:lvl3pPr>
+              <a:defRPr sz="8200"/>
+            </a:lvl3pPr>
+            <a:lvl4pPr>
+              <a:defRPr sz="6900"/>
+            </a:lvl4pPr>
+            <a:lvl5pPr>
+              <a:defRPr sz="6900"/>
+            </a:lvl5pPr>
+            <a:lvl6pPr>
+              <a:defRPr sz="6900"/>
+            </a:lvl6pPr>
+            <a:lvl7pPr>
+              <a:defRPr sz="6900"/>
+            </a:lvl7pPr>
+            <a:lvl8pPr>
+              <a:defRPr sz="6900"/>
+            </a:lvl8pPr>
+            <a:lvl9pPr>
+              <a:defRPr sz="6900"/>
+            </a:lvl9pPr>
+          </a:lstStyle>
+          <a:p>
+            <a:pPr lvl="0"/>
+            <a:r>
+              <a:rPr lang="en-US" smtClean="0"/>
+              <a:t>Click to edit Master text styles</a:t>
+            </a:r>
+          </a:p>
+          <a:p>
+            <a:pPr lvl="1"/>
+            <a:r>
+              <a:rPr lang="en-US" smtClean="0"/>
+              <a:t>Second level</a:t>
+            </a:r>
+          </a:p>
+          <a:p>
+            <a:pPr lvl="2"/>
+            <a:r>
+              <a:rPr lang="en-US" smtClean="0"/>
+              <a:t>Third level</a:t>
+            </a:r>
+          </a:p>
+          <a:p>
+            <a:pPr lvl="3"/>
+            <a:r>
+              <a:rPr lang="en-US" smtClean="0"/>
+              <a:t>Fourth level</a:t>
+            </a:r>
+          </a:p>
+          <a:p>
+            <a:pPr lvl="4"/>
+            <a:r>
+              <a:rPr lang="en-US" smtClean="0"/>
+              <a:t>Fifth level</a:t>
+            </a:r>
+            <a:endParaRPr lang="en-US"/>
+          </a:p>
+        </p:txBody>
+      </p:sp>
+      <p:sp>
+        <p:nvSpPr>
+          <p:cNvPr id="4" name="Text Placeholder 3"/>
+          <p:cNvSpPr>
+            <a:spLocks noGrp="1"/>
+          </p:cNvSpPr>
+          <p:nvPr>
+            <p:ph type="body" sz="half" idx="2"/>
+          </p:nvPr>
+        </p:nvSpPr>
+        <p:spPr>
+          <a:xfrm>
+            <a:off x="1645927" y="4592321"/>
+            <a:ext cx="10829927" cy="15011402"/>
+          </a:xfrm>
+        </p:spPr>
+        <p:txBody>
+          <a:bodyPr/>
+          <a:lstStyle>
+            <a:lvl1pPr marL="0" indent="0">
+              <a:buNone/>
+              <a:defRPr sz="4800"/>
+            </a:lvl1pPr>
+            <a:lvl2pPr marL="1567119" indent="0">
+              <a:buNone/>
+              <a:defRPr sz="4100"/>
+            </a:lvl2pPr>
+            <a:lvl3pPr marL="3134239" indent="0">
+              <a:buNone/>
+              <a:defRPr sz="3400"/>
+            </a:lvl3pPr>
+            <a:lvl4pPr marL="4701358" indent="0">
+              <a:buNone/>
+              <a:defRPr sz="3100"/>
+            </a:lvl4pPr>
+            <a:lvl5pPr marL="6268477" indent="0">
+              <a:buNone/>
+              <a:defRPr sz="3100"/>
+            </a:lvl5pPr>
+            <a:lvl6pPr marL="7835597" indent="0">
+              <a:buNone/>
+              <a:defRPr sz="3100"/>
+            </a:lvl6pPr>
+            <a:lvl7pPr marL="9402716" indent="0">
+              <a:buNone/>
+              <a:defRPr sz="3100"/>
+            </a:lvl7pPr>
+            <a:lvl8pPr marL="10969835" indent="0">
+              <a:buNone/>
+              <a:defRPr sz="3100"/>
+            </a:lvl8pPr>
+            <a:lvl9pPr marL="12536955" indent="0">
+              <a:buNone/>
+              <a:defRPr sz="3100"/>
+            </a:lvl9pPr>
+          </a:lstStyle>
+          <a:p>
+            <a:pPr lvl="0"/>
+            <a:r>
+              <a:rPr lang="en-US" smtClean="0"/>
+              <a:t>Click to edit Master text styles</a:t>
+            </a:r>
+          </a:p>
+        </p:txBody>
+      </p:sp>
+      <p:sp>
+        <p:nvSpPr>
+          <p:cNvPr id="5" name="Date Placeholder 4"/>
+          <p:cNvSpPr>
+            <a:spLocks noGrp="1"/>
+          </p:cNvSpPr>
+          <p:nvPr>
+            <p:ph type="dt" sz="half" idx="10"/>
+          </p:nvPr>
+        </p:nvSpPr>
+        <p:spPr/>
+        <p:txBody>
+          <a:bodyPr/>
+          <a:lstStyle/>
+          <a:p>
+            <a:fld id="{985D6BDF-9D0E-4E2B-85B8-D8F4790360C9}" type="datetimeFigureOut">
+              <a:rPr lang="en-US" smtClean="0"/>
+              <a:t>1/23/2022</a:t>
+            </a:fld>
+            <a:endParaRPr lang="en-US" dirty="0"/>
+          </a:p>
+        </p:txBody>
+      </p:sp>
+      <p:sp>
+        <p:nvSpPr>
+          <p:cNvPr id="6" name="Footer Placeholder 5"/>
+          <p:cNvSpPr>
+            <a:spLocks noGrp="1"/>
+          </p:cNvSpPr>
+          <p:nvPr>
+            <p:ph type="ftr" sz="quarter" idx="11"/>
+          </p:nvPr>
+        </p:nvSpPr>
+        <p:spPr/>
+        <p:txBody>
+          <a:bodyPr/>
+          <a:lstStyle/>
+          <a:p>
+            <a:endParaRPr lang="en-US" dirty="0"/>
+          </a:p>
+        </p:txBody>
+      </p:sp>
+      <p:sp>
+        <p:nvSpPr>
+          <p:cNvPr id="7" name="Slide Number Placeholder 6"/>
+          <p:cNvSpPr>
+            <a:spLocks noGrp="1"/>
+          </p:cNvSpPr>
+          <p:nvPr>
+            <p:ph type="sldNum" sz="quarter" idx="12"/>
+          </p:nvPr>
+        </p:nvSpPr>
+        <p:spPr/>
+        <p:txBody>
+          <a:bodyPr/>
+          <a:lstStyle/>
+          <a:p>
+            <a:fld id="{FBB075EA-769C-4ECD-B48E-D6FCDC24F876}" type="slidenum">
+              <a:rPr lang="en-US" smtClean="0"/>
+              <a:t>‹#›</a:t>
+            </a:fld>
+            <a:endParaRPr lang="en-US" dirty="0"/>
+          </a:p>
+        </p:txBody>
+      </p:sp>
+    </p:spTree>
+    <p:extLst>
+      <p:ext uri="{BB962C8B-B14F-4D97-AF65-F5344CB8AC3E}">
+        <p14:creationId xmlns:p14="http://schemas.microsoft.com/office/powerpoint/2010/main" val="3671346800"/>
+      </p:ext>
+    </p:extLst>
+  </p:cSld>
+  <p:clrMapOvr>
+    <a:masterClrMapping/>
+  </p:clrMapOvr>
+</p:sldLayout>
+</file>
+
+<file path=ppt/slideLayouts/slideLayout9.xml><?xml version="1.0" encoding="utf-8"?>
+<p:sldLayout xmlns:a="http://schemas.openxmlformats.org/drawingml/2006/main" xmlns:r="http://schemas.openxmlformats.org/officeDocument/2006/relationships" xmlns:p="http://schemas.openxmlformats.org/presentationml/2006/main" type="picTx" preserve="1">
+  <p:cSld name="Picture with Caption">
+    <p:spTree>
+      <p:nvGrpSpPr>
+        <p:cNvPr id="1" name=""/>
+        <p:cNvGrpSpPr/>
+        <p:nvPr/>
+      </p:nvGrpSpPr>
+      <p:grpSpPr>
+        <a:xfrm>
+          <a:off x="0" y="0"/>
+          <a:ext cx="0" cy="0"/>
+          <a:chOff x="0" y="0"/>
+          <a:chExt cx="0" cy="0"/>
+        </a:xfrm>
+      </p:grpSpPr>
+      <p:sp>
+        <p:nvSpPr>
+          <p:cNvPr id="2" name="Title 1"/>
+          <p:cNvSpPr>
+            <a:spLocks noGrp="1"/>
+          </p:cNvSpPr>
+          <p:nvPr>
+            <p:ph type="title"/>
+          </p:nvPr>
+        </p:nvSpPr>
+        <p:spPr>
+          <a:xfrm>
+            <a:off x="6452237" y="15361921"/>
+            <a:ext cx="19751040" cy="1813562"/>
+          </a:xfrm>
+        </p:spPr>
+        <p:txBody>
+          <a:bodyPr anchor="b"/>
+          <a:lstStyle>
+            <a:lvl1pPr algn="l">
+              <a:defRPr sz="6900" b="1"/>
+            </a:lvl1pPr>
+          </a:lstStyle>
+          <a:p>
+            <a:r>
+              <a:rPr lang="en-US" smtClean="0"/>
+              <a:t>Click to edit Master title style</a:t>
+            </a:r>
+            <a:endParaRPr lang="en-US"/>
+          </a:p>
+        </p:txBody>
+      </p:sp>
+      <p:sp>
+        <p:nvSpPr>
+          <p:cNvPr id="3" name="Picture Placeholder 2"/>
+          <p:cNvSpPr>
+            <a:spLocks noGrp="1"/>
+          </p:cNvSpPr>
+          <p:nvPr>
+            <p:ph type="pic" idx="1"/>
+          </p:nvPr>
+        </p:nvSpPr>
+        <p:spPr>
+          <a:xfrm>
+            <a:off x="6452237" y="1960880"/>
+            <a:ext cx="19751040" cy="13167360"/>
+          </a:xfrm>
+        </p:spPr>
+        <p:txBody>
+          <a:bodyPr/>
+          <a:lstStyle>
+            <a:lvl1pPr marL="0" indent="0">
+              <a:buNone/>
+              <a:defRPr sz="11000"/>
+            </a:lvl1pPr>
+            <a:lvl2pPr marL="1567119" indent="0">
+              <a:buNone/>
+              <a:defRPr sz="9600"/>
+            </a:lvl2pPr>
+            <a:lvl3pPr marL="3134239" indent="0">
+              <a:buNone/>
+              <a:defRPr sz="8200"/>
+            </a:lvl3pPr>
+            <a:lvl4pPr marL="4701358" indent="0">
+              <a:buNone/>
+              <a:defRPr sz="6900"/>
+            </a:lvl4pPr>
+            <a:lvl5pPr marL="6268477" indent="0">
+              <a:buNone/>
+              <a:defRPr sz="6900"/>
+            </a:lvl5pPr>
+            <a:lvl6pPr marL="7835597" indent="0">
+              <a:buNone/>
+              <a:defRPr sz="6900"/>
+            </a:lvl6pPr>
+            <a:lvl7pPr marL="9402716" indent="0">
+              <a:buNone/>
+              <a:defRPr sz="6900"/>
+            </a:lvl7pPr>
+            <a:lvl8pPr marL="10969835" indent="0">
+              <a:buNone/>
+              <a:defRPr sz="6900"/>
+            </a:lvl8pPr>
+            <a:lvl9pPr marL="12536955" indent="0">
+              <a:buNone/>
+              <a:defRPr sz="6900"/>
+            </a:lvl9pPr>
+          </a:lstStyle>
+          <a:p>
+            <a:endParaRPr lang="en-US"/>
+          </a:p>
+        </p:txBody>
+      </p:sp>
+      <p:sp>
+        <p:nvSpPr>
+          <p:cNvPr id="4" name="Text Placeholder 3"/>
+          <p:cNvSpPr>
+            <a:spLocks noGrp="1"/>
+          </p:cNvSpPr>
+          <p:nvPr>
+            <p:ph type="body" sz="half" idx="2"/>
+          </p:nvPr>
+        </p:nvSpPr>
+        <p:spPr>
+          <a:xfrm>
+            <a:off x="6452237" y="17175482"/>
+            <a:ext cx="19751040" cy="2575558"/>
+          </a:xfrm>
+        </p:spPr>
+        <p:txBody>
+          <a:bodyPr/>
+          <a:lstStyle>
+            <a:lvl1pPr marL="0" indent="0">
+              <a:buNone/>
+              <a:defRPr sz="4800"/>
+            </a:lvl1pPr>
+            <a:lvl2pPr marL="1567119" indent="0">
+              <a:buNone/>
+              <a:defRPr sz="4100"/>
+            </a:lvl2pPr>
+            <a:lvl3pPr marL="3134239" indent="0">
+              <a:buNone/>
+              <a:defRPr sz="3400"/>
+            </a:lvl3pPr>
+            <a:lvl4pPr marL="4701358" indent="0">
+              <a:buNone/>
+              <a:defRPr sz="3100"/>
+            </a:lvl4pPr>
+            <a:lvl5pPr marL="6268477" indent="0">
+              <a:buNone/>
+              <a:defRPr sz="3100"/>
+            </a:lvl5pPr>
+            <a:lvl6pPr marL="7835597" indent="0">
+              <a:buNone/>
+              <a:defRPr sz="3100"/>
+            </a:lvl6pPr>
+            <a:lvl7pPr marL="9402716" indent="0">
+              <a:buNone/>
+              <a:defRPr sz="3100"/>
+            </a:lvl7pPr>
+            <a:lvl8pPr marL="10969835" indent="0">
+              <a:buNone/>
+              <a:defRPr sz="3100"/>
+            </a:lvl8pPr>
+            <a:lvl9pPr marL="12536955" indent="0">
+              <a:buNone/>
+              <a:defRPr sz="3100"/>
+            </a:lvl9pPr>
+          </a:lstStyle>
+          <a:p>
+            <a:pPr lvl="0"/>
+            <a:r>
+              <a:rPr lang="en-US" smtClean="0"/>
+              <a:t>Click to edit Master text styles</a:t>
+            </a:r>
+          </a:p>
+        </p:txBody>
+      </p:sp>
+      <p:sp>
+        <p:nvSpPr>
+          <p:cNvPr id="5" name="Date Placeholder 4"/>
+          <p:cNvSpPr>
+            <a:spLocks noGrp="1"/>
+          </p:cNvSpPr>
+          <p:nvPr>
+            <p:ph type="dt" sz="half" idx="10"/>
+          </p:nvPr>
+        </p:nvSpPr>
+        <p:spPr/>
+        <p:txBody>
+          <a:bodyPr/>
+          <a:lstStyle/>
+          <a:p>
+            <a:fld id="{985D6BDF-9D0E-4E2B-85B8-D8F4790360C9}" type="datetimeFigureOut">
+              <a:rPr lang="en-US" smtClean="0"/>
+              <a:t>1/23/2022</a:t>
+            </a:fld>
+            <a:endParaRPr lang="en-US" dirty="0"/>
+          </a:p>
+        </p:txBody>
+      </p:sp>
+      <p:sp>
+        <p:nvSpPr>
+          <p:cNvPr id="6" name="Footer Placeholder 5"/>
+          <p:cNvSpPr>
+            <a:spLocks noGrp="1"/>
+          </p:cNvSpPr>
+          <p:nvPr>
+            <p:ph type="ftr" sz="quarter" idx="11"/>
+          </p:nvPr>
+        </p:nvSpPr>
+        <p:spPr/>
+        <p:txBody>
+          <a:bodyPr/>
+          <a:lstStyle/>
+          <a:p>
+            <a:endParaRPr lang="en-US" dirty="0"/>
+          </a:p>
+        </p:txBody>
+      </p:sp>
+      <p:sp>
+        <p:nvSpPr>
+          <p:cNvPr id="7" name="Slide Number Placeholder 6"/>
+          <p:cNvSpPr>
+            <a:spLocks noGrp="1"/>
+          </p:cNvSpPr>
+          <p:nvPr>
+            <p:ph type="sldNum" sz="quarter" idx="12"/>
+          </p:nvPr>
+        </p:nvSpPr>
+        <p:spPr/>
+        <p:txBody>
+          <a:bodyPr/>
+          <a:lstStyle/>
+          <a:p>
+            <a:fld id="{FBB075EA-769C-4ECD-B48E-D6FCDC24F876}" type="slidenum">
+              <a:rPr lang="en-US" smtClean="0"/>
+              <a:t>‹#›</a:t>
+            </a:fld>
+            <a:endParaRPr lang="en-US" dirty="0"/>
+          </a:p>
+        </p:txBody>
+      </p:sp>
+    </p:spTree>
+    <p:extLst>
+      <p:ext uri="{BB962C8B-B14F-4D97-AF65-F5344CB8AC3E}">
+        <p14:creationId xmlns:p14="http://schemas.microsoft.com/office/powerpoint/2010/main" val="1668907117"/>
+      </p:ext>
+    </p:extLst>
+  </p:cSld>
+  <p:clrMapOvr>
+    <a:masterClrMapping/>
+  </p:clrMapOvr>
 </p:sldLayout>
 </file>
 
@@ -2134,7 +4418,7 @@
         </p:nvSpPr>
         <p:spPr>
           <a:xfrm>
-            <a:off x="1645920" y="878841"/>
+            <a:off x="1645920" y="878842"/>
             <a:ext cx="29626560" cy="3657600"/>
           </a:xfrm>
           <a:prstGeom prst="rect">
@@ -2142,16 +4426,16 @@
           </a:prstGeom>
         </p:spPr>
         <p:txBody>
-          <a:bodyPr vert="horz" lIns="235061" tIns="117531" rIns="235061" bIns="117531" rtlCol="0" anchor="ctr">
+          <a:bodyPr vert="horz" lIns="313423" tIns="156713" rIns="313423" bIns="156713" rtlCol="0" anchor="ctr">
             <a:normAutofit/>
           </a:bodyPr>
           <a:lstStyle/>
           <a:p>
             <a:r>
-              <a:rPr lang="en-US" dirty="0" smtClean="0"/>
+              <a:rPr lang="en-US" smtClean="0"/>
               <a:t>Click to edit Master title style</a:t>
             </a:r>
-            <a:endParaRPr lang="en-US" dirty="0"/>
+            <a:endParaRPr lang="en-US"/>
           </a:p>
         </p:txBody>
       </p:sp>
@@ -2167,7 +4451,7 @@
         </p:nvSpPr>
         <p:spPr>
           <a:xfrm>
-            <a:off x="1645920" y="5120643"/>
+            <a:off x="1645920" y="5120641"/>
             <a:ext cx="29626560" cy="14483082"/>
           </a:xfrm>
           <a:prstGeom prst="rect">
@@ -2175,45 +4459,45 @@
           </a:prstGeom>
         </p:spPr>
         <p:txBody>
-          <a:bodyPr vert="horz" lIns="235061" tIns="117531" rIns="235061" bIns="117531" rtlCol="0">
+          <a:bodyPr vert="horz" lIns="313423" tIns="156713" rIns="313423" bIns="156713" rtlCol="0">
             <a:normAutofit/>
           </a:bodyPr>
           <a:lstStyle/>
           <a:p>
             <a:pPr lvl="0"/>
             <a:r>
-              <a:rPr lang="en-US" dirty="0" smtClean="0"/>
+              <a:rPr lang="en-US" smtClean="0"/>
               <a:t>Click to edit Master text styles</a:t>
             </a:r>
           </a:p>
           <a:p>
             <a:pPr lvl="1"/>
             <a:r>
-              <a:rPr lang="en-US" dirty="0" smtClean="0"/>
+              <a:rPr lang="en-US" smtClean="0"/>
               <a:t>Second level</a:t>
             </a:r>
           </a:p>
           <a:p>
             <a:pPr lvl="2"/>
             <a:r>
-              <a:rPr lang="en-US" dirty="0" smtClean="0"/>
+              <a:rPr lang="en-US" smtClean="0"/>
               <a:t>Third level</a:t>
             </a:r>
           </a:p>
           <a:p>
             <a:pPr lvl="3"/>
             <a:r>
-              <a:rPr lang="en-US" dirty="0" smtClean="0"/>
+              <a:rPr lang="en-US" smtClean="0"/>
               <a:t>Fourth level</a:t>
             </a:r>
           </a:p>
           <a:p>
             <a:pPr lvl="4"/>
             <a:r>
-              <a:rPr lang="en-US" dirty="0" smtClean="0"/>
+              <a:rPr lang="en-US" smtClean="0"/>
               <a:t>Fifth level</a:t>
             </a:r>
-            <a:endParaRPr lang="en-US" dirty="0"/>
+            <a:endParaRPr lang="en-US"/>
           </a:p>
         </p:txBody>
       </p:sp>
@@ -2229,7 +4513,7 @@
         </p:nvSpPr>
         <p:spPr>
           <a:xfrm>
-            <a:off x="1645920" y="20340322"/>
+            <a:off x="1645920" y="20340326"/>
             <a:ext cx="7680960" cy="1168400"/>
           </a:xfrm>
           <a:prstGeom prst="rect">
@@ -2237,10 +4521,10 @@
           </a:prstGeom>
         </p:spPr>
         <p:txBody>
-          <a:bodyPr vert="horz" lIns="235061" tIns="117531" rIns="235061" bIns="117531" rtlCol="0" anchor="ctr"/>
+          <a:bodyPr vert="horz" lIns="313423" tIns="156713" rIns="313423" bIns="156713" rtlCol="0" anchor="ctr"/>
           <a:lstStyle>
             <a:lvl1pPr algn="l">
-              <a:defRPr sz="3200">
+              <a:defRPr sz="4100">
                 <a:solidFill>
                   <a:schemeClr val="tx1">
                     <a:tint val="75000"/>
@@ -2270,7 +4554,7 @@
         </p:nvSpPr>
         <p:spPr>
           <a:xfrm>
-            <a:off x="11247120" y="20340322"/>
+            <a:off x="11247120" y="20340326"/>
             <a:ext cx="10424160" cy="1168400"/>
           </a:xfrm>
           <a:prstGeom prst="rect">
@@ -2278,10 +4562,10 @@
           </a:prstGeom>
         </p:spPr>
         <p:txBody>
-          <a:bodyPr vert="horz" lIns="235061" tIns="117531" rIns="235061" bIns="117531" rtlCol="0" anchor="ctr"/>
+          <a:bodyPr vert="horz" lIns="313423" tIns="156713" rIns="313423" bIns="156713" rtlCol="0" anchor="ctr"/>
           <a:lstStyle>
             <a:lvl1pPr algn="ctr">
-              <a:defRPr sz="3200">
+              <a:defRPr sz="4100">
                 <a:solidFill>
                   <a:schemeClr val="tx1">
                     <a:tint val="75000"/>
@@ -2307,7 +4591,7 @@
         </p:nvSpPr>
         <p:spPr>
           <a:xfrm>
-            <a:off x="23591520" y="20340322"/>
+            <a:off x="23591520" y="20340326"/>
             <a:ext cx="7680960" cy="1168400"/>
           </a:xfrm>
           <a:prstGeom prst="rect">
@@ -2315,10 +4599,10 @@
           </a:prstGeom>
         </p:spPr>
         <p:txBody>
-          <a:bodyPr vert="horz" lIns="235061" tIns="117531" rIns="235061" bIns="117531" rtlCol="0" anchor="ctr"/>
+          <a:bodyPr vert="horz" lIns="313423" tIns="156713" rIns="313423" bIns="156713" rtlCol="0" anchor="ctr"/>
           <a:lstStyle>
             <a:lvl1pPr algn="r">
-              <a:defRPr sz="3200">
+              <a:defRPr sz="4100">
                 <a:solidFill>
                   <a:schemeClr val="tx1">
                     <a:tint val="75000"/>
@@ -2339,30 +4623,33 @@
     </p:spTree>
     <p:extLst>
       <p:ext uri="{BB962C8B-B14F-4D97-AF65-F5344CB8AC3E}">
-        <p14:creationId xmlns:p14="http://schemas.microsoft.com/office/powerpoint/2010/main" val="72322184"/>
+        <p14:creationId xmlns:p14="http://schemas.microsoft.com/office/powerpoint/2010/main" val="490272187"/>
       </p:ext>
     </p:extLst>
   </p:cSld>
   <p:clrMap bg1="lt1" tx1="dk1" bg2="lt2" tx2="dk2" accent1="accent1" accent2="accent2" accent3="accent3" accent4="accent4" accent5="accent5" accent6="accent6" hlink="hlink" folHlink="folHlink"/>
   <p:sldLayoutIdLst>
-    <p:sldLayoutId id="2147483649" r:id="rId1"/>
-    <p:sldLayoutId id="2147483650" r:id="rId2"/>
+    <p:sldLayoutId id="2147483756" r:id="rId1"/>
+    <p:sldLayoutId id="2147483757" r:id="rId2"/>
+    <p:sldLayoutId id="2147483758" r:id="rId3"/>
+    <p:sldLayoutId id="2147483759" r:id="rId4"/>
+    <p:sldLayoutId id="2147483760" r:id="rId5"/>
+    <p:sldLayoutId id="2147483761" r:id="rId6"/>
+    <p:sldLayoutId id="2147483762" r:id="rId7"/>
+    <p:sldLayoutId id="2147483763" r:id="rId8"/>
+    <p:sldLayoutId id="2147483764" r:id="rId9"/>
+    <p:sldLayoutId id="2147483765" r:id="rId10"/>
+    <p:sldLayoutId id="2147483766" r:id="rId11"/>
+    <p:sldLayoutId id="2147483767" r:id="rId12"/>
   </p:sldLayoutIdLst>
-  <p:timing>
-    <p:tnLst>
-      <p:par>
-        <p:cTn id="1" dur="indefinite" restart="never" nodeType="tmRoot"/>
-      </p:par>
-    </p:tnLst>
-  </p:timing>
   <p:txStyles>
     <p:titleStyle>
-      <a:lvl1pPr algn="ctr" defTabSz="2350606" rtl="0" eaLnBrk="1" latinLnBrk="0" hangingPunct="1">
+      <a:lvl1pPr algn="ctr" defTabSz="3134239" rtl="0" eaLnBrk="1" latinLnBrk="0" hangingPunct="1">
         <a:spcBef>
           <a:spcPct val="0"/>
         </a:spcBef>
         <a:buNone/>
-        <a:defRPr sz="4200" kern="1200">
+        <a:defRPr sz="15100" kern="1200">
           <a:solidFill>
             <a:schemeClr val="tx1"/>
           </a:solidFill>
@@ -2373,13 +4660,13 @@
       </a:lvl1pPr>
     </p:titleStyle>
     <p:bodyStyle>
-      <a:lvl1pPr marL="244855" indent="-244855" algn="l" defTabSz="2350606" rtl="0" eaLnBrk="1" latinLnBrk="0" hangingPunct="1">
+      <a:lvl1pPr marL="1175341" indent="-1175341" algn="l" defTabSz="3134239" rtl="0" eaLnBrk="1" latinLnBrk="0" hangingPunct="1">
         <a:spcBef>
           <a:spcPct val="20000"/>
         </a:spcBef>
         <a:buFont typeface="Arial" pitchFamily="34" charset="0"/>
         <a:buChar char="•"/>
-        <a:defRPr sz="1900" kern="1200">
+        <a:defRPr sz="11000" kern="1200">
           <a:solidFill>
             <a:schemeClr val="tx1"/>
           </a:solidFill>
@@ -2388,13 +4675,13 @@
           <a:cs typeface="+mn-cs"/>
         </a:defRPr>
       </a:lvl1pPr>
-      <a:lvl2pPr marL="489709" indent="-244855" algn="l" defTabSz="2350606" rtl="0" eaLnBrk="1" latinLnBrk="0" hangingPunct="1">
+      <a:lvl2pPr marL="2546570" indent="-979450" algn="l" defTabSz="3134239" rtl="0" eaLnBrk="1" latinLnBrk="0" hangingPunct="1">
         <a:spcBef>
           <a:spcPct val="20000"/>
         </a:spcBef>
         <a:buFont typeface="Arial" pitchFamily="34" charset="0"/>
         <a:buChar char="–"/>
-        <a:defRPr sz="1900" kern="1200">
+        <a:defRPr sz="9600" kern="1200">
           <a:solidFill>
             <a:schemeClr val="tx1"/>
           </a:solidFill>
@@ -2403,13 +4690,13 @@
           <a:cs typeface="+mn-cs"/>
         </a:defRPr>
       </a:lvl2pPr>
-      <a:lvl3pPr marL="734565" indent="-244855" algn="l" defTabSz="2350606" rtl="0" eaLnBrk="1" latinLnBrk="0" hangingPunct="1">
+      <a:lvl3pPr marL="3917798" indent="-783560" algn="l" defTabSz="3134239" rtl="0" eaLnBrk="1" latinLnBrk="0" hangingPunct="1">
         <a:spcBef>
           <a:spcPct val="20000"/>
         </a:spcBef>
         <a:buFont typeface="Arial" pitchFamily="34" charset="0"/>
         <a:buChar char="•"/>
-        <a:defRPr sz="1900" kern="1200">
+        <a:defRPr sz="8200" kern="1200">
           <a:solidFill>
             <a:schemeClr val="tx1"/>
           </a:solidFill>
@@ -2418,13 +4705,13 @@
           <a:cs typeface="+mn-cs"/>
         </a:defRPr>
       </a:lvl3pPr>
-      <a:lvl4pPr marL="979419" indent="-244855" algn="l" defTabSz="2350606" rtl="0" eaLnBrk="1" latinLnBrk="0" hangingPunct="1">
+      <a:lvl4pPr marL="5484918" indent="-783560" algn="l" defTabSz="3134239" rtl="0" eaLnBrk="1" latinLnBrk="0" hangingPunct="1">
         <a:spcBef>
           <a:spcPct val="20000"/>
         </a:spcBef>
         <a:buFont typeface="Arial" pitchFamily="34" charset="0"/>
         <a:buChar char="–"/>
-        <a:defRPr sz="1900" kern="1200">
+        <a:defRPr sz="6900" kern="1200">
           <a:solidFill>
             <a:schemeClr val="tx1"/>
           </a:solidFill>
@@ -2433,13 +4720,13 @@
           <a:cs typeface="+mn-cs"/>
         </a:defRPr>
       </a:lvl4pPr>
-      <a:lvl5pPr marL="1224275" indent="-244855" algn="l" defTabSz="2350606" rtl="0" eaLnBrk="1" latinLnBrk="0" hangingPunct="1">
+      <a:lvl5pPr marL="7052037" indent="-783560" algn="l" defTabSz="3134239" rtl="0" eaLnBrk="1" latinLnBrk="0" hangingPunct="1">
         <a:spcBef>
           <a:spcPct val="20000"/>
         </a:spcBef>
         <a:buFont typeface="Arial" pitchFamily="34" charset="0"/>
         <a:buChar char="»"/>
-        <a:defRPr sz="1900" kern="1200">
+        <a:defRPr sz="6900" kern="1200">
           <a:solidFill>
             <a:schemeClr val="tx1"/>
           </a:solidFill>
@@ -2448,13 +4735,13 @@
           <a:cs typeface="+mn-cs"/>
         </a:defRPr>
       </a:lvl5pPr>
-      <a:lvl6pPr marL="6464169" indent="-587652" algn="l" defTabSz="2350606" rtl="0" eaLnBrk="1" latinLnBrk="0" hangingPunct="1">
+      <a:lvl6pPr marL="8619156" indent="-783560" algn="l" defTabSz="3134239" rtl="0" eaLnBrk="1" latinLnBrk="0" hangingPunct="1">
         <a:spcBef>
           <a:spcPct val="20000"/>
         </a:spcBef>
         <a:buFont typeface="Arial" pitchFamily="34" charset="0"/>
         <a:buChar char="•"/>
-        <a:defRPr sz="5200" kern="1200">
+        <a:defRPr sz="6900" kern="1200">
           <a:solidFill>
             <a:schemeClr val="tx1"/>
           </a:solidFill>
@@ -2463,13 +4750,13 @@
           <a:cs typeface="+mn-cs"/>
         </a:defRPr>
       </a:lvl6pPr>
-      <a:lvl7pPr marL="7639472" indent="-587652" algn="l" defTabSz="2350606" rtl="0" eaLnBrk="1" latinLnBrk="0" hangingPunct="1">
+      <a:lvl7pPr marL="10186276" indent="-783560" algn="l" defTabSz="3134239" rtl="0" eaLnBrk="1" latinLnBrk="0" hangingPunct="1">
         <a:spcBef>
           <a:spcPct val="20000"/>
         </a:spcBef>
         <a:buFont typeface="Arial" pitchFamily="34" charset="0"/>
         <a:buChar char="•"/>
-        <a:defRPr sz="5200" kern="1200">
+        <a:defRPr sz="6900" kern="1200">
           <a:solidFill>
             <a:schemeClr val="tx1"/>
           </a:solidFill>
@@ -2478,13 +4765,13 @@
           <a:cs typeface="+mn-cs"/>
         </a:defRPr>
       </a:lvl7pPr>
-      <a:lvl8pPr marL="8814776" indent="-587652" algn="l" defTabSz="2350606" rtl="0" eaLnBrk="1" latinLnBrk="0" hangingPunct="1">
+      <a:lvl8pPr marL="11753395" indent="-783560" algn="l" defTabSz="3134239" rtl="0" eaLnBrk="1" latinLnBrk="0" hangingPunct="1">
         <a:spcBef>
           <a:spcPct val="20000"/>
         </a:spcBef>
         <a:buFont typeface="Arial" pitchFamily="34" charset="0"/>
         <a:buChar char="•"/>
-        <a:defRPr sz="5200" kern="1200">
+        <a:defRPr sz="6900" kern="1200">
           <a:solidFill>
             <a:schemeClr val="tx1"/>
           </a:solidFill>
@@ -2493,13 +4780,13 @@
           <a:cs typeface="+mn-cs"/>
         </a:defRPr>
       </a:lvl8pPr>
-      <a:lvl9pPr marL="9990078" indent="-587652" algn="l" defTabSz="2350606" rtl="0" eaLnBrk="1" latinLnBrk="0" hangingPunct="1">
+      <a:lvl9pPr marL="13320514" indent="-783560" algn="l" defTabSz="3134239" rtl="0" eaLnBrk="1" latinLnBrk="0" hangingPunct="1">
         <a:spcBef>
           <a:spcPct val="20000"/>
         </a:spcBef>
         <a:buFont typeface="Arial" pitchFamily="34" charset="0"/>
         <a:buChar char="•"/>
-        <a:defRPr sz="5200" kern="1200">
+        <a:defRPr sz="6900" kern="1200">
           <a:solidFill>
             <a:schemeClr val="tx1"/>
           </a:solidFill>
@@ -2513,8 +4800,8 @@
       <a:defPPr>
         <a:defRPr lang="en-US"/>
       </a:defPPr>
-      <a:lvl1pPr marL="0" algn="l" defTabSz="2350606" rtl="0" eaLnBrk="1" latinLnBrk="0" hangingPunct="1">
-        <a:defRPr sz="4600" kern="1200">
+      <a:lvl1pPr marL="0" algn="l" defTabSz="3134239" rtl="0" eaLnBrk="1" latinLnBrk="0" hangingPunct="1">
+        <a:defRPr sz="6200" kern="1200">
           <a:solidFill>
             <a:schemeClr val="tx1"/>
           </a:solidFill>
@@ -2523,8 +4810,8 @@
           <a:cs typeface="+mn-cs"/>
         </a:defRPr>
       </a:lvl1pPr>
-      <a:lvl2pPr marL="1175304" algn="l" defTabSz="2350606" rtl="0" eaLnBrk="1" latinLnBrk="0" hangingPunct="1">
-        <a:defRPr sz="4600" kern="1200">
+      <a:lvl2pPr marL="1567119" algn="l" defTabSz="3134239" rtl="0" eaLnBrk="1" latinLnBrk="0" hangingPunct="1">
+        <a:defRPr sz="6200" kern="1200">
           <a:solidFill>
             <a:schemeClr val="tx1"/>
           </a:solidFill>
@@ -2533,8 +4820,8 @@
           <a:cs typeface="+mn-cs"/>
         </a:defRPr>
       </a:lvl2pPr>
-      <a:lvl3pPr marL="2350606" algn="l" defTabSz="2350606" rtl="0" eaLnBrk="1" latinLnBrk="0" hangingPunct="1">
-        <a:defRPr sz="4600" kern="1200">
+      <a:lvl3pPr marL="3134239" algn="l" defTabSz="3134239" rtl="0" eaLnBrk="1" latinLnBrk="0" hangingPunct="1">
+        <a:defRPr sz="6200" kern="1200">
           <a:solidFill>
             <a:schemeClr val="tx1"/>
           </a:solidFill>
@@ -2543,8 +4830,8 @@
           <a:cs typeface="+mn-cs"/>
         </a:defRPr>
       </a:lvl3pPr>
-      <a:lvl4pPr marL="3525911" algn="l" defTabSz="2350606" rtl="0" eaLnBrk="1" latinLnBrk="0" hangingPunct="1">
-        <a:defRPr sz="4600" kern="1200">
+      <a:lvl4pPr marL="4701358" algn="l" defTabSz="3134239" rtl="0" eaLnBrk="1" latinLnBrk="0" hangingPunct="1">
+        <a:defRPr sz="6200" kern="1200">
           <a:solidFill>
             <a:schemeClr val="tx1"/>
           </a:solidFill>
@@ -2553,8 +4840,8 @@
           <a:cs typeface="+mn-cs"/>
         </a:defRPr>
       </a:lvl4pPr>
-      <a:lvl5pPr marL="4701214" algn="l" defTabSz="2350606" rtl="0" eaLnBrk="1" latinLnBrk="0" hangingPunct="1">
-        <a:defRPr sz="4600" kern="1200">
+      <a:lvl5pPr marL="6268477" algn="l" defTabSz="3134239" rtl="0" eaLnBrk="1" latinLnBrk="0" hangingPunct="1">
+        <a:defRPr sz="6200" kern="1200">
           <a:solidFill>
             <a:schemeClr val="tx1"/>
           </a:solidFill>
@@ -2563,8 +4850,8 @@
           <a:cs typeface="+mn-cs"/>
         </a:defRPr>
       </a:lvl5pPr>
-      <a:lvl6pPr marL="5876517" algn="l" defTabSz="2350606" rtl="0" eaLnBrk="1" latinLnBrk="0" hangingPunct="1">
-        <a:defRPr sz="4600" kern="1200">
+      <a:lvl6pPr marL="7835597" algn="l" defTabSz="3134239" rtl="0" eaLnBrk="1" latinLnBrk="0" hangingPunct="1">
+        <a:defRPr sz="6200" kern="1200">
           <a:solidFill>
             <a:schemeClr val="tx1"/>
           </a:solidFill>
@@ -2573,8 +4860,8 @@
           <a:cs typeface="+mn-cs"/>
         </a:defRPr>
       </a:lvl6pPr>
-      <a:lvl7pPr marL="7051819" algn="l" defTabSz="2350606" rtl="0" eaLnBrk="1" latinLnBrk="0" hangingPunct="1">
-        <a:defRPr sz="4600" kern="1200">
+      <a:lvl7pPr marL="9402716" algn="l" defTabSz="3134239" rtl="0" eaLnBrk="1" latinLnBrk="0" hangingPunct="1">
+        <a:defRPr sz="6200" kern="1200">
           <a:solidFill>
             <a:schemeClr val="tx1"/>
           </a:solidFill>
@@ -2583,8 +4870,8 @@
           <a:cs typeface="+mn-cs"/>
         </a:defRPr>
       </a:lvl7pPr>
-      <a:lvl8pPr marL="8227124" algn="l" defTabSz="2350606" rtl="0" eaLnBrk="1" latinLnBrk="0" hangingPunct="1">
-        <a:defRPr sz="4600" kern="1200">
+      <a:lvl8pPr marL="10969835" algn="l" defTabSz="3134239" rtl="0" eaLnBrk="1" latinLnBrk="0" hangingPunct="1">
+        <a:defRPr sz="6200" kern="1200">
           <a:solidFill>
             <a:schemeClr val="tx1"/>
           </a:solidFill>
@@ -2593,8 +4880,8 @@
           <a:cs typeface="+mn-cs"/>
         </a:defRPr>
       </a:lvl8pPr>
-      <a:lvl9pPr marL="9402428" algn="l" defTabSz="2350606" rtl="0" eaLnBrk="1" latinLnBrk="0" hangingPunct="1">
-        <a:defRPr sz="4600" kern="1200">
+      <a:lvl9pPr marL="12536955" algn="l" defTabSz="3134239" rtl="0" eaLnBrk="1" latinLnBrk="0" hangingPunct="1">
+        <a:defRPr sz="6200" kern="1200">
           <a:solidFill>
             <a:schemeClr val="tx1"/>
           </a:solidFill>
@@ -2635,7 +4922,7 @@
         </p:nvSpPr>
         <p:spPr bwMode="auto">
           <a:xfrm>
-            <a:off x="4114800" y="369332"/>
+            <a:off x="4114800" y="369333"/>
             <a:ext cx="24688800" cy="1233156"/>
           </a:xfrm>
           <a:prstGeom prst="rect">
@@ -2934,7 +5221,7 @@
         <p:spPr bwMode="auto">
           <a:xfrm>
             <a:off x="4114800" y="1600201"/>
-            <a:ext cx="24688800" cy="1143000"/>
+            <a:ext cx="24688800" cy="1142999"/>
           </a:xfrm>
           <a:prstGeom prst="rect">
             <a:avLst/>
@@ -3223,252 +5510,6 @@
               </a:solidFill>
               <a:latin typeface="+mn-lt"/>
             </a:endParaRPr>
-          </a:p>
-        </p:txBody>
-      </p:sp>
-      <p:sp>
-        <p:nvSpPr>
-          <p:cNvPr id="24" name="TextBox 23"/>
-          <p:cNvSpPr txBox="1"/>
-          <p:nvPr/>
-        </p:nvSpPr>
-        <p:spPr>
-          <a:xfrm>
-            <a:off x="1280162" y="20025361"/>
-            <a:ext cx="2171325" cy="1588333"/>
-          </a:xfrm>
-          <a:prstGeom prst="rect">
-            <a:avLst/>
-          </a:prstGeom>
-          <a:solidFill>
-            <a:schemeClr val="accent1">
-              <a:lumMod val="40000"/>
-              <a:lumOff val="60000"/>
-            </a:schemeClr>
-          </a:solidFill>
-        </p:spPr>
-        <p:txBody>
-          <a:bodyPr wrap="none" lIns="48971" tIns="24486" rIns="48971" bIns="24486" rtlCol="0">
-            <a:spAutoFit/>
-          </a:bodyPr>
-          <a:lstStyle/>
-          <a:p>
-            <a:r>
-              <a:rPr lang="en-US" sz="2000" dirty="0"/>
-              <a:t>&lt;your name&gt;</a:t>
-            </a:r>
-          </a:p>
-          <a:p>
-            <a:r>
-              <a:rPr lang="en-US" sz="2000" dirty="0"/>
-              <a:t>&lt;your organization&gt;</a:t>
-            </a:r>
-          </a:p>
-          <a:p>
-            <a:r>
-              <a:rPr lang="en-US" sz="2000" dirty="0"/>
-              <a:t>Email:</a:t>
-            </a:r>
-          </a:p>
-          <a:p>
-            <a:r>
-              <a:rPr lang="en-US" sz="2000" dirty="0"/>
-              <a:t>Website:</a:t>
-            </a:r>
-          </a:p>
-          <a:p>
-            <a:r>
-              <a:rPr lang="en-US" sz="2000" dirty="0"/>
-              <a:t>Phone:</a:t>
-            </a:r>
-          </a:p>
-        </p:txBody>
-      </p:sp>
-      <p:sp>
-        <p:nvSpPr>
-          <p:cNvPr id="25" name="TextBox 24"/>
-          <p:cNvSpPr txBox="1"/>
-          <p:nvPr/>
-        </p:nvSpPr>
-        <p:spPr>
-          <a:xfrm>
-            <a:off x="1280161" y="19431001"/>
-            <a:ext cx="1450230" cy="557282"/>
-          </a:xfrm>
-          <a:prstGeom prst="rect">
-            <a:avLst/>
-          </a:prstGeom>
-          <a:noFill/>
-        </p:spPr>
-        <p:txBody>
-          <a:bodyPr wrap="none" lIns="48971" tIns="24486" rIns="48971" bIns="24486" rtlCol="0">
-            <a:spAutoFit/>
-          </a:bodyPr>
-          <a:lstStyle/>
-          <a:p>
-            <a:r>
-              <a:rPr lang="en-US" sz="3200" b="1" dirty="0"/>
-              <a:t>Contact</a:t>
-            </a:r>
-          </a:p>
-        </p:txBody>
-      </p:sp>
-      <p:sp>
-        <p:nvSpPr>
-          <p:cNvPr id="26" name="TextBox 25"/>
-          <p:cNvSpPr txBox="1"/>
-          <p:nvPr/>
-        </p:nvSpPr>
-        <p:spPr>
-          <a:xfrm>
-            <a:off x="16459200" y="20025359"/>
-            <a:ext cx="14630400" cy="1463040"/>
-          </a:xfrm>
-          <a:prstGeom prst="rect">
-            <a:avLst/>
-          </a:prstGeom>
-          <a:noFill/>
-        </p:spPr>
-        <p:txBody>
-          <a:bodyPr wrap="square" lIns="48971" tIns="48971" rIns="48971" bIns="48971" numCol="1" spcCol="244855" rtlCol="0">
-            <a:noAutofit/>
-          </a:bodyPr>
-          <a:lstStyle/>
-          <a:p>
-            <a:pPr marL="244855" indent="-244855">
-              <a:buFont typeface="+mj-lt"/>
-              <a:buAutoNum type="arabicPeriod"/>
-            </a:pPr>
-            <a:r>
-              <a:rPr lang="en-US" sz="900" dirty="0"/>
-              <a:t> </a:t>
-            </a:r>
-          </a:p>
-          <a:p>
-            <a:pPr marL="244855" indent="-244855">
-              <a:buFont typeface="+mj-lt"/>
-              <a:buAutoNum type="arabicPeriod"/>
-            </a:pPr>
-            <a:r>
-              <a:rPr lang="en-US" sz="900" dirty="0"/>
-              <a:t> </a:t>
-            </a:r>
-          </a:p>
-          <a:p>
-            <a:pPr marL="244855" indent="-244855">
-              <a:buFont typeface="+mj-lt"/>
-              <a:buAutoNum type="arabicPeriod"/>
-            </a:pPr>
-            <a:r>
-              <a:rPr lang="en-US" sz="900" dirty="0"/>
-              <a:t> </a:t>
-            </a:r>
-          </a:p>
-          <a:p>
-            <a:pPr marL="244855" indent="-244855">
-              <a:buFont typeface="+mj-lt"/>
-              <a:buAutoNum type="arabicPeriod"/>
-            </a:pPr>
-            <a:r>
-              <a:rPr lang="en-US" sz="900" dirty="0"/>
-              <a:t> </a:t>
-            </a:r>
-          </a:p>
-          <a:p>
-            <a:pPr marL="244855" indent="-244855">
-              <a:buFont typeface="+mj-lt"/>
-              <a:buAutoNum type="arabicPeriod"/>
-            </a:pPr>
-            <a:r>
-              <a:rPr lang="en-US" sz="900" dirty="0"/>
-              <a:t> </a:t>
-            </a:r>
-          </a:p>
-          <a:p>
-            <a:pPr marL="244855" indent="-244855">
-              <a:buFont typeface="+mj-lt"/>
-              <a:buAutoNum type="arabicPeriod"/>
-            </a:pPr>
-            <a:r>
-              <a:rPr lang="en-US" sz="900" dirty="0"/>
-              <a:t> </a:t>
-            </a:r>
-          </a:p>
-          <a:p>
-            <a:pPr marL="244855" indent="-244855">
-              <a:buFont typeface="+mj-lt"/>
-              <a:buAutoNum type="arabicPeriod"/>
-            </a:pPr>
-            <a:r>
-              <a:rPr lang="en-US" sz="900" dirty="0"/>
-              <a:t> </a:t>
-            </a:r>
-          </a:p>
-          <a:p>
-            <a:pPr marL="244855" indent="-244855">
-              <a:buFont typeface="+mj-lt"/>
-              <a:buAutoNum type="arabicPeriod"/>
-            </a:pPr>
-            <a:r>
-              <a:rPr lang="en-US" sz="900" dirty="0"/>
-              <a:t> </a:t>
-            </a:r>
-          </a:p>
-          <a:p>
-            <a:pPr marL="244855" indent="-244855">
-              <a:buFont typeface="+mj-lt"/>
-              <a:buAutoNum type="arabicPeriod"/>
-            </a:pPr>
-            <a:r>
-              <a:rPr lang="en-US" sz="900" dirty="0"/>
-              <a:t> </a:t>
-            </a:r>
-          </a:p>
-          <a:p>
-            <a:pPr marL="244855" indent="-244855">
-              <a:buFont typeface="+mj-lt"/>
-              <a:buAutoNum type="arabicPeriod"/>
-            </a:pPr>
-            <a:r>
-              <a:rPr lang="en-US" sz="900" dirty="0"/>
-              <a:t>  </a:t>
-            </a:r>
-          </a:p>
-          <a:p>
-            <a:pPr marL="244855" indent="-244855">
-              <a:buFont typeface="+mj-lt"/>
-              <a:buAutoNum type="arabicPeriod"/>
-            </a:pPr>
-            <a:endParaRPr lang="en-US" sz="900" dirty="0"/>
-          </a:p>
-        </p:txBody>
-      </p:sp>
-      <p:sp>
-        <p:nvSpPr>
-          <p:cNvPr id="27" name="TextBox 26"/>
-          <p:cNvSpPr txBox="1"/>
-          <p:nvPr/>
-        </p:nvSpPr>
-        <p:spPr>
-          <a:xfrm>
-            <a:off x="16459202" y="19431001"/>
-            <a:ext cx="2026670" cy="557282"/>
-          </a:xfrm>
-          <a:prstGeom prst="rect">
-            <a:avLst/>
-          </a:prstGeom>
-          <a:noFill/>
-        </p:spPr>
-        <p:txBody>
-          <a:bodyPr wrap="none" lIns="48971" tIns="24486" rIns="48971" bIns="24486" rtlCol="0">
-            <a:spAutoFit/>
-          </a:bodyPr>
-          <a:lstStyle/>
-          <a:p>
-            <a:r>
-              <a:rPr lang="en-US" sz="3200" b="1" dirty="0"/>
-              <a:t>References</a:t>
-            </a:r>
           </a:p>
         </p:txBody>
       </p:sp>
@@ -3798,7 +5839,7 @@
         </p:nvSpPr>
         <p:spPr>
           <a:xfrm>
-            <a:off x="1097280" y="3200400"/>
+            <a:off x="1097280" y="3200401"/>
             <a:ext cx="9875520" cy="457200"/>
           </a:xfrm>
           <a:prstGeom prst="rect">
@@ -5972,7 +8013,7 @@
         </p:nvSpPr>
         <p:spPr>
           <a:xfrm>
-            <a:off x="1097280" y="4724400"/>
+            <a:off x="1097280" y="4724401"/>
             <a:ext cx="9875520" cy="457200"/>
           </a:xfrm>
           <a:prstGeom prst="rect">
@@ -7398,7 +9439,7 @@
       </p:sp>
       <p:sp>
         <p:nvSpPr>
-          <p:cNvPr id="14" name="Text Box 193"/>
+          <p:cNvPr id="11" name="Text Box 190"/>
           <p:cNvSpPr txBox="1">
             <a:spLocks noChangeArrowheads="1"/>
           </p:cNvSpPr>
@@ -7406,8 +9447,8 @@
         </p:nvSpPr>
         <p:spPr bwMode="auto">
           <a:xfrm>
-            <a:off x="21945600" y="14173201"/>
-            <a:ext cx="9875520" cy="3275563"/>
+            <a:off x="1097280" y="5181604"/>
+            <a:ext cx="9875520" cy="1121127"/>
           </a:xfrm>
           <a:prstGeom prst="rect">
             <a:avLst/>
@@ -7528,918 +9569,414 @@
           </a:lstStyle>
           <a:p>
             <a:pPr eaLnBrk="1" hangingPunct="1"/>
-            <a:endParaRPr lang="en-US" sz="2000" dirty="0" smtClean="0">
-              <a:latin typeface="Calibri" pitchFamily="34" charset="0"/>
-            </a:endParaRPr>
-          </a:p>
-          <a:p>
-            <a:pPr eaLnBrk="1" hangingPunct="1"/>
-            <a:r>
-              <a:rPr lang="en-US" sz="2000" dirty="0" err="1" smtClean="0">
-                <a:latin typeface="Calibri" pitchFamily="34" charset="0"/>
-              </a:rPr>
-              <a:t>Loša</a:t>
-            </a:r>
-            <a:r>
-              <a:rPr lang="en-US" sz="2000" dirty="0" smtClean="0">
-                <a:latin typeface="Calibri" pitchFamily="34" charset="0"/>
-              </a:rPr>
-              <a:t> </a:t>
-            </a:r>
-            <a:r>
-              <a:rPr lang="en-US" sz="2000" dirty="0" err="1" smtClean="0">
-                <a:latin typeface="Calibri" pitchFamily="34" charset="0"/>
-              </a:rPr>
-              <a:t>strana</a:t>
-            </a:r>
-            <a:r>
-              <a:rPr lang="en-US" sz="2000" dirty="0" smtClean="0">
-                <a:latin typeface="Calibri" pitchFamily="34" charset="0"/>
-              </a:rPr>
-              <a:t> </a:t>
-            </a:r>
-            <a:r>
-              <a:rPr lang="en-US" sz="2000" dirty="0" err="1" smtClean="0">
-                <a:latin typeface="Calibri" pitchFamily="34" charset="0"/>
-              </a:rPr>
-              <a:t>ovog</a:t>
-            </a:r>
-            <a:r>
-              <a:rPr lang="en-US" sz="2000" dirty="0" smtClean="0">
-                <a:latin typeface="Calibri" pitchFamily="34" charset="0"/>
-              </a:rPr>
-              <a:t> </a:t>
-            </a:r>
-            <a:r>
-              <a:rPr lang="en-US" sz="2000" dirty="0" err="1" smtClean="0">
-                <a:latin typeface="Calibri" pitchFamily="34" charset="0"/>
-              </a:rPr>
-              <a:t>rešenja</a:t>
-            </a:r>
-            <a:r>
-              <a:rPr lang="en-US" sz="2000" dirty="0" smtClean="0">
-                <a:latin typeface="Calibri" pitchFamily="34" charset="0"/>
-              </a:rPr>
-              <a:t> </a:t>
-            </a:r>
-            <a:r>
-              <a:rPr lang="en-US" sz="2000" dirty="0" err="1" smtClean="0">
-                <a:latin typeface="Calibri" pitchFamily="34" charset="0"/>
-              </a:rPr>
-              <a:t>jeste</a:t>
-            </a:r>
-            <a:r>
-              <a:rPr lang="en-US" sz="2000" dirty="0" smtClean="0">
-                <a:latin typeface="Calibri" pitchFamily="34" charset="0"/>
-              </a:rPr>
-              <a:t> </a:t>
-            </a:r>
-            <a:r>
-              <a:rPr lang="en-US" sz="2000" dirty="0" err="1" smtClean="0">
-                <a:latin typeface="Calibri" pitchFamily="34" charset="0"/>
-              </a:rPr>
-              <a:t>što</a:t>
-            </a:r>
-            <a:r>
-              <a:rPr lang="en-US" sz="2000" dirty="0" smtClean="0">
-                <a:latin typeface="Calibri" pitchFamily="34" charset="0"/>
+            <a:r>
+              <a:rPr lang="en-US" sz="2000" dirty="0" err="1" smtClean="0">
+                <a:latin typeface="+mn-lt"/>
+              </a:rPr>
+              <a:t>Skup</a:t>
+            </a:r>
+            <a:r>
+              <a:rPr lang="en-US" sz="2000" dirty="0" smtClean="0">
+                <a:latin typeface="+mn-lt"/>
+              </a:rPr>
+              <a:t> </a:t>
+            </a:r>
+            <a:r>
+              <a:rPr lang="en-US" sz="2000" dirty="0" err="1" smtClean="0">
+                <a:latin typeface="+mn-lt"/>
+              </a:rPr>
+              <a:t>podataka</a:t>
+            </a:r>
+            <a:r>
+              <a:rPr lang="en-US" sz="2000" dirty="0" smtClean="0">
+                <a:latin typeface="+mn-lt"/>
+              </a:rPr>
+              <a:t> </a:t>
+            </a:r>
+            <a:r>
+              <a:rPr lang="en-US" sz="2000" dirty="0" err="1" smtClean="0">
+                <a:latin typeface="+mn-lt"/>
+              </a:rPr>
+              <a:t>koji</a:t>
+            </a:r>
+            <a:r>
+              <a:rPr lang="en-US" sz="2000" dirty="0" smtClean="0">
+                <a:latin typeface="+mn-lt"/>
+              </a:rPr>
+              <a:t> </a:t>
+            </a:r>
+            <a:r>
+              <a:rPr lang="en-US" sz="2000" dirty="0" err="1" smtClean="0">
+                <a:latin typeface="+mn-lt"/>
+              </a:rPr>
+              <a:t>će</a:t>
+            </a:r>
+            <a:r>
+              <a:rPr lang="en-US" sz="2000" dirty="0" smtClean="0">
+                <a:latin typeface="+mn-lt"/>
               </a:rPr>
               <a:t> se </a:t>
             </a:r>
             <a:r>
               <a:rPr lang="en-US" sz="2000" dirty="0" err="1" smtClean="0">
-                <a:latin typeface="Calibri" pitchFamily="34" charset="0"/>
-              </a:rPr>
-              <a:t>oslanjamo</a:t>
-            </a:r>
-            <a:r>
-              <a:rPr lang="en-US" sz="2000" dirty="0" smtClean="0">
-                <a:latin typeface="Calibri" pitchFamily="34" charset="0"/>
-              </a:rPr>
-              <a:t> </a:t>
-            </a:r>
-            <a:r>
-              <a:rPr lang="en-US" sz="2000" dirty="0" err="1" smtClean="0">
-                <a:latin typeface="Calibri" pitchFamily="34" charset="0"/>
+                <a:latin typeface="+mn-lt"/>
+              </a:rPr>
+              <a:t>koristiti</a:t>
+            </a:r>
+            <a:r>
+              <a:rPr lang="en-US" sz="2000" dirty="0" smtClean="0">
+                <a:latin typeface="+mn-lt"/>
+              </a:rPr>
+              <a:t>  </a:t>
+            </a:r>
+            <a:r>
+              <a:rPr lang="en-US" sz="2000" dirty="0" err="1" smtClean="0">
+                <a:latin typeface="+mn-lt"/>
+              </a:rPr>
+              <a:t>sadrži</a:t>
+            </a:r>
+            <a:r>
+              <a:rPr lang="en-US" sz="2000" dirty="0" smtClean="0">
+                <a:latin typeface="+mn-lt"/>
+              </a:rPr>
+              <a:t>  </a:t>
+            </a:r>
+            <a:r>
+              <a:rPr lang="en-US" sz="2000" dirty="0" err="1" smtClean="0">
+                <a:latin typeface="+mn-lt"/>
+              </a:rPr>
+              <a:t>slike</a:t>
+            </a:r>
+            <a:r>
+              <a:rPr lang="en-US" sz="2000" dirty="0" smtClean="0">
+                <a:latin typeface="+mn-lt"/>
+              </a:rPr>
+              <a:t> </a:t>
+            </a:r>
+            <a:r>
+              <a:rPr lang="en-US" sz="2000" dirty="0" err="1" smtClean="0">
+                <a:latin typeface="+mn-lt"/>
               </a:rPr>
               <a:t>na</a:t>
             </a:r>
             <a:r>
               <a:rPr lang="en-US" sz="2000" dirty="0" smtClean="0">
-                <a:latin typeface="Calibri" pitchFamily="34" charset="0"/>
-              </a:rPr>
-              <a:t> </a:t>
-            </a:r>
-            <a:r>
-              <a:rPr lang="en-US" sz="2000" dirty="0" err="1" smtClean="0">
-                <a:latin typeface="Calibri" pitchFamily="34" charset="0"/>
-              </a:rPr>
-              <a:t>dva</a:t>
-            </a:r>
-            <a:r>
-              <a:rPr lang="en-US" sz="2000" dirty="0" smtClean="0">
-                <a:latin typeface="Calibri" pitchFamily="34" charset="0"/>
-              </a:rPr>
-              <a:t> </a:t>
-            </a:r>
-            <a:r>
-              <a:rPr lang="en-US" sz="2000" dirty="0" err="1" smtClean="0">
-                <a:latin typeface="Calibri" pitchFamily="34" charset="0"/>
-              </a:rPr>
-              <a:t>sloja</a:t>
-            </a:r>
-            <a:r>
-              <a:rPr lang="en-US" sz="2000" dirty="0" smtClean="0">
-                <a:latin typeface="Calibri" pitchFamily="34" charset="0"/>
-              </a:rPr>
-              <a:t> (</a:t>
-            </a:r>
-            <a:r>
-              <a:rPr lang="en-US" sz="2000" dirty="0" err="1" smtClean="0">
-                <a:latin typeface="Calibri" pitchFamily="34" charset="0"/>
-              </a:rPr>
-              <a:t>prva</a:t>
-            </a:r>
-            <a:r>
-              <a:rPr lang="en-US" sz="2000" dirty="0" smtClean="0">
-                <a:latin typeface="Calibri" pitchFamily="34" charset="0"/>
-              </a:rPr>
-              <a:t> </a:t>
-            </a:r>
-            <a:r>
-              <a:rPr lang="en-US" sz="2000" dirty="0" err="1" smtClean="0">
-                <a:latin typeface="Calibri" pitchFamily="34" charset="0"/>
-              </a:rPr>
-              <a:t>dva</a:t>
-            </a:r>
-            <a:r>
-              <a:rPr lang="en-US" sz="2000" dirty="0" smtClean="0">
-                <a:latin typeface="Calibri" pitchFamily="34" charset="0"/>
-              </a:rPr>
-              <a:t> </a:t>
-            </a:r>
-            <a:r>
-              <a:rPr lang="en-US" sz="2000" dirty="0" err="1" smtClean="0">
-                <a:latin typeface="Calibri" pitchFamily="34" charset="0"/>
-              </a:rPr>
-              <a:t>klasifikatora</a:t>
-            </a:r>
-            <a:r>
-              <a:rPr lang="en-US" sz="2000" dirty="0" smtClean="0">
-                <a:latin typeface="Calibri" pitchFamily="34" charset="0"/>
-              </a:rPr>
-              <a:t> u </a:t>
-            </a:r>
-            <a:r>
-              <a:rPr lang="en-US" sz="2000" dirty="0" err="1" smtClean="0">
-                <a:latin typeface="Calibri" pitchFamily="34" charset="0"/>
-              </a:rPr>
-              <a:t>prvom</a:t>
-            </a:r>
-            <a:r>
-              <a:rPr lang="en-US" sz="2000" dirty="0" smtClean="0">
-                <a:latin typeface="Calibri" pitchFamily="34" charset="0"/>
-              </a:rPr>
-              <a:t> </a:t>
-            </a:r>
-            <a:r>
-              <a:rPr lang="en-US" sz="2000" dirty="0" err="1" smtClean="0">
-                <a:latin typeface="Calibri" pitchFamily="34" charset="0"/>
-              </a:rPr>
-              <a:t>sloju</a:t>
-            </a:r>
-            <a:r>
-              <a:rPr lang="en-US" sz="2000" dirty="0" smtClean="0">
-                <a:latin typeface="Calibri" pitchFamily="34" charset="0"/>
+                <a:latin typeface="+mn-lt"/>
+              </a:rPr>
+              <a:t> </a:t>
+            </a:r>
+            <a:r>
+              <a:rPr lang="en-US" sz="2000" dirty="0" err="1" smtClean="0">
+                <a:latin typeface="+mn-lt"/>
+              </a:rPr>
+              <a:t>kojima</a:t>
+            </a:r>
+            <a:r>
+              <a:rPr lang="en-US" sz="2000" dirty="0" smtClean="0">
+                <a:latin typeface="+mn-lt"/>
+              </a:rPr>
+              <a:t> se </a:t>
+            </a:r>
+            <a:r>
+              <a:rPr lang="en-US" sz="2000" dirty="0" err="1" smtClean="0">
+                <a:latin typeface="+mn-lt"/>
+              </a:rPr>
+              <a:t>nalazi</a:t>
+            </a:r>
+            <a:r>
+              <a:rPr lang="en-US" sz="2000" dirty="0" smtClean="0">
+                <a:latin typeface="+mn-lt"/>
+              </a:rPr>
+              <a:t> </a:t>
+            </a:r>
+            <a:r>
+              <a:rPr lang="en-US" sz="2000" dirty="0" err="1" smtClean="0">
+                <a:latin typeface="+mn-lt"/>
+              </a:rPr>
+              <a:t>više</a:t>
+            </a:r>
+            <a:r>
+              <a:rPr lang="en-US" sz="2000" dirty="0" smtClean="0">
+                <a:latin typeface="+mn-lt"/>
+              </a:rPr>
+              <a:t> </a:t>
+            </a:r>
+            <a:r>
+              <a:rPr lang="en-US" sz="2000" dirty="0" err="1" smtClean="0">
+                <a:latin typeface="+mn-lt"/>
+              </a:rPr>
+              <a:t>ljudi</a:t>
+            </a:r>
+            <a:r>
+              <a:rPr lang="en-US" sz="2000" dirty="0" smtClean="0">
+                <a:latin typeface="+mn-lt"/>
+              </a:rPr>
+              <a:t> . </a:t>
+            </a:r>
+            <a:r>
+              <a:rPr lang="en-US" sz="2000" dirty="0" err="1" smtClean="0">
+                <a:latin typeface="+mn-lt"/>
+              </a:rPr>
+              <a:t>Uz</a:t>
+            </a:r>
+            <a:r>
+              <a:rPr lang="en-US" sz="2000" dirty="0" smtClean="0">
+                <a:latin typeface="+mn-lt"/>
+              </a:rPr>
+              <a:t> </a:t>
+            </a:r>
+            <a:r>
+              <a:rPr lang="en-US" sz="2000" dirty="0" err="1" smtClean="0">
+                <a:latin typeface="+mn-lt"/>
+              </a:rPr>
+              <a:t>svaku</a:t>
+            </a:r>
+            <a:r>
+              <a:rPr lang="en-US" sz="2000" dirty="0" smtClean="0">
+                <a:latin typeface="+mn-lt"/>
+              </a:rPr>
+              <a:t> </a:t>
+            </a:r>
+            <a:r>
+              <a:rPr lang="en-US" sz="2000" dirty="0" err="1" smtClean="0">
+                <a:latin typeface="+mn-lt"/>
+              </a:rPr>
+              <a:t>sliku</a:t>
+            </a:r>
+            <a:r>
+              <a:rPr lang="en-US" sz="2000" dirty="0" smtClean="0">
+                <a:latin typeface="+mn-lt"/>
+              </a:rPr>
+              <a:t> </a:t>
+            </a:r>
+            <a:r>
+              <a:rPr lang="en-US" sz="2000" dirty="0" err="1" smtClean="0">
+                <a:latin typeface="+mn-lt"/>
+              </a:rPr>
+              <a:t>dolazi</a:t>
+            </a:r>
+            <a:r>
+              <a:rPr lang="en-US" sz="2000" dirty="0" smtClean="0">
+                <a:latin typeface="+mn-lt"/>
               </a:rPr>
               <a:t> i </a:t>
             </a:r>
             <a:r>
               <a:rPr lang="en-US" sz="2000" dirty="0" err="1" smtClean="0">
-                <a:latin typeface="Calibri" pitchFamily="34" charset="0"/>
-              </a:rPr>
-              <a:t>treći</a:t>
-            </a:r>
-            <a:r>
-              <a:rPr lang="en-US" sz="2000" dirty="0" smtClean="0">
-                <a:latin typeface="Calibri" pitchFamily="34" charset="0"/>
-              </a:rPr>
-              <a:t> </a:t>
-            </a:r>
-            <a:r>
-              <a:rPr lang="en-US" sz="2000" dirty="0" err="1" smtClean="0">
-                <a:latin typeface="Calibri" pitchFamily="34" charset="0"/>
-              </a:rPr>
-              <a:t>klasifikator</a:t>
-            </a:r>
-            <a:r>
-              <a:rPr lang="en-US" sz="2000" dirty="0" smtClean="0">
-                <a:latin typeface="Calibri" pitchFamily="34" charset="0"/>
-              </a:rPr>
-              <a:t> u </a:t>
-            </a:r>
-            <a:r>
-              <a:rPr lang="en-US" sz="2000" dirty="0" err="1" smtClean="0">
-                <a:latin typeface="Calibri" pitchFamily="34" charset="0"/>
-              </a:rPr>
-              <a:t>drugom</a:t>
-            </a:r>
-            <a:r>
-              <a:rPr lang="en-US" sz="2000" dirty="0" smtClean="0">
-                <a:latin typeface="Calibri" pitchFamily="34" charset="0"/>
-              </a:rPr>
-              <a:t> </a:t>
-            </a:r>
-            <a:r>
-              <a:rPr lang="en-US" sz="2000" dirty="0" err="1" smtClean="0">
-                <a:latin typeface="Calibri" pitchFamily="34" charset="0"/>
-              </a:rPr>
-              <a:t>sloju</a:t>
-            </a:r>
-            <a:r>
-              <a:rPr lang="en-US" sz="2000" dirty="0" smtClean="0">
-                <a:latin typeface="Calibri" pitchFamily="34" charset="0"/>
-              </a:rPr>
-              <a:t>) </a:t>
-            </a:r>
-            <a:r>
-              <a:rPr lang="en-US" sz="2000" dirty="0" err="1" smtClean="0">
-                <a:latin typeface="Calibri" pitchFamily="34" charset="0"/>
+                <a:latin typeface="+mn-lt"/>
+              </a:rPr>
+              <a:t>dodatni</a:t>
+            </a:r>
+            <a:r>
+              <a:rPr lang="en-US" sz="2000" dirty="0" smtClean="0">
+                <a:latin typeface="+mn-lt"/>
+              </a:rPr>
+              <a:t> </a:t>
+            </a:r>
+            <a:r>
+              <a:rPr lang="en-US" sz="2000" dirty="0" err="1" smtClean="0">
+                <a:latin typeface="+mn-lt"/>
+              </a:rPr>
+              <a:t>fajl</a:t>
+            </a:r>
+            <a:r>
+              <a:rPr lang="en-US" sz="2000" dirty="0" smtClean="0">
+                <a:latin typeface="+mn-lt"/>
+              </a:rPr>
+              <a:t> </a:t>
+            </a:r>
+            <a:r>
+              <a:rPr lang="en-US" sz="2000" dirty="0" err="1" smtClean="0">
+                <a:latin typeface="+mn-lt"/>
               </a:rPr>
               <a:t>koji</a:t>
             </a:r>
             <a:r>
               <a:rPr lang="en-US" sz="2000" dirty="0" smtClean="0">
-                <a:latin typeface="Calibri" pitchFamily="34" charset="0"/>
-              </a:rPr>
-              <a:t> </a:t>
-            </a:r>
-            <a:r>
-              <a:rPr lang="en-US" sz="2000" dirty="0" err="1" smtClean="0">
-                <a:latin typeface="Calibri" pitchFamily="34" charset="0"/>
-              </a:rPr>
-              <a:t>su</a:t>
-            </a:r>
-            <a:r>
-              <a:rPr lang="en-US" sz="2000" dirty="0" smtClean="0">
-                <a:latin typeface="Calibri" pitchFamily="34" charset="0"/>
-              </a:rPr>
-              <a:t> </a:t>
-            </a:r>
-            <a:r>
-              <a:rPr lang="en-US" sz="2000" dirty="0" err="1" smtClean="0">
-                <a:latin typeface="Calibri" pitchFamily="34" charset="0"/>
-              </a:rPr>
-              <a:t>međusobno</a:t>
-            </a:r>
-            <a:r>
-              <a:rPr lang="en-US" sz="2000" dirty="0" smtClean="0">
-                <a:latin typeface="Calibri" pitchFamily="34" charset="0"/>
-              </a:rPr>
-              <a:t> </a:t>
-            </a:r>
-            <a:r>
-              <a:rPr lang="en-US" sz="2000" dirty="0" err="1" smtClean="0">
-                <a:latin typeface="Calibri" pitchFamily="34" charset="0"/>
-              </a:rPr>
-              <a:t>zavisni</a:t>
-            </a:r>
-            <a:r>
-              <a:rPr lang="en-US" sz="2000" dirty="0" smtClean="0">
-                <a:latin typeface="Calibri" pitchFamily="34" charset="0"/>
-              </a:rPr>
-              <a:t>. </a:t>
-            </a:r>
-            <a:r>
-              <a:rPr lang="en-US" sz="2000" dirty="0" err="1" smtClean="0">
-                <a:latin typeface="Calibri" pitchFamily="34" charset="0"/>
-              </a:rPr>
-              <a:t>Prema</a:t>
-            </a:r>
-            <a:r>
-              <a:rPr lang="en-US" sz="2000" dirty="0" smtClean="0">
-                <a:latin typeface="Calibri" pitchFamily="34" charset="0"/>
-              </a:rPr>
-              <a:t> tome </a:t>
-            </a:r>
-            <a:r>
-              <a:rPr lang="en-US" sz="2000" dirty="0" err="1" smtClean="0">
-                <a:latin typeface="Calibri" pitchFamily="34" charset="0"/>
-              </a:rPr>
-              <a:t>realna</a:t>
-            </a:r>
-            <a:r>
-              <a:rPr lang="en-US" sz="2000" dirty="0" smtClean="0">
-                <a:latin typeface="Calibri" pitchFamily="34" charset="0"/>
-              </a:rPr>
-              <a:t> </a:t>
-            </a:r>
-            <a:r>
-              <a:rPr lang="en-US" sz="2000" dirty="0" err="1" smtClean="0">
-                <a:latin typeface="Calibri" pitchFamily="34" charset="0"/>
-              </a:rPr>
-              <a:t>preciznost</a:t>
-            </a:r>
-            <a:r>
-              <a:rPr lang="en-US" sz="2000" dirty="0" smtClean="0">
-                <a:latin typeface="Calibri" pitchFamily="34" charset="0"/>
-              </a:rPr>
-              <a:t> </a:t>
-            </a:r>
-            <a:r>
-              <a:rPr lang="en-US" sz="2000" dirty="0" err="1" smtClean="0">
-                <a:latin typeface="Calibri" pitchFamily="34" charset="0"/>
-              </a:rPr>
-              <a:t>klasifikacije</a:t>
-            </a:r>
-            <a:r>
-              <a:rPr lang="en-US" sz="2000" dirty="0" smtClean="0">
-                <a:latin typeface="Calibri" pitchFamily="34" charset="0"/>
-              </a:rPr>
-              <a:t> se </a:t>
-            </a:r>
-            <a:r>
-              <a:rPr lang="en-US" sz="2000" dirty="0" err="1" smtClean="0">
-                <a:latin typeface="Calibri" pitchFamily="34" charset="0"/>
-              </a:rPr>
-              <a:t>dobija</a:t>
-            </a:r>
-            <a:r>
-              <a:rPr lang="en-US" sz="2000" dirty="0" smtClean="0">
-                <a:latin typeface="Calibri" pitchFamily="34" charset="0"/>
-              </a:rPr>
-              <a:t> </a:t>
-            </a:r>
-            <a:r>
-              <a:rPr lang="en-US" sz="2000" dirty="0" err="1" smtClean="0">
-                <a:latin typeface="Calibri" pitchFamily="34" charset="0"/>
-              </a:rPr>
-              <a:t>množenjem</a:t>
-            </a:r>
-            <a:r>
-              <a:rPr lang="en-US" sz="2000" dirty="0" smtClean="0">
-                <a:latin typeface="Calibri" pitchFamily="34" charset="0"/>
-              </a:rPr>
-              <a:t> </a:t>
-            </a:r>
-            <a:r>
-              <a:rPr lang="en-US" sz="2000" dirty="0" err="1" smtClean="0">
-                <a:latin typeface="Calibri" pitchFamily="34" charset="0"/>
-              </a:rPr>
-              <a:t>preciznosti</a:t>
-            </a:r>
-            <a:r>
-              <a:rPr lang="en-US" sz="2000" dirty="0" smtClean="0">
-                <a:latin typeface="Calibri" pitchFamily="34" charset="0"/>
-              </a:rPr>
-              <a:t> </a:t>
-            </a:r>
-            <a:r>
-              <a:rPr lang="en-US" sz="2000" dirty="0" err="1" smtClean="0">
-                <a:latin typeface="Calibri" pitchFamily="34" charset="0"/>
-              </a:rPr>
-              <a:t>tih</a:t>
-            </a:r>
-            <a:r>
-              <a:rPr lang="en-US" sz="2000" dirty="0" smtClean="0">
-                <a:latin typeface="Calibri" pitchFamily="34" charset="0"/>
-              </a:rPr>
-              <a:t> </a:t>
-            </a:r>
-            <a:r>
-              <a:rPr lang="en-US" sz="2000" dirty="0" err="1" smtClean="0">
-                <a:latin typeface="Calibri" pitchFamily="34" charset="0"/>
-              </a:rPr>
-              <a:t>slojeva</a:t>
-            </a:r>
-            <a:r>
-              <a:rPr lang="en-US" sz="2000" dirty="0" smtClean="0">
-                <a:latin typeface="Calibri" pitchFamily="34" charset="0"/>
-              </a:rPr>
-              <a:t>. </a:t>
-            </a:r>
-            <a:r>
-              <a:rPr lang="en-US" sz="2000" dirty="0" err="1" smtClean="0">
-                <a:latin typeface="Calibri" pitchFamily="34" charset="0"/>
-              </a:rPr>
-              <a:t>Idealno</a:t>
-            </a:r>
-            <a:r>
-              <a:rPr lang="en-US" sz="2000" dirty="0" smtClean="0">
-                <a:latin typeface="Calibri" pitchFamily="34" charset="0"/>
-              </a:rPr>
-              <a:t> </a:t>
-            </a:r>
-            <a:r>
-              <a:rPr lang="en-US" sz="2000" dirty="0" err="1" smtClean="0">
-                <a:latin typeface="Calibri" pitchFamily="34" charset="0"/>
-              </a:rPr>
-              <a:t>rešenje</a:t>
-            </a:r>
-            <a:r>
-              <a:rPr lang="en-US" sz="2000" dirty="0" smtClean="0">
-                <a:latin typeface="Calibri" pitchFamily="34" charset="0"/>
-              </a:rPr>
-              <a:t> bi se </a:t>
-            </a:r>
-            <a:r>
-              <a:rPr lang="en-US" sz="2000" dirty="0" err="1" smtClean="0">
-                <a:latin typeface="Calibri" pitchFamily="34" charset="0"/>
-              </a:rPr>
-              <a:t>oslanjalo</a:t>
-            </a:r>
-            <a:r>
-              <a:rPr lang="en-US" sz="2000" dirty="0" smtClean="0">
-                <a:latin typeface="Calibri" pitchFamily="34" charset="0"/>
-              </a:rPr>
-              <a:t> </a:t>
-            </a:r>
-            <a:r>
-              <a:rPr lang="en-US" sz="2000" dirty="0" err="1" smtClean="0">
-                <a:latin typeface="Calibri" pitchFamily="34" charset="0"/>
-              </a:rPr>
-              <a:t>na</a:t>
-            </a:r>
-            <a:r>
-              <a:rPr lang="en-US" sz="2000" dirty="0" smtClean="0">
-                <a:latin typeface="Calibri" pitchFamily="34" charset="0"/>
-              </a:rPr>
-              <a:t> </a:t>
-            </a:r>
-            <a:r>
-              <a:rPr lang="en-US" sz="2000" dirty="0" err="1" smtClean="0">
-                <a:latin typeface="Calibri" pitchFamily="34" charset="0"/>
-              </a:rPr>
-              <a:t>jedan</a:t>
-            </a:r>
-            <a:r>
-              <a:rPr lang="en-US" sz="2000" dirty="0" smtClean="0">
-                <a:latin typeface="Calibri" pitchFamily="34" charset="0"/>
-              </a:rPr>
-              <a:t> </a:t>
-            </a:r>
-            <a:r>
-              <a:rPr lang="en-US" sz="2000" dirty="0" err="1" smtClean="0">
-                <a:latin typeface="Calibri" pitchFamily="34" charset="0"/>
-              </a:rPr>
-              <a:t>sloj</a:t>
-            </a:r>
-            <a:r>
-              <a:rPr lang="en-US" sz="2000" dirty="0" smtClean="0">
-                <a:latin typeface="Calibri" pitchFamily="34" charset="0"/>
-              </a:rPr>
-              <a:t> </a:t>
-            </a:r>
-            <a:r>
-              <a:rPr lang="en-US" sz="2000" dirty="0" err="1" smtClean="0">
-                <a:latin typeface="Calibri" pitchFamily="34" charset="0"/>
-              </a:rPr>
-              <a:t>klasifikatora</a:t>
-            </a:r>
-            <a:r>
-              <a:rPr lang="en-US" sz="2000" dirty="0" smtClean="0">
-                <a:latin typeface="Calibri" pitchFamily="34" charset="0"/>
+                <a:latin typeface="+mn-lt"/>
+              </a:rPr>
+              <a:t> </a:t>
+            </a:r>
+            <a:r>
+              <a:rPr lang="en-US" sz="2000" dirty="0" err="1" smtClean="0">
+                <a:latin typeface="+mn-lt"/>
+              </a:rPr>
+              <a:t>labelira</a:t>
+            </a:r>
+            <a:r>
+              <a:rPr lang="en-US" sz="2000" dirty="0" smtClean="0">
+                <a:latin typeface="+mn-lt"/>
+              </a:rPr>
+              <a:t> </a:t>
+            </a:r>
+            <a:r>
+              <a:rPr lang="en-US" sz="2000" dirty="0" err="1" smtClean="0">
+                <a:latin typeface="+mn-lt"/>
+              </a:rPr>
+              <a:t>svako</a:t>
+            </a:r>
+            <a:r>
+              <a:rPr lang="en-US" sz="2000" dirty="0" smtClean="0">
+                <a:latin typeface="+mn-lt"/>
+              </a:rPr>
+              <a:t> </a:t>
+            </a:r>
+            <a:r>
+              <a:rPr lang="en-US" sz="2000" dirty="0" err="1" smtClean="0">
+                <a:latin typeface="+mn-lt"/>
+              </a:rPr>
+              <a:t>poziciju</a:t>
+            </a:r>
+            <a:r>
+              <a:rPr lang="en-US" sz="2000" dirty="0" smtClean="0">
+                <a:latin typeface="+mn-lt"/>
+              </a:rPr>
+              <a:t> </a:t>
+            </a:r>
+            <a:r>
+              <a:rPr lang="en-US" sz="2000" dirty="0" err="1" smtClean="0">
+                <a:latin typeface="+mn-lt"/>
+              </a:rPr>
+              <a:t>svakog</a:t>
+            </a:r>
+            <a:r>
+              <a:rPr lang="en-US" sz="2000" dirty="0" smtClean="0">
+                <a:latin typeface="+mn-lt"/>
+              </a:rPr>
+              <a:t> </a:t>
+            </a:r>
+            <a:r>
+              <a:rPr lang="en-US" sz="2000" dirty="0" err="1" smtClean="0">
+                <a:latin typeface="+mn-lt"/>
+              </a:rPr>
+              <a:t>lica</a:t>
+            </a:r>
+            <a:r>
+              <a:rPr lang="en-US" sz="2000" dirty="0" smtClean="0">
+                <a:latin typeface="+mn-lt"/>
+              </a:rPr>
+              <a:t> </a:t>
+            </a:r>
+            <a:r>
+              <a:rPr lang="en-US" sz="2000" dirty="0" err="1" smtClean="0">
+                <a:latin typeface="+mn-lt"/>
+              </a:rPr>
+              <a:t>svojim</a:t>
+            </a:r>
+            <a:r>
+              <a:rPr lang="en-US" sz="2000" dirty="0" smtClean="0">
+                <a:latin typeface="+mn-lt"/>
+              </a:rPr>
+              <a:t> </a:t>
+            </a:r>
+            <a:r>
+              <a:rPr lang="en-US" sz="2000" dirty="0" err="1" smtClean="0">
+                <a:latin typeface="+mn-lt"/>
+              </a:rPr>
+              <a:t>okvirom</a:t>
+            </a:r>
+            <a:r>
+              <a:rPr lang="en-US" sz="2000" dirty="0" smtClean="0">
+                <a:latin typeface="+mn-lt"/>
+              </a:rPr>
+              <a:t> </a:t>
+            </a:r>
+            <a:r>
+              <a:rPr lang="en-US" sz="2000" dirty="0" err="1" smtClean="0">
+                <a:latin typeface="+mn-lt"/>
+              </a:rPr>
+              <a:t>kao</a:t>
+            </a:r>
+            <a:r>
+              <a:rPr lang="en-US" sz="2000" dirty="0" smtClean="0">
+                <a:latin typeface="+mn-lt"/>
+              </a:rPr>
+              <a:t> i </a:t>
+            </a:r>
+            <a:r>
+              <a:rPr lang="en-US" sz="2000" dirty="0" err="1" smtClean="0">
+                <a:latin typeface="+mn-lt"/>
+              </a:rPr>
+              <a:t>labelom</a:t>
+            </a:r>
+            <a:r>
+              <a:rPr lang="en-US" sz="2000" dirty="0" smtClean="0">
+                <a:latin typeface="+mn-lt"/>
+              </a:rPr>
+              <a:t> da li je </a:t>
+            </a:r>
+            <a:r>
+              <a:rPr lang="en-US" sz="2000" dirty="0" err="1" smtClean="0">
+                <a:latin typeface="+mn-lt"/>
+              </a:rPr>
+              <a:t>prisutna</a:t>
+            </a:r>
+            <a:r>
+              <a:rPr lang="en-US" sz="2000" dirty="0" smtClean="0">
+                <a:latin typeface="+mn-lt"/>
+              </a:rPr>
+              <a:t>, </a:t>
+            </a:r>
+            <a:r>
+              <a:rPr lang="en-US" sz="2000" dirty="0" err="1" smtClean="0">
+                <a:latin typeface="+mn-lt"/>
+              </a:rPr>
+              <a:t>ili</a:t>
+            </a:r>
+            <a:r>
+              <a:rPr lang="en-US" sz="2000" dirty="0" smtClean="0">
+                <a:latin typeface="+mn-lt"/>
+              </a:rPr>
+              <a:t> </a:t>
+            </a:r>
+            <a:r>
+              <a:rPr lang="en-US" sz="2000" dirty="0" err="1" smtClean="0">
+                <a:latin typeface="+mn-lt"/>
+              </a:rPr>
+              <a:t>dobro</a:t>
+            </a:r>
+            <a:r>
+              <a:rPr lang="en-US" sz="2000" dirty="0" smtClean="0">
+                <a:latin typeface="+mn-lt"/>
+              </a:rPr>
+              <a:t> </a:t>
+            </a:r>
+            <a:r>
+              <a:rPr lang="en-US" sz="2000" dirty="0" err="1" smtClean="0">
+                <a:latin typeface="+mn-lt"/>
+              </a:rPr>
+              <a:t>nošena</a:t>
+            </a:r>
+            <a:r>
+              <a:rPr lang="en-US" sz="2000" dirty="0" smtClean="0">
+                <a:latin typeface="+mn-lt"/>
+              </a:rPr>
+              <a:t> </a:t>
+            </a:r>
+            <a:r>
+              <a:rPr lang="en-US" sz="2000" dirty="0" err="1" smtClean="0">
+                <a:latin typeface="+mn-lt"/>
+              </a:rPr>
+              <a:t>maska</a:t>
+            </a:r>
+            <a:r>
+              <a:rPr lang="en-US" sz="2000" dirty="0" smtClean="0">
+                <a:latin typeface="+mn-lt"/>
               </a:rPr>
               <a:t>.</a:t>
             </a:r>
-          </a:p>
-          <a:p>
-            <a:pPr eaLnBrk="1" hangingPunct="1"/>
-            <a:endParaRPr lang="en-US" sz="2000" dirty="0" smtClean="0">
-              <a:latin typeface="Calibri" pitchFamily="34" charset="0"/>
-            </a:endParaRPr>
-          </a:p>
-          <a:p>
-            <a:pPr eaLnBrk="1" hangingPunct="1"/>
-            <a:r>
-              <a:rPr lang="en-US" sz="2000" dirty="0" err="1" smtClean="0">
-                <a:latin typeface="Calibri" pitchFamily="34" charset="0"/>
-              </a:rPr>
-              <a:t>Ukoliko</a:t>
-            </a:r>
-            <a:r>
-              <a:rPr lang="en-US" sz="2000" dirty="0" smtClean="0">
-                <a:latin typeface="Calibri" pitchFamily="34" charset="0"/>
-              </a:rPr>
-              <a:t> bi </a:t>
-            </a:r>
-            <a:r>
-              <a:rPr lang="en-US" sz="2000" dirty="0" err="1" smtClean="0">
-                <a:latin typeface="Calibri" pitchFamily="34" charset="0"/>
-              </a:rPr>
-              <a:t>hteli</a:t>
-            </a:r>
-            <a:r>
-              <a:rPr lang="en-US" sz="2000" dirty="0" smtClean="0">
-                <a:latin typeface="Calibri" pitchFamily="34" charset="0"/>
-              </a:rPr>
-              <a:t> </a:t>
-            </a:r>
-            <a:r>
-              <a:rPr lang="en-US" sz="2000" dirty="0" err="1" smtClean="0">
-                <a:latin typeface="Calibri" pitchFamily="34" charset="0"/>
-              </a:rPr>
-              <a:t>unaprediti</a:t>
-            </a:r>
-            <a:r>
-              <a:rPr lang="en-US" sz="2000" dirty="0" smtClean="0">
-                <a:latin typeface="Calibri" pitchFamily="34" charset="0"/>
-              </a:rPr>
-              <a:t> </a:t>
-            </a:r>
-            <a:r>
-              <a:rPr lang="en-US" sz="2000" dirty="0" err="1" smtClean="0">
-                <a:latin typeface="Calibri" pitchFamily="34" charset="0"/>
-              </a:rPr>
-              <a:t>ovaj</a:t>
-            </a:r>
-            <a:r>
-              <a:rPr lang="en-US" sz="2000" dirty="0" smtClean="0">
-                <a:latin typeface="Calibri" pitchFamily="34" charset="0"/>
-              </a:rPr>
-              <a:t> program </a:t>
-            </a:r>
-            <a:r>
-              <a:rPr lang="en-US" sz="2000" dirty="0" err="1" smtClean="0">
-                <a:latin typeface="Calibri" pitchFamily="34" charset="0"/>
-              </a:rPr>
-              <a:t>za</a:t>
-            </a:r>
-            <a:r>
-              <a:rPr lang="en-US" sz="2000" dirty="0" smtClean="0">
-                <a:latin typeface="Calibri" pitchFamily="34" charset="0"/>
-              </a:rPr>
-              <a:t> </a:t>
-            </a:r>
-            <a:r>
-              <a:rPr lang="en-US" sz="2000" dirty="0" err="1" smtClean="0">
-                <a:latin typeface="Calibri" pitchFamily="34" charset="0"/>
-              </a:rPr>
-              <a:t>detekciju</a:t>
-            </a:r>
-            <a:r>
-              <a:rPr lang="en-US" sz="2000" dirty="0" smtClean="0">
-                <a:latin typeface="Calibri" pitchFamily="34" charset="0"/>
-              </a:rPr>
-              <a:t> </a:t>
-            </a:r>
-            <a:r>
-              <a:rPr lang="en-US" sz="2000" dirty="0" err="1" smtClean="0">
-                <a:latin typeface="Calibri" pitchFamily="34" charset="0"/>
-              </a:rPr>
-              <a:t>na</a:t>
-            </a:r>
-            <a:r>
-              <a:rPr lang="en-US" sz="2000" dirty="0" smtClean="0">
-                <a:latin typeface="Calibri" pitchFamily="34" charset="0"/>
-              </a:rPr>
-              <a:t> </a:t>
-            </a:r>
-            <a:r>
-              <a:rPr lang="en-US" sz="2000" dirty="0" err="1" smtClean="0">
-                <a:latin typeface="Calibri" pitchFamily="34" charset="0"/>
-              </a:rPr>
-              <a:t>videu</a:t>
-            </a:r>
-            <a:r>
-              <a:rPr lang="en-US" sz="2000" dirty="0" smtClean="0">
-                <a:latin typeface="Calibri" pitchFamily="34" charset="0"/>
-              </a:rPr>
-              <a:t>, </a:t>
-            </a:r>
-            <a:r>
-              <a:rPr lang="en-US" sz="2000" dirty="0" err="1" smtClean="0">
-                <a:latin typeface="Calibri" pitchFamily="34" charset="0"/>
-              </a:rPr>
-              <a:t>morali</a:t>
-            </a:r>
-            <a:r>
-              <a:rPr lang="en-US" sz="2000" dirty="0" smtClean="0">
-                <a:latin typeface="Calibri" pitchFamily="34" charset="0"/>
-              </a:rPr>
-              <a:t> bi </a:t>
-            </a:r>
-            <a:r>
-              <a:rPr lang="en-US" sz="2000" dirty="0" err="1" smtClean="0">
-                <a:latin typeface="Calibri" pitchFamily="34" charset="0"/>
-              </a:rPr>
-              <a:t>promeniti</a:t>
-            </a:r>
-            <a:r>
-              <a:rPr lang="en-US" sz="2000" dirty="0" smtClean="0">
-                <a:latin typeface="Calibri" pitchFamily="34" charset="0"/>
-              </a:rPr>
-              <a:t> </a:t>
-            </a:r>
-            <a:r>
-              <a:rPr lang="en-US" sz="2000" dirty="0" err="1" smtClean="0">
-                <a:latin typeface="Calibri" pitchFamily="34" charset="0"/>
-              </a:rPr>
-              <a:t>ceo</a:t>
-            </a:r>
-            <a:r>
-              <a:rPr lang="en-US" sz="2000" dirty="0" smtClean="0">
-                <a:latin typeface="Calibri" pitchFamily="34" charset="0"/>
-              </a:rPr>
-              <a:t> </a:t>
-            </a:r>
-            <a:r>
-              <a:rPr lang="en-US" sz="2000" dirty="0" err="1" smtClean="0">
-                <a:latin typeface="Calibri" pitchFamily="34" charset="0"/>
-              </a:rPr>
-              <a:t>pristup</a:t>
-            </a:r>
-            <a:r>
-              <a:rPr lang="en-US" sz="2000" dirty="0" smtClean="0">
-                <a:latin typeface="Calibri" pitchFamily="34" charset="0"/>
-              </a:rPr>
-              <a:t>, </a:t>
-            </a:r>
-            <a:r>
-              <a:rPr lang="en-US" sz="2000" dirty="0" err="1" smtClean="0">
-                <a:latin typeface="Calibri" pitchFamily="34" charset="0"/>
-              </a:rPr>
-              <a:t>jer</a:t>
-            </a:r>
-            <a:r>
-              <a:rPr lang="en-US" sz="2000" dirty="0" smtClean="0">
-                <a:latin typeface="Calibri" pitchFamily="34" charset="0"/>
-              </a:rPr>
-              <a:t> </a:t>
-            </a:r>
-            <a:r>
-              <a:rPr lang="en-US" sz="2000" dirty="0" err="1" smtClean="0">
-                <a:latin typeface="Calibri" pitchFamily="34" charset="0"/>
-              </a:rPr>
-              <a:t>su</a:t>
-            </a:r>
-            <a:r>
-              <a:rPr lang="en-US" sz="2000" dirty="0" smtClean="0">
-                <a:latin typeface="Calibri" pitchFamily="34" charset="0"/>
-              </a:rPr>
-              <a:t> </a:t>
-            </a:r>
-            <a:r>
-              <a:rPr lang="en-US" sz="2000" dirty="0" err="1" smtClean="0">
-                <a:latin typeface="Calibri" pitchFamily="34" charset="0"/>
-              </a:rPr>
-              <a:t>vremenske</a:t>
-            </a:r>
-            <a:r>
-              <a:rPr lang="en-US" sz="2000" dirty="0" smtClean="0">
-                <a:latin typeface="Calibri" pitchFamily="34" charset="0"/>
-              </a:rPr>
-              <a:t> </a:t>
-            </a:r>
-            <a:r>
-              <a:rPr lang="en-US" sz="2000" dirty="0" err="1" smtClean="0">
-                <a:latin typeface="Calibri" pitchFamily="34" charset="0"/>
-              </a:rPr>
-              <a:t>performanse</a:t>
-            </a:r>
-            <a:r>
-              <a:rPr lang="en-US" sz="2000" dirty="0" smtClean="0">
-                <a:latin typeface="Calibri" pitchFamily="34" charset="0"/>
-              </a:rPr>
-              <a:t> </a:t>
-            </a:r>
-            <a:r>
-              <a:rPr lang="en-US" sz="2000" dirty="0" err="1" smtClean="0">
-                <a:latin typeface="Calibri" pitchFamily="34" charset="0"/>
-              </a:rPr>
-              <a:t>ovog</a:t>
-            </a:r>
-            <a:r>
-              <a:rPr lang="en-US" sz="2000" dirty="0" smtClean="0">
-                <a:latin typeface="Calibri" pitchFamily="34" charset="0"/>
-              </a:rPr>
-              <a:t> </a:t>
-            </a:r>
-            <a:r>
-              <a:rPr lang="en-US" sz="2000" dirty="0" err="1" smtClean="0">
-                <a:latin typeface="Calibri" pitchFamily="34" charset="0"/>
-              </a:rPr>
-              <a:t>programa</a:t>
-            </a:r>
-            <a:r>
-              <a:rPr lang="en-US" sz="2000" dirty="0" smtClean="0">
-                <a:latin typeface="Calibri" pitchFamily="34" charset="0"/>
-              </a:rPr>
-              <a:t> </a:t>
-            </a:r>
-            <a:r>
-              <a:rPr lang="en-US" sz="2000" dirty="0" err="1" smtClean="0">
-                <a:latin typeface="Calibri" pitchFamily="34" charset="0"/>
-              </a:rPr>
-              <a:t>poprilično</a:t>
-            </a:r>
-            <a:r>
-              <a:rPr lang="en-US" sz="2000" dirty="0" smtClean="0">
-                <a:latin typeface="Calibri" pitchFamily="34" charset="0"/>
-              </a:rPr>
-              <a:t> </a:t>
-            </a:r>
-            <a:r>
-              <a:rPr lang="en-US" sz="2000" dirty="0" err="1" smtClean="0">
-                <a:latin typeface="Calibri" pitchFamily="34" charset="0"/>
-              </a:rPr>
-              <a:t>loše</a:t>
-            </a:r>
-            <a:r>
-              <a:rPr lang="en-US" sz="2000" dirty="0" smtClean="0">
-                <a:latin typeface="Calibri" pitchFamily="34" charset="0"/>
-              </a:rPr>
-              <a:t>, </a:t>
-            </a:r>
-            <a:r>
-              <a:rPr lang="en-US" sz="2000" dirty="0" err="1" smtClean="0">
-                <a:latin typeface="Calibri" pitchFamily="34" charset="0"/>
-              </a:rPr>
-              <a:t>pogotovo</a:t>
-            </a:r>
-            <a:r>
-              <a:rPr lang="en-US" sz="2000" dirty="0" smtClean="0">
-                <a:latin typeface="Calibri" pitchFamily="34" charset="0"/>
-              </a:rPr>
-              <a:t> </a:t>
-            </a:r>
-            <a:r>
-              <a:rPr lang="en-US" sz="2000" dirty="0" err="1" smtClean="0">
-                <a:latin typeface="Calibri" pitchFamily="34" charset="0"/>
-              </a:rPr>
-              <a:t>kada</a:t>
-            </a:r>
-            <a:r>
-              <a:rPr lang="en-US" sz="2000" dirty="0" smtClean="0">
-                <a:latin typeface="Calibri" pitchFamily="34" charset="0"/>
-              </a:rPr>
-              <a:t> </a:t>
-            </a:r>
-            <a:r>
-              <a:rPr lang="en-US" sz="2000" dirty="0" err="1" smtClean="0">
-                <a:latin typeface="Calibri" pitchFamily="34" charset="0"/>
-              </a:rPr>
-              <a:t>radimo</a:t>
-            </a:r>
-            <a:r>
-              <a:rPr lang="en-US" sz="2000" dirty="0" smtClean="0">
-                <a:latin typeface="Calibri" pitchFamily="34" charset="0"/>
-              </a:rPr>
-              <a:t> </a:t>
-            </a:r>
-            <a:r>
-              <a:rPr lang="en-US" sz="2000" dirty="0" err="1" smtClean="0">
-                <a:latin typeface="Calibri" pitchFamily="34" charset="0"/>
-              </a:rPr>
-              <a:t>sa</a:t>
-            </a:r>
-            <a:r>
-              <a:rPr lang="en-US" sz="2000" dirty="0" smtClean="0">
-                <a:latin typeface="Calibri" pitchFamily="34" charset="0"/>
-              </a:rPr>
-              <a:t> </a:t>
-            </a:r>
-            <a:r>
-              <a:rPr lang="en-US" sz="2000" dirty="0" err="1" smtClean="0">
-                <a:latin typeface="Calibri" pitchFamily="34" charset="0"/>
-              </a:rPr>
-              <a:t>slikama</a:t>
-            </a:r>
-            <a:r>
-              <a:rPr lang="en-US" sz="2000" dirty="0" smtClean="0">
-                <a:latin typeface="Calibri" pitchFamily="34" charset="0"/>
-              </a:rPr>
-              <a:t> </a:t>
-            </a:r>
-            <a:r>
-              <a:rPr lang="en-US" sz="2000" dirty="0" err="1" smtClean="0">
-                <a:latin typeface="Calibri" pitchFamily="34" charset="0"/>
-              </a:rPr>
-              <a:t>velikih</a:t>
-            </a:r>
-            <a:r>
-              <a:rPr lang="en-US" sz="2000" dirty="0" smtClean="0">
-                <a:latin typeface="Calibri" pitchFamily="34" charset="0"/>
-              </a:rPr>
-              <a:t> </a:t>
-            </a:r>
-            <a:r>
-              <a:rPr lang="en-US" sz="2000" dirty="0" err="1" smtClean="0">
-                <a:latin typeface="Calibri" pitchFamily="34" charset="0"/>
-              </a:rPr>
-              <a:t>dimenzija</a:t>
-            </a:r>
-            <a:r>
-              <a:rPr lang="en-US" sz="2000" dirty="0" smtClean="0">
-                <a:latin typeface="Calibri" pitchFamily="34" charset="0"/>
-              </a:rPr>
-              <a:t>. </a:t>
-            </a:r>
-            <a:r>
-              <a:rPr lang="en-US" sz="2000" dirty="0" err="1" smtClean="0">
-                <a:latin typeface="Calibri" pitchFamily="34" charset="0"/>
-              </a:rPr>
-              <a:t>Bilo</a:t>
-            </a:r>
-            <a:r>
-              <a:rPr lang="en-US" sz="2000" dirty="0" smtClean="0">
-                <a:latin typeface="Calibri" pitchFamily="34" charset="0"/>
-              </a:rPr>
-              <a:t> </a:t>
-            </a:r>
-            <a:r>
-              <a:rPr lang="en-US" sz="2000" dirty="0" err="1" smtClean="0">
-                <a:latin typeface="Calibri" pitchFamily="34" charset="0"/>
-              </a:rPr>
-              <a:t>koja</a:t>
-            </a:r>
-            <a:r>
-              <a:rPr lang="en-US" sz="2000" dirty="0" smtClean="0">
-                <a:latin typeface="Calibri" pitchFamily="34" charset="0"/>
-              </a:rPr>
-              <a:t> od </a:t>
-            </a:r>
-            <a:r>
-              <a:rPr lang="en-US" sz="2000" dirty="0" err="1" smtClean="0">
-                <a:latin typeface="Calibri" pitchFamily="34" charset="0"/>
-              </a:rPr>
-              <a:t>iteracija</a:t>
-            </a:r>
-            <a:r>
-              <a:rPr lang="en-US" sz="2000" dirty="0" smtClean="0">
-                <a:latin typeface="Calibri" pitchFamily="34" charset="0"/>
-              </a:rPr>
-              <a:t> </a:t>
-            </a:r>
-            <a:r>
-              <a:rPr lang="en-US" sz="2000" i="1" dirty="0" smtClean="0">
-                <a:latin typeface="Calibri" pitchFamily="34" charset="0"/>
-              </a:rPr>
-              <a:t>YOLO </a:t>
-            </a:r>
-            <a:r>
-              <a:rPr lang="en-US" sz="2000" dirty="0" err="1" smtClean="0">
-                <a:latin typeface="Calibri" pitchFamily="34" charset="0"/>
-              </a:rPr>
-              <a:t>algoritama</a:t>
-            </a:r>
-            <a:r>
-              <a:rPr lang="en-US" sz="2000" dirty="0" smtClean="0">
-                <a:latin typeface="Calibri" pitchFamily="34" charset="0"/>
-              </a:rPr>
-              <a:t> bi </a:t>
-            </a:r>
-            <a:r>
-              <a:rPr lang="en-US" sz="2000" dirty="0" err="1" smtClean="0">
-                <a:latin typeface="Calibri" pitchFamily="34" charset="0"/>
-              </a:rPr>
-              <a:t>značajno</a:t>
-            </a:r>
-            <a:r>
-              <a:rPr lang="en-US" sz="2000" dirty="0" smtClean="0">
-                <a:latin typeface="Calibri" pitchFamily="34" charset="0"/>
-              </a:rPr>
-              <a:t> </a:t>
-            </a:r>
-            <a:r>
-              <a:rPr lang="en-US" sz="2000" dirty="0" err="1" smtClean="0">
-                <a:latin typeface="Calibri" pitchFamily="34" charset="0"/>
-              </a:rPr>
-              <a:t>poboljšala</a:t>
-            </a:r>
-            <a:r>
-              <a:rPr lang="en-US" sz="2000" dirty="0" smtClean="0">
-                <a:latin typeface="Calibri" pitchFamily="34" charset="0"/>
-              </a:rPr>
-              <a:t> </a:t>
-            </a:r>
-            <a:r>
-              <a:rPr lang="en-US" sz="2000" dirty="0" err="1" smtClean="0">
-                <a:latin typeface="Calibri" pitchFamily="34" charset="0"/>
-              </a:rPr>
-              <a:t>ovaj</a:t>
-            </a:r>
-            <a:r>
-              <a:rPr lang="en-US" sz="2000" dirty="0" smtClean="0">
-                <a:latin typeface="Calibri" pitchFamily="34" charset="0"/>
-              </a:rPr>
-              <a:t> problem.</a:t>
-            </a:r>
-            <a:endParaRPr lang="en-US" sz="2000" i="1" dirty="0">
-              <a:latin typeface="Calibri" pitchFamily="34" charset="0"/>
-            </a:endParaRPr>
           </a:p>
         </p:txBody>
       </p:sp>
       <p:sp>
         <p:nvSpPr>
-          <p:cNvPr id="36" name="Rectangle 35"/>
+          <p:cNvPr id="45" name="Rectangle 44"/>
           <p:cNvSpPr/>
           <p:nvPr/>
         </p:nvSpPr>
         <p:spPr>
           <a:xfrm>
-            <a:off x="21945600" y="13716000"/>
+            <a:off x="11521440" y="8001001"/>
             <a:ext cx="9875520" cy="457200"/>
           </a:xfrm>
           <a:prstGeom prst="rect">
@@ -8482,612 +10019,6 @@
                   </a:schemeClr>
                 </a:solidFill>
               </a:rPr>
-              <a:t>Zaklju</a:t>
-            </a:r>
-            <a:r>
-              <a:rPr lang="en-US" sz="3200" b="1" dirty="0" err="1" smtClean="0">
-                <a:solidFill>
-                  <a:schemeClr val="accent3">
-                    <a:lumMod val="20000"/>
-                    <a:lumOff val="80000"/>
-                  </a:schemeClr>
-                </a:solidFill>
-              </a:rPr>
-              <a:t>čak</a:t>
-            </a:r>
-            <a:endParaRPr lang="en-US" sz="3200" b="1" dirty="0">
-              <a:solidFill>
-                <a:schemeClr val="accent3">
-                  <a:lumMod val="20000"/>
-                  <a:lumOff val="80000"/>
-                </a:schemeClr>
-              </a:solidFill>
-            </a:endParaRPr>
-          </a:p>
-        </p:txBody>
-      </p:sp>
-      <p:sp>
-        <p:nvSpPr>
-          <p:cNvPr id="11" name="Text Box 190"/>
-          <p:cNvSpPr txBox="1">
-            <a:spLocks noChangeArrowheads="1"/>
-          </p:cNvSpPr>
-          <p:nvPr/>
-        </p:nvSpPr>
-        <p:spPr bwMode="auto">
-          <a:xfrm>
-            <a:off x="1097280" y="5181602"/>
-            <a:ext cx="9875520" cy="1121127"/>
-          </a:xfrm>
-          <a:prstGeom prst="rect">
-            <a:avLst/>
-          </a:prstGeom>
-          <a:solidFill>
-            <a:schemeClr val="bg1"/>
-          </a:solidFill>
-          <a:ln w="12700">
-            <a:solidFill>
-              <a:schemeClr val="accent1">
-                <a:lumMod val="75000"/>
-              </a:schemeClr>
-            </a:solidFill>
-          </a:ln>
-          <a:effectLst/>
-        </p:spPr>
-        <p:txBody>
-          <a:bodyPr lIns="97942" tIns="97942" rIns="97942" bIns="97942">
-            <a:spAutoFit/>
-          </a:bodyPr>
-          <a:lstStyle>
-            <a:lvl1pPr eaLnBrk="0" hangingPunct="0">
-              <a:defRPr sz="2200">
-                <a:solidFill>
-                  <a:schemeClr val="tx1"/>
-                </a:solidFill>
-                <a:latin typeface="Arial" charset="0"/>
-              </a:defRPr>
-            </a:lvl1pPr>
-            <a:lvl2pPr marL="742950" indent="-285750" eaLnBrk="0" hangingPunct="0">
-              <a:defRPr sz="2200">
-                <a:solidFill>
-                  <a:schemeClr val="tx1"/>
-                </a:solidFill>
-                <a:latin typeface="Arial" charset="0"/>
-              </a:defRPr>
-            </a:lvl2pPr>
-            <a:lvl3pPr marL="1143000" indent="-228600" eaLnBrk="0" hangingPunct="0">
-              <a:defRPr sz="2200">
-                <a:solidFill>
-                  <a:schemeClr val="tx1"/>
-                </a:solidFill>
-                <a:latin typeface="Arial" charset="0"/>
-              </a:defRPr>
-            </a:lvl3pPr>
-            <a:lvl4pPr marL="1600200" indent="-228600" eaLnBrk="0" hangingPunct="0">
-              <a:defRPr sz="2200">
-                <a:solidFill>
-                  <a:schemeClr val="tx1"/>
-                </a:solidFill>
-                <a:latin typeface="Arial" charset="0"/>
-              </a:defRPr>
-            </a:lvl4pPr>
-            <a:lvl5pPr marL="2057400" indent="-228600" eaLnBrk="0" hangingPunct="0">
-              <a:defRPr sz="2200">
-                <a:solidFill>
-                  <a:schemeClr val="tx1"/>
-                </a:solidFill>
-                <a:latin typeface="Arial" charset="0"/>
-              </a:defRPr>
-            </a:lvl5pPr>
-            <a:lvl6pPr marL="2514600" indent="-228600" eaLnBrk="0" fontAlgn="base" hangingPunct="0">
-              <a:spcBef>
-                <a:spcPct val="0"/>
-              </a:spcBef>
-              <a:spcAft>
-                <a:spcPct val="0"/>
-              </a:spcAft>
-              <a:defRPr sz="2200">
-                <a:solidFill>
-                  <a:schemeClr val="tx1"/>
-                </a:solidFill>
-                <a:latin typeface="Arial" charset="0"/>
-              </a:defRPr>
-            </a:lvl6pPr>
-            <a:lvl7pPr marL="2971800" indent="-228600" eaLnBrk="0" fontAlgn="base" hangingPunct="0">
-              <a:spcBef>
-                <a:spcPct val="0"/>
-              </a:spcBef>
-              <a:spcAft>
-                <a:spcPct val="0"/>
-              </a:spcAft>
-              <a:defRPr sz="2200">
-                <a:solidFill>
-                  <a:schemeClr val="tx1"/>
-                </a:solidFill>
-                <a:latin typeface="Arial" charset="0"/>
-              </a:defRPr>
-            </a:lvl7pPr>
-            <a:lvl8pPr marL="3429000" indent="-228600" eaLnBrk="0" fontAlgn="base" hangingPunct="0">
-              <a:spcBef>
-                <a:spcPct val="0"/>
-              </a:spcBef>
-              <a:spcAft>
-                <a:spcPct val="0"/>
-              </a:spcAft>
-              <a:defRPr sz="2200">
-                <a:solidFill>
-                  <a:schemeClr val="tx1"/>
-                </a:solidFill>
-                <a:latin typeface="Arial" charset="0"/>
-              </a:defRPr>
-            </a:lvl8pPr>
-            <a:lvl9pPr marL="3886200" indent="-228600" eaLnBrk="0" fontAlgn="base" hangingPunct="0">
-              <a:spcBef>
-                <a:spcPct val="0"/>
-              </a:spcBef>
-              <a:spcAft>
-                <a:spcPct val="0"/>
-              </a:spcAft>
-              <a:defRPr sz="2200">
-                <a:solidFill>
-                  <a:schemeClr val="tx1"/>
-                </a:solidFill>
-                <a:latin typeface="Arial" charset="0"/>
-              </a:defRPr>
-            </a:lvl9pPr>
-          </a:lstStyle>
-          <a:p>
-            <a:pPr eaLnBrk="1" hangingPunct="1"/>
-            <a:r>
-              <a:rPr lang="en-US" sz="2000" dirty="0" err="1" smtClean="0">
-                <a:latin typeface="+mn-lt"/>
-              </a:rPr>
-              <a:t>Skup</a:t>
-            </a:r>
-            <a:r>
-              <a:rPr lang="en-US" sz="2000" dirty="0" smtClean="0">
-                <a:latin typeface="+mn-lt"/>
-              </a:rPr>
-              <a:t> </a:t>
-            </a:r>
-            <a:r>
-              <a:rPr lang="en-US" sz="2000" dirty="0" err="1" smtClean="0">
-                <a:latin typeface="+mn-lt"/>
-              </a:rPr>
-              <a:t>podataka</a:t>
-            </a:r>
-            <a:r>
-              <a:rPr lang="en-US" sz="2000" dirty="0" smtClean="0">
-                <a:latin typeface="+mn-lt"/>
-              </a:rPr>
-              <a:t> </a:t>
-            </a:r>
-            <a:r>
-              <a:rPr lang="en-US" sz="2000" dirty="0" err="1" smtClean="0">
-                <a:latin typeface="+mn-lt"/>
-              </a:rPr>
-              <a:t>koji</a:t>
-            </a:r>
-            <a:r>
-              <a:rPr lang="en-US" sz="2000" dirty="0" smtClean="0">
-                <a:latin typeface="+mn-lt"/>
-              </a:rPr>
-              <a:t> </a:t>
-            </a:r>
-            <a:r>
-              <a:rPr lang="en-US" sz="2000" dirty="0" err="1" smtClean="0">
-                <a:latin typeface="+mn-lt"/>
-              </a:rPr>
-              <a:t>će</a:t>
-            </a:r>
-            <a:r>
-              <a:rPr lang="en-US" sz="2000" dirty="0" smtClean="0">
-                <a:latin typeface="+mn-lt"/>
-              </a:rPr>
-              <a:t> se </a:t>
-            </a:r>
-            <a:r>
-              <a:rPr lang="en-US" sz="2000" dirty="0" err="1" smtClean="0">
-                <a:latin typeface="+mn-lt"/>
-              </a:rPr>
-              <a:t>koristiti</a:t>
-            </a:r>
-            <a:r>
-              <a:rPr lang="en-US" sz="2000" dirty="0" smtClean="0">
-                <a:latin typeface="+mn-lt"/>
-              </a:rPr>
-              <a:t>  </a:t>
-            </a:r>
-            <a:r>
-              <a:rPr lang="en-US" sz="2000" dirty="0" err="1" smtClean="0">
-                <a:latin typeface="+mn-lt"/>
-              </a:rPr>
-              <a:t>sadrži</a:t>
-            </a:r>
-            <a:r>
-              <a:rPr lang="en-US" sz="2000" dirty="0" smtClean="0">
-                <a:latin typeface="+mn-lt"/>
-              </a:rPr>
-              <a:t>  </a:t>
-            </a:r>
-            <a:r>
-              <a:rPr lang="en-US" sz="2000" dirty="0" err="1" smtClean="0">
-                <a:latin typeface="+mn-lt"/>
-              </a:rPr>
-              <a:t>slike</a:t>
-            </a:r>
-            <a:r>
-              <a:rPr lang="en-US" sz="2000" dirty="0" smtClean="0">
-                <a:latin typeface="+mn-lt"/>
-              </a:rPr>
-              <a:t> </a:t>
-            </a:r>
-            <a:r>
-              <a:rPr lang="en-US" sz="2000" dirty="0" err="1" smtClean="0">
-                <a:latin typeface="+mn-lt"/>
-              </a:rPr>
-              <a:t>na</a:t>
-            </a:r>
-            <a:r>
-              <a:rPr lang="en-US" sz="2000" dirty="0" smtClean="0">
-                <a:latin typeface="+mn-lt"/>
-              </a:rPr>
-              <a:t> </a:t>
-            </a:r>
-            <a:r>
-              <a:rPr lang="en-US" sz="2000" dirty="0" err="1" smtClean="0">
-                <a:latin typeface="+mn-lt"/>
-              </a:rPr>
-              <a:t>kojima</a:t>
-            </a:r>
-            <a:r>
-              <a:rPr lang="en-US" sz="2000" dirty="0" smtClean="0">
-                <a:latin typeface="+mn-lt"/>
-              </a:rPr>
-              <a:t> se </a:t>
-            </a:r>
-            <a:r>
-              <a:rPr lang="en-US" sz="2000" dirty="0" err="1" smtClean="0">
-                <a:latin typeface="+mn-lt"/>
-              </a:rPr>
-              <a:t>nalazi</a:t>
-            </a:r>
-            <a:r>
-              <a:rPr lang="en-US" sz="2000" dirty="0" smtClean="0">
-                <a:latin typeface="+mn-lt"/>
-              </a:rPr>
-              <a:t> </a:t>
-            </a:r>
-            <a:r>
-              <a:rPr lang="en-US" sz="2000" dirty="0" err="1" smtClean="0">
-                <a:latin typeface="+mn-lt"/>
-              </a:rPr>
-              <a:t>više</a:t>
-            </a:r>
-            <a:r>
-              <a:rPr lang="en-US" sz="2000" dirty="0" smtClean="0">
-                <a:latin typeface="+mn-lt"/>
-              </a:rPr>
-              <a:t> </a:t>
-            </a:r>
-            <a:r>
-              <a:rPr lang="en-US" sz="2000" dirty="0" err="1" smtClean="0">
-                <a:latin typeface="+mn-lt"/>
-              </a:rPr>
-              <a:t>ljudi</a:t>
-            </a:r>
-            <a:r>
-              <a:rPr lang="en-US" sz="2000" dirty="0" smtClean="0">
-                <a:latin typeface="+mn-lt"/>
-              </a:rPr>
-              <a:t> . </a:t>
-            </a:r>
-            <a:r>
-              <a:rPr lang="en-US" sz="2000" dirty="0" err="1" smtClean="0">
-                <a:latin typeface="+mn-lt"/>
-              </a:rPr>
-              <a:t>Uz</a:t>
-            </a:r>
-            <a:r>
-              <a:rPr lang="en-US" sz="2000" dirty="0" smtClean="0">
-                <a:latin typeface="+mn-lt"/>
-              </a:rPr>
-              <a:t> </a:t>
-            </a:r>
-            <a:r>
-              <a:rPr lang="en-US" sz="2000" dirty="0" err="1" smtClean="0">
-                <a:latin typeface="+mn-lt"/>
-              </a:rPr>
-              <a:t>svaku</a:t>
-            </a:r>
-            <a:r>
-              <a:rPr lang="en-US" sz="2000" dirty="0" smtClean="0">
-                <a:latin typeface="+mn-lt"/>
-              </a:rPr>
-              <a:t> </a:t>
-            </a:r>
-            <a:r>
-              <a:rPr lang="en-US" sz="2000" dirty="0" err="1" smtClean="0">
-                <a:latin typeface="+mn-lt"/>
-              </a:rPr>
-              <a:t>sliku</a:t>
-            </a:r>
-            <a:r>
-              <a:rPr lang="en-US" sz="2000" dirty="0" smtClean="0">
-                <a:latin typeface="+mn-lt"/>
-              </a:rPr>
-              <a:t> </a:t>
-            </a:r>
-            <a:r>
-              <a:rPr lang="en-US" sz="2000" dirty="0" err="1" smtClean="0">
-                <a:latin typeface="+mn-lt"/>
-              </a:rPr>
-              <a:t>dolazi</a:t>
-            </a:r>
-            <a:r>
-              <a:rPr lang="en-US" sz="2000" dirty="0" smtClean="0">
-                <a:latin typeface="+mn-lt"/>
-              </a:rPr>
-              <a:t> i </a:t>
-            </a:r>
-            <a:r>
-              <a:rPr lang="en-US" sz="2000" dirty="0" err="1" smtClean="0">
-                <a:latin typeface="+mn-lt"/>
-              </a:rPr>
-              <a:t>dodatni</a:t>
-            </a:r>
-            <a:r>
-              <a:rPr lang="en-US" sz="2000" dirty="0" smtClean="0">
-                <a:latin typeface="+mn-lt"/>
-              </a:rPr>
-              <a:t> </a:t>
-            </a:r>
-            <a:r>
-              <a:rPr lang="en-US" sz="2000" dirty="0" err="1" smtClean="0">
-                <a:latin typeface="+mn-lt"/>
-              </a:rPr>
-              <a:t>fajl</a:t>
-            </a:r>
-            <a:r>
-              <a:rPr lang="en-US" sz="2000" dirty="0" smtClean="0">
-                <a:latin typeface="+mn-lt"/>
-              </a:rPr>
-              <a:t> </a:t>
-            </a:r>
-            <a:r>
-              <a:rPr lang="en-US" sz="2000" dirty="0" err="1" smtClean="0">
-                <a:latin typeface="+mn-lt"/>
-              </a:rPr>
-              <a:t>koji</a:t>
-            </a:r>
-            <a:r>
-              <a:rPr lang="en-US" sz="2000" dirty="0" smtClean="0">
-                <a:latin typeface="+mn-lt"/>
-              </a:rPr>
-              <a:t> </a:t>
-            </a:r>
-            <a:r>
-              <a:rPr lang="en-US" sz="2000" dirty="0" err="1" smtClean="0">
-                <a:latin typeface="+mn-lt"/>
-              </a:rPr>
-              <a:t>labelira</a:t>
-            </a:r>
-            <a:r>
-              <a:rPr lang="en-US" sz="2000" dirty="0" smtClean="0">
-                <a:latin typeface="+mn-lt"/>
-              </a:rPr>
-              <a:t> </a:t>
-            </a:r>
-            <a:r>
-              <a:rPr lang="en-US" sz="2000" dirty="0" err="1" smtClean="0">
-                <a:latin typeface="+mn-lt"/>
-              </a:rPr>
-              <a:t>svako</a:t>
-            </a:r>
-            <a:r>
-              <a:rPr lang="en-US" sz="2000" dirty="0" smtClean="0">
-                <a:latin typeface="+mn-lt"/>
-              </a:rPr>
-              <a:t> </a:t>
-            </a:r>
-            <a:r>
-              <a:rPr lang="en-US" sz="2000" dirty="0" err="1" smtClean="0">
-                <a:latin typeface="+mn-lt"/>
-              </a:rPr>
-              <a:t>poziciju</a:t>
-            </a:r>
-            <a:r>
-              <a:rPr lang="en-US" sz="2000" dirty="0" smtClean="0">
-                <a:latin typeface="+mn-lt"/>
-              </a:rPr>
-              <a:t> </a:t>
-            </a:r>
-            <a:r>
-              <a:rPr lang="en-US" sz="2000" dirty="0" err="1" smtClean="0">
-                <a:latin typeface="+mn-lt"/>
-              </a:rPr>
-              <a:t>svakog</a:t>
-            </a:r>
-            <a:r>
-              <a:rPr lang="en-US" sz="2000" dirty="0" smtClean="0">
-                <a:latin typeface="+mn-lt"/>
-              </a:rPr>
-              <a:t> </a:t>
-            </a:r>
-            <a:r>
-              <a:rPr lang="en-US" sz="2000" dirty="0" err="1" smtClean="0">
-                <a:latin typeface="+mn-lt"/>
-              </a:rPr>
-              <a:t>lica</a:t>
-            </a:r>
-            <a:r>
-              <a:rPr lang="en-US" sz="2000" dirty="0" smtClean="0">
-                <a:latin typeface="+mn-lt"/>
-              </a:rPr>
-              <a:t> </a:t>
-            </a:r>
-            <a:r>
-              <a:rPr lang="en-US" sz="2000" dirty="0" err="1" smtClean="0">
-                <a:latin typeface="+mn-lt"/>
-              </a:rPr>
-              <a:t>svojim</a:t>
-            </a:r>
-            <a:r>
-              <a:rPr lang="en-US" sz="2000" dirty="0" smtClean="0">
-                <a:latin typeface="+mn-lt"/>
-              </a:rPr>
-              <a:t> </a:t>
-            </a:r>
-            <a:r>
-              <a:rPr lang="en-US" sz="2000" dirty="0" err="1" smtClean="0">
-                <a:latin typeface="+mn-lt"/>
-              </a:rPr>
-              <a:t>okvirom</a:t>
-            </a:r>
-            <a:r>
-              <a:rPr lang="en-US" sz="2000" dirty="0" smtClean="0">
-                <a:latin typeface="+mn-lt"/>
-              </a:rPr>
-              <a:t> </a:t>
-            </a:r>
-            <a:r>
-              <a:rPr lang="en-US" sz="2000" dirty="0" err="1" smtClean="0">
-                <a:latin typeface="+mn-lt"/>
-              </a:rPr>
-              <a:t>kao</a:t>
-            </a:r>
-            <a:r>
-              <a:rPr lang="en-US" sz="2000" dirty="0" smtClean="0">
-                <a:latin typeface="+mn-lt"/>
-              </a:rPr>
-              <a:t> i </a:t>
-            </a:r>
-            <a:r>
-              <a:rPr lang="en-US" sz="2000" dirty="0" err="1" smtClean="0">
-                <a:latin typeface="+mn-lt"/>
-              </a:rPr>
-              <a:t>labelom</a:t>
-            </a:r>
-            <a:r>
-              <a:rPr lang="en-US" sz="2000" dirty="0" smtClean="0">
-                <a:latin typeface="+mn-lt"/>
-              </a:rPr>
-              <a:t> da li je </a:t>
-            </a:r>
-            <a:r>
-              <a:rPr lang="en-US" sz="2000" dirty="0" err="1" smtClean="0">
-                <a:latin typeface="+mn-lt"/>
-              </a:rPr>
-              <a:t>prisutna</a:t>
-            </a:r>
-            <a:r>
-              <a:rPr lang="en-US" sz="2000" dirty="0" smtClean="0">
-                <a:latin typeface="+mn-lt"/>
-              </a:rPr>
-              <a:t>, </a:t>
-            </a:r>
-            <a:r>
-              <a:rPr lang="en-US" sz="2000" dirty="0" err="1" smtClean="0">
-                <a:latin typeface="+mn-lt"/>
-              </a:rPr>
-              <a:t>ili</a:t>
-            </a:r>
-            <a:r>
-              <a:rPr lang="en-US" sz="2000" dirty="0" smtClean="0">
-                <a:latin typeface="+mn-lt"/>
-              </a:rPr>
-              <a:t> </a:t>
-            </a:r>
-            <a:r>
-              <a:rPr lang="en-US" sz="2000" dirty="0" err="1" smtClean="0">
-                <a:latin typeface="+mn-lt"/>
-              </a:rPr>
-              <a:t>dobro</a:t>
-            </a:r>
-            <a:r>
-              <a:rPr lang="en-US" sz="2000" dirty="0" smtClean="0">
-                <a:latin typeface="+mn-lt"/>
-              </a:rPr>
-              <a:t> </a:t>
-            </a:r>
-            <a:r>
-              <a:rPr lang="en-US" sz="2000" dirty="0" err="1" smtClean="0">
-                <a:latin typeface="+mn-lt"/>
-              </a:rPr>
-              <a:t>nošena</a:t>
-            </a:r>
-            <a:r>
-              <a:rPr lang="en-US" sz="2000" dirty="0" smtClean="0">
-                <a:latin typeface="+mn-lt"/>
-              </a:rPr>
-              <a:t> </a:t>
-            </a:r>
-            <a:r>
-              <a:rPr lang="en-US" sz="2000" dirty="0" err="1" smtClean="0">
-                <a:latin typeface="+mn-lt"/>
-              </a:rPr>
-              <a:t>maska</a:t>
-            </a:r>
-            <a:r>
-              <a:rPr lang="en-US" sz="2000" dirty="0" smtClean="0">
-                <a:latin typeface="+mn-lt"/>
-              </a:rPr>
-              <a:t>.</a:t>
-            </a:r>
-          </a:p>
-        </p:txBody>
-      </p:sp>
-      <p:sp>
-        <p:nvSpPr>
-          <p:cNvPr id="45" name="Rectangle 44"/>
-          <p:cNvSpPr/>
-          <p:nvPr/>
-        </p:nvSpPr>
-        <p:spPr>
-          <a:xfrm>
-            <a:off x="11521440" y="8001000"/>
-            <a:ext cx="9875520" cy="457200"/>
-          </a:xfrm>
-          <a:prstGeom prst="rect">
-            <a:avLst/>
-          </a:prstGeom>
-          <a:solidFill>
-            <a:schemeClr val="accent1">
-              <a:lumMod val="75000"/>
-            </a:schemeClr>
-          </a:solidFill>
-          <a:ln w="12700"/>
-        </p:spPr>
-        <p:style>
-          <a:lnRef idx="2">
-            <a:schemeClr val="accent1">
-              <a:shade val="50000"/>
-            </a:schemeClr>
-          </a:lnRef>
-          <a:fillRef idx="1">
-            <a:schemeClr val="accent1"/>
-          </a:fillRef>
-          <a:effectRef idx="0">
-            <a:schemeClr val="accent1"/>
-          </a:effectRef>
-          <a:fontRef idx="minor">
-            <a:schemeClr val="lt1"/>
-          </a:fontRef>
-        </p:style>
-        <p:txBody>
-          <a:bodyPr lIns="48971" tIns="24486" rIns="48971" bIns="24486" rtlCol="0" anchor="ctr"/>
-          <a:lstStyle/>
-          <a:p>
-            <a:pPr algn="ctr"/>
-            <a:r>
-              <a:rPr lang="en-US" sz="3200" b="1" dirty="0" err="1" smtClean="0">
-                <a:solidFill>
-                  <a:schemeClr val="accent3">
-                    <a:lumMod val="20000"/>
-                    <a:lumOff val="80000"/>
-                  </a:schemeClr>
-                </a:solidFill>
-              </a:rPr>
               <a:t>Detekcija</a:t>
             </a:r>
             <a:endParaRPr lang="en-US" sz="3200" b="1" dirty="0" smtClean="0">
@@ -9124,7 +10055,7 @@
         </p:blipFill>
         <p:spPr bwMode="auto">
           <a:xfrm>
-            <a:off x="1021080" y="6717033"/>
+            <a:off x="1021080" y="6717034"/>
             <a:ext cx="4465320" cy="2503167"/>
           </a:xfrm>
           <a:prstGeom prst="rect">
@@ -9232,7 +10163,7 @@
           </p:nvPr>
         </p:nvGraphicFramePr>
         <p:xfrm>
-          <a:off x="5638800" y="6508373"/>
+          <a:off x="5638802" y="6508373"/>
           <a:ext cx="5600959" cy="3544053"/>
         </p:xfrm>
         <a:graphic>
@@ -10050,7 +10981,7 @@
         </p:nvSpPr>
         <p:spPr>
           <a:xfrm>
-            <a:off x="1097280" y="10210800"/>
+            <a:off x="1097280" y="10210801"/>
             <a:ext cx="9875520" cy="457200"/>
           </a:xfrm>
           <a:prstGeom prst="rect">
@@ -10121,7 +11052,7 @@
           </p:nvPr>
         </p:nvGraphicFramePr>
         <p:xfrm>
-          <a:off x="1226448" y="17526000"/>
+          <a:off x="1226448" y="17526001"/>
           <a:ext cx="9599228" cy="1554249"/>
         </p:xfrm>
         <a:graphic>
@@ -10787,7 +11718,7 @@
         </p:blipFill>
         <p:spPr bwMode="auto">
           <a:xfrm>
-            <a:off x="12175807" y="5829080"/>
+            <a:off x="12175809" y="5829081"/>
             <a:ext cx="8566785" cy="1867120"/>
           </a:xfrm>
           <a:prstGeom prst="rect">
@@ -10843,7 +11774,7 @@
           </p:nvPr>
         </p:nvGraphicFramePr>
         <p:xfrm>
-          <a:off x="11659585" y="3200400"/>
+          <a:off x="11659585" y="3200401"/>
           <a:ext cx="9599228" cy="1554249"/>
         </p:xfrm>
         <a:graphic>
@@ -11111,8 +12042,8 @@
         </p:blipFill>
         <p:spPr bwMode="auto">
           <a:xfrm>
-            <a:off x="12954000" y="14706600"/>
-            <a:ext cx="6461760" cy="4298269"/>
+            <a:off x="11445240" y="15003475"/>
+            <a:ext cx="4937760" cy="3284526"/>
           </a:xfrm>
           <a:prstGeom prst="rect">
             <a:avLst/>
@@ -11139,6 +12070,1354 @@
                 </a:solidFill>
               </a14:hiddenFill>
             </a:ext>
+          </a:extLst>
+        </p:spPr>
+      </p:pic>
+      <p:sp>
+        <p:nvSpPr>
+          <p:cNvPr id="28" name="Text Box 193"/>
+          <p:cNvSpPr txBox="1">
+            <a:spLocks noChangeArrowheads="1"/>
+          </p:cNvSpPr>
+          <p:nvPr/>
+        </p:nvSpPr>
+        <p:spPr bwMode="auto">
+          <a:xfrm>
+            <a:off x="21926550" y="3657601"/>
+            <a:ext cx="9875520" cy="3891116"/>
+          </a:xfrm>
+          <a:prstGeom prst="rect">
+            <a:avLst/>
+          </a:prstGeom>
+          <a:solidFill>
+            <a:schemeClr val="bg1"/>
+          </a:solidFill>
+          <a:ln w="12700">
+            <a:solidFill>
+              <a:schemeClr val="accent1">
+                <a:lumMod val="75000"/>
+              </a:schemeClr>
+            </a:solidFill>
+          </a:ln>
+          <a:effectLst/>
+        </p:spPr>
+        <p:txBody>
+          <a:bodyPr lIns="97942" tIns="97942" rIns="97942" bIns="97942">
+            <a:spAutoFit/>
+          </a:bodyPr>
+          <a:lstStyle>
+            <a:lvl1pPr eaLnBrk="0" hangingPunct="0">
+              <a:defRPr sz="2200">
+                <a:solidFill>
+                  <a:schemeClr val="tx1"/>
+                </a:solidFill>
+                <a:latin typeface="Arial" charset="0"/>
+              </a:defRPr>
+            </a:lvl1pPr>
+            <a:lvl2pPr marL="742950" indent="-285750" eaLnBrk="0" hangingPunct="0">
+              <a:defRPr sz="2200">
+                <a:solidFill>
+                  <a:schemeClr val="tx1"/>
+                </a:solidFill>
+                <a:latin typeface="Arial" charset="0"/>
+              </a:defRPr>
+            </a:lvl2pPr>
+            <a:lvl3pPr marL="1143000" indent="-228600" eaLnBrk="0" hangingPunct="0">
+              <a:defRPr sz="2200">
+                <a:solidFill>
+                  <a:schemeClr val="tx1"/>
+                </a:solidFill>
+                <a:latin typeface="Arial" charset="0"/>
+              </a:defRPr>
+            </a:lvl3pPr>
+            <a:lvl4pPr marL="1600200" indent="-228600" eaLnBrk="0" hangingPunct="0">
+              <a:defRPr sz="2200">
+                <a:solidFill>
+                  <a:schemeClr val="tx1"/>
+                </a:solidFill>
+                <a:latin typeface="Arial" charset="0"/>
+              </a:defRPr>
+            </a:lvl4pPr>
+            <a:lvl5pPr marL="2057400" indent="-228600" eaLnBrk="0" hangingPunct="0">
+              <a:defRPr sz="2200">
+                <a:solidFill>
+                  <a:schemeClr val="tx1"/>
+                </a:solidFill>
+                <a:latin typeface="Arial" charset="0"/>
+              </a:defRPr>
+            </a:lvl5pPr>
+            <a:lvl6pPr marL="2514600" indent="-228600" eaLnBrk="0" fontAlgn="base" hangingPunct="0">
+              <a:spcBef>
+                <a:spcPct val="0"/>
+              </a:spcBef>
+              <a:spcAft>
+                <a:spcPct val="0"/>
+              </a:spcAft>
+              <a:defRPr sz="2200">
+                <a:solidFill>
+                  <a:schemeClr val="tx1"/>
+                </a:solidFill>
+                <a:latin typeface="Arial" charset="0"/>
+              </a:defRPr>
+            </a:lvl6pPr>
+            <a:lvl7pPr marL="2971800" indent="-228600" eaLnBrk="0" fontAlgn="base" hangingPunct="0">
+              <a:spcBef>
+                <a:spcPct val="0"/>
+              </a:spcBef>
+              <a:spcAft>
+                <a:spcPct val="0"/>
+              </a:spcAft>
+              <a:defRPr sz="2200">
+                <a:solidFill>
+                  <a:schemeClr val="tx1"/>
+                </a:solidFill>
+                <a:latin typeface="Arial" charset="0"/>
+              </a:defRPr>
+            </a:lvl7pPr>
+            <a:lvl8pPr marL="3429000" indent="-228600" eaLnBrk="0" fontAlgn="base" hangingPunct="0">
+              <a:spcBef>
+                <a:spcPct val="0"/>
+              </a:spcBef>
+              <a:spcAft>
+                <a:spcPct val="0"/>
+              </a:spcAft>
+              <a:defRPr sz="2200">
+                <a:solidFill>
+                  <a:schemeClr val="tx1"/>
+                </a:solidFill>
+                <a:latin typeface="Arial" charset="0"/>
+              </a:defRPr>
+            </a:lvl8pPr>
+            <a:lvl9pPr marL="3886200" indent="-228600" eaLnBrk="0" fontAlgn="base" hangingPunct="0">
+              <a:spcBef>
+                <a:spcPct val="0"/>
+              </a:spcBef>
+              <a:spcAft>
+                <a:spcPct val="0"/>
+              </a:spcAft>
+              <a:defRPr sz="2200">
+                <a:solidFill>
+                  <a:schemeClr val="tx1"/>
+                </a:solidFill>
+                <a:latin typeface="Arial" charset="0"/>
+              </a:defRPr>
+            </a:lvl9pPr>
+          </a:lstStyle>
+          <a:p>
+            <a:pPr eaLnBrk="1" hangingPunct="1"/>
+            <a:r>
+              <a:rPr lang="en-US" sz="2000" dirty="0" err="1" smtClean="0">
+                <a:latin typeface="Calibri" pitchFamily="34" charset="0"/>
+              </a:rPr>
+              <a:t>Preciznost</a:t>
+            </a:r>
+            <a:r>
+              <a:rPr lang="en-US" sz="2000" dirty="0" smtClean="0">
+                <a:latin typeface="Calibri" pitchFamily="34" charset="0"/>
+              </a:rPr>
+              <a:t> </a:t>
+            </a:r>
+            <a:r>
+              <a:rPr lang="en-US" sz="2000" dirty="0" err="1" smtClean="0">
+                <a:latin typeface="Calibri" pitchFamily="34" charset="0"/>
+              </a:rPr>
+              <a:t>detekcije</a:t>
+            </a:r>
+            <a:r>
+              <a:rPr lang="en-US" sz="2000" dirty="0" smtClean="0">
+                <a:latin typeface="Calibri" pitchFamily="34" charset="0"/>
+              </a:rPr>
+              <a:t> </a:t>
+            </a:r>
+            <a:r>
+              <a:rPr lang="en-US" sz="2000" dirty="0" err="1" smtClean="0">
+                <a:latin typeface="Calibri" pitchFamily="34" charset="0"/>
+              </a:rPr>
+              <a:t>ra</a:t>
+            </a:r>
+            <a:r>
+              <a:rPr lang="en-US" sz="2000" dirty="0" err="1" smtClean="0">
+                <a:latin typeface="Calibri" pitchFamily="34" charset="0"/>
+              </a:rPr>
+              <a:t>čunamo</a:t>
+            </a:r>
+            <a:r>
+              <a:rPr lang="en-US" sz="2000" dirty="0" smtClean="0">
+                <a:latin typeface="Calibri" pitchFamily="34" charset="0"/>
+              </a:rPr>
+              <a:t> </a:t>
+            </a:r>
+            <a:r>
+              <a:rPr lang="en-US" sz="2000" dirty="0" err="1" smtClean="0">
+                <a:latin typeface="Calibri" pitchFamily="34" charset="0"/>
+              </a:rPr>
+              <a:t>kao</a:t>
+            </a:r>
+            <a:r>
+              <a:rPr lang="en-US" sz="2000" dirty="0" smtClean="0">
+                <a:latin typeface="Calibri" pitchFamily="34" charset="0"/>
+              </a:rPr>
+              <a:t> </a:t>
+            </a:r>
+            <a:r>
+              <a:rPr lang="en-US" sz="2000" dirty="0" err="1" smtClean="0">
+                <a:latin typeface="Calibri" pitchFamily="34" charset="0"/>
+              </a:rPr>
+              <a:t>odnost</a:t>
+            </a:r>
+            <a:r>
+              <a:rPr lang="en-US" sz="2000" dirty="0" smtClean="0">
+                <a:latin typeface="Calibri" pitchFamily="34" charset="0"/>
+              </a:rPr>
+              <a:t> </a:t>
+            </a:r>
+            <a:r>
+              <a:rPr lang="en-US" sz="2000" dirty="0" err="1" smtClean="0">
+                <a:latin typeface="Calibri" pitchFamily="34" charset="0"/>
+              </a:rPr>
+              <a:t>tačnih</a:t>
+            </a:r>
+            <a:r>
+              <a:rPr lang="en-US" sz="2000" dirty="0" smtClean="0">
+                <a:latin typeface="Calibri" pitchFamily="34" charset="0"/>
+              </a:rPr>
+              <a:t> </a:t>
+            </a:r>
+            <a:r>
+              <a:rPr lang="en-US" sz="2000" dirty="0" err="1" smtClean="0">
+                <a:latin typeface="Calibri" pitchFamily="34" charset="0"/>
+              </a:rPr>
+              <a:t>predikcija</a:t>
+            </a:r>
+            <a:r>
+              <a:rPr lang="en-US" sz="2000" dirty="0" smtClean="0">
+                <a:latin typeface="Calibri" pitchFamily="34" charset="0"/>
+              </a:rPr>
+              <a:t> i </a:t>
+            </a:r>
+            <a:r>
+              <a:rPr lang="en-US" sz="2000" dirty="0" err="1" smtClean="0">
+                <a:latin typeface="Calibri" pitchFamily="34" charset="0"/>
+              </a:rPr>
+              <a:t>zbira</a:t>
+            </a:r>
+            <a:r>
+              <a:rPr lang="en-US" sz="2000" dirty="0" smtClean="0">
+                <a:latin typeface="Calibri" pitchFamily="34" charset="0"/>
+              </a:rPr>
+              <a:t> </a:t>
+            </a:r>
+            <a:r>
+              <a:rPr lang="en-US" sz="2000" dirty="0" err="1" smtClean="0">
+                <a:latin typeface="Calibri" pitchFamily="34" charset="0"/>
+              </a:rPr>
+              <a:t>tačnih</a:t>
+            </a:r>
+            <a:r>
+              <a:rPr lang="en-US" sz="2000" dirty="0" smtClean="0">
+                <a:latin typeface="Calibri" pitchFamily="34" charset="0"/>
+              </a:rPr>
+              <a:t> i </a:t>
+            </a:r>
+            <a:r>
+              <a:rPr lang="en-US" sz="2000" dirty="0" err="1" smtClean="0">
+                <a:latin typeface="Calibri" pitchFamily="34" charset="0"/>
+              </a:rPr>
+              <a:t>netačnih</a:t>
+            </a:r>
+            <a:r>
+              <a:rPr lang="en-US" sz="2000" dirty="0" smtClean="0">
+                <a:latin typeface="Calibri" pitchFamily="34" charset="0"/>
+              </a:rPr>
+              <a:t> </a:t>
+            </a:r>
+            <a:r>
+              <a:rPr lang="en-US" sz="2000" dirty="0" err="1" smtClean="0">
+                <a:latin typeface="Calibri" pitchFamily="34" charset="0"/>
+              </a:rPr>
+              <a:t>predikcija</a:t>
+            </a:r>
+            <a:r>
+              <a:rPr lang="en-US" sz="2000" dirty="0" smtClean="0">
+                <a:latin typeface="Calibri" pitchFamily="34" charset="0"/>
+              </a:rPr>
+              <a:t>.</a:t>
+            </a:r>
+          </a:p>
+          <a:p>
+            <a:pPr eaLnBrk="1" hangingPunct="1"/>
+            <a:r>
+              <a:rPr lang="en-US" sz="2000" dirty="0" err="1" smtClean="0">
+                <a:latin typeface="Calibri" pitchFamily="34" charset="0"/>
+              </a:rPr>
+              <a:t>Uzimanjem</a:t>
+            </a:r>
+            <a:r>
+              <a:rPr lang="en-US" sz="2000" dirty="0" smtClean="0">
+                <a:latin typeface="Calibri" pitchFamily="34" charset="0"/>
+              </a:rPr>
+              <a:t> </a:t>
+            </a:r>
+            <a:r>
+              <a:rPr lang="en-US" sz="2000" dirty="0" err="1" smtClean="0">
+                <a:latin typeface="Calibri" pitchFamily="34" charset="0"/>
+              </a:rPr>
+              <a:t>uzorka</a:t>
+            </a:r>
+            <a:r>
+              <a:rPr lang="en-US" sz="2000" dirty="0" smtClean="0">
+                <a:latin typeface="Calibri" pitchFamily="34" charset="0"/>
+              </a:rPr>
+              <a:t> od 20 </a:t>
+            </a:r>
+            <a:r>
+              <a:rPr lang="en-US" sz="2000" dirty="0" err="1" smtClean="0">
+                <a:latin typeface="Calibri" pitchFamily="34" charset="0"/>
+              </a:rPr>
+              <a:t>slika</a:t>
+            </a:r>
+            <a:r>
+              <a:rPr lang="en-US" sz="2000" dirty="0" smtClean="0">
+                <a:latin typeface="Calibri" pitchFamily="34" charset="0"/>
+              </a:rPr>
+              <a:t> </a:t>
+            </a:r>
+            <a:r>
+              <a:rPr lang="en-US" sz="2000" dirty="0" err="1" smtClean="0">
+                <a:latin typeface="Calibri" pitchFamily="34" charset="0"/>
+              </a:rPr>
+              <a:t>iz</a:t>
+            </a:r>
+            <a:r>
+              <a:rPr lang="en-US" sz="2000" dirty="0" smtClean="0">
+                <a:latin typeface="Calibri" pitchFamily="34" charset="0"/>
+              </a:rPr>
+              <a:t> </a:t>
+            </a:r>
+            <a:r>
+              <a:rPr lang="en-US" sz="2000" dirty="0" err="1" smtClean="0">
+                <a:latin typeface="Calibri" pitchFamily="34" charset="0"/>
+              </a:rPr>
+              <a:t>skupa</a:t>
+            </a:r>
+            <a:r>
+              <a:rPr lang="en-US" sz="2000" dirty="0" smtClean="0">
+                <a:latin typeface="Calibri" pitchFamily="34" charset="0"/>
+              </a:rPr>
+              <a:t> </a:t>
+            </a:r>
+            <a:r>
+              <a:rPr lang="en-US" sz="2000" dirty="0" err="1" smtClean="0">
+                <a:latin typeface="Calibri" pitchFamily="34" charset="0"/>
+              </a:rPr>
+              <a:t>podataka</a:t>
+            </a:r>
+            <a:r>
+              <a:rPr lang="en-US" sz="2000" dirty="0" smtClean="0">
+                <a:latin typeface="Calibri" pitchFamily="34" charset="0"/>
+              </a:rPr>
+              <a:t> </a:t>
+            </a:r>
+            <a:r>
+              <a:rPr lang="en-US" sz="2000" dirty="0" err="1" smtClean="0">
+                <a:latin typeface="Calibri" pitchFamily="34" charset="0"/>
+              </a:rPr>
+              <a:t>koji</a:t>
+            </a:r>
+            <a:r>
+              <a:rPr lang="en-US" sz="2000" dirty="0" smtClean="0">
+                <a:latin typeface="Calibri" pitchFamily="34" charset="0"/>
+              </a:rPr>
+              <a:t> </a:t>
+            </a:r>
+            <a:r>
+              <a:rPr lang="en-US" sz="2000" dirty="0" err="1" smtClean="0">
+                <a:latin typeface="Calibri" pitchFamily="34" charset="0"/>
+              </a:rPr>
+              <a:t>su</a:t>
+            </a:r>
+            <a:r>
+              <a:rPr lang="en-US" sz="2000" dirty="0" smtClean="0">
+                <a:latin typeface="Calibri" pitchFamily="34" charset="0"/>
+              </a:rPr>
+              <a:t> </a:t>
+            </a:r>
+            <a:r>
+              <a:rPr lang="en-US" sz="2000" dirty="0" err="1" smtClean="0">
+                <a:latin typeface="Calibri" pitchFamily="34" charset="0"/>
+              </a:rPr>
+              <a:t>kori</a:t>
+            </a:r>
+            <a:r>
+              <a:rPr lang="en-US" sz="2000" dirty="0" err="1" smtClean="0">
+                <a:latin typeface="Calibri" pitchFamily="34" charset="0"/>
+              </a:rPr>
+              <a:t>šteni</a:t>
+            </a:r>
+            <a:r>
+              <a:rPr lang="en-US" sz="2000" dirty="0" smtClean="0">
+                <a:latin typeface="Calibri" pitchFamily="34" charset="0"/>
+              </a:rPr>
+              <a:t> </a:t>
+            </a:r>
+            <a:r>
+              <a:rPr lang="en-US" sz="2000" dirty="0" err="1" smtClean="0">
+                <a:latin typeface="Calibri" pitchFamily="34" charset="0"/>
+              </a:rPr>
+              <a:t>za</a:t>
+            </a:r>
+            <a:r>
+              <a:rPr lang="en-US" sz="2000" dirty="0" smtClean="0">
+                <a:latin typeface="Calibri" pitchFamily="34" charset="0"/>
+              </a:rPr>
+              <a:t> </a:t>
+            </a:r>
+            <a:r>
+              <a:rPr lang="en-US" sz="2000" dirty="0" err="1" smtClean="0">
+                <a:latin typeface="Calibri" pitchFamily="34" charset="0"/>
+              </a:rPr>
+              <a:t>testiranje</a:t>
+            </a:r>
+            <a:r>
+              <a:rPr lang="en-US" sz="2000" dirty="0" smtClean="0">
+                <a:latin typeface="Calibri" pitchFamily="34" charset="0"/>
+              </a:rPr>
+              <a:t> </a:t>
+            </a:r>
+            <a:r>
+              <a:rPr lang="en-US" sz="2000" dirty="0" err="1" smtClean="0">
+                <a:latin typeface="Calibri" pitchFamily="34" charset="0"/>
+              </a:rPr>
+              <a:t>preciznosti</a:t>
+            </a:r>
+            <a:r>
+              <a:rPr lang="en-US" sz="2000" dirty="0" smtClean="0">
+                <a:latin typeface="Calibri" pitchFamily="34" charset="0"/>
+              </a:rPr>
+              <a:t> </a:t>
+            </a:r>
+            <a:r>
+              <a:rPr lang="en-US" sz="2000" i="1" dirty="0" smtClean="0">
+                <a:latin typeface="Calibri" pitchFamily="34" charset="0"/>
+              </a:rPr>
+              <a:t>SVM </a:t>
+            </a:r>
+            <a:r>
+              <a:rPr lang="en-US" sz="2000" dirty="0" err="1" smtClean="0">
+                <a:latin typeface="Calibri" pitchFamily="34" charset="0"/>
+              </a:rPr>
+              <a:t>klasifikatora</a:t>
+            </a:r>
+            <a:r>
+              <a:rPr lang="en-US" sz="2000" dirty="0" smtClean="0">
+                <a:latin typeface="Calibri" pitchFamily="34" charset="0"/>
+              </a:rPr>
+              <a:t> </a:t>
+            </a:r>
+            <a:r>
+              <a:rPr lang="en-US" sz="2000" dirty="0" err="1" smtClean="0">
+                <a:latin typeface="Calibri" pitchFamily="34" charset="0"/>
+              </a:rPr>
+              <a:t>dobijamo</a:t>
+            </a:r>
+            <a:r>
+              <a:rPr lang="en-US" sz="2000" dirty="0" smtClean="0">
+                <a:latin typeface="Calibri" pitchFamily="34" charset="0"/>
+              </a:rPr>
+              <a:t> 22.3% </a:t>
+            </a:r>
+            <a:r>
+              <a:rPr lang="en-US" sz="2000" dirty="0" err="1" smtClean="0">
+                <a:latin typeface="Calibri" pitchFamily="34" charset="0"/>
+              </a:rPr>
+              <a:t>preciznosti</a:t>
+            </a:r>
+            <a:r>
+              <a:rPr lang="en-US" sz="2000" dirty="0" smtClean="0">
+                <a:latin typeface="Calibri" pitchFamily="34" charset="0"/>
+              </a:rPr>
+              <a:t>.</a:t>
+            </a:r>
+          </a:p>
+          <a:p>
+            <a:pPr eaLnBrk="1" hangingPunct="1"/>
+            <a:endParaRPr lang="en-US" sz="2000" i="1" dirty="0">
+              <a:latin typeface="Calibri" pitchFamily="34" charset="0"/>
+            </a:endParaRPr>
+          </a:p>
+          <a:p>
+            <a:pPr eaLnBrk="1" hangingPunct="1"/>
+            <a:r>
+              <a:rPr lang="en-US" sz="2000" dirty="0" smtClean="0">
+                <a:latin typeface="Calibri" pitchFamily="34" charset="0"/>
+              </a:rPr>
+              <a:t>Na </a:t>
+            </a:r>
+            <a:r>
+              <a:rPr lang="en-US" sz="2000" dirty="0" err="1" smtClean="0">
+                <a:latin typeface="Calibri" pitchFamily="34" charset="0"/>
+              </a:rPr>
+              <a:t>ovaj</a:t>
+            </a:r>
+            <a:r>
+              <a:rPr lang="en-US" sz="2000" dirty="0" smtClean="0">
+                <a:latin typeface="Calibri" pitchFamily="34" charset="0"/>
+              </a:rPr>
+              <a:t> </a:t>
+            </a:r>
+            <a:r>
+              <a:rPr lang="en-US" sz="2000" dirty="0" err="1" smtClean="0">
+                <a:latin typeface="Calibri" pitchFamily="34" charset="0"/>
+              </a:rPr>
+              <a:t>broj</a:t>
+            </a:r>
+            <a:r>
+              <a:rPr lang="en-US" sz="2000" dirty="0" smtClean="0">
+                <a:latin typeface="Calibri" pitchFamily="34" charset="0"/>
+              </a:rPr>
+              <a:t> </a:t>
+            </a:r>
+            <a:r>
+              <a:rPr lang="en-US" sz="2000" dirty="0" err="1" smtClean="0">
+                <a:latin typeface="Calibri" pitchFamily="34" charset="0"/>
+              </a:rPr>
+              <a:t>najviše</a:t>
+            </a:r>
+            <a:r>
+              <a:rPr lang="en-US" sz="2000" dirty="0" smtClean="0">
+                <a:latin typeface="Calibri" pitchFamily="34" charset="0"/>
+              </a:rPr>
+              <a:t> </a:t>
+            </a:r>
+            <a:r>
+              <a:rPr lang="en-US" sz="2000" dirty="0" err="1" smtClean="0">
+                <a:latin typeface="Calibri" pitchFamily="34" charset="0"/>
+              </a:rPr>
+              <a:t>utiče</a:t>
+            </a:r>
+            <a:r>
+              <a:rPr lang="en-US" sz="2000" dirty="0" smtClean="0">
+                <a:latin typeface="Calibri" pitchFamily="34" charset="0"/>
+              </a:rPr>
+              <a:t> to da se u </a:t>
+            </a:r>
+            <a:r>
+              <a:rPr lang="en-US" sz="2000" dirty="0" err="1" smtClean="0">
+                <a:latin typeface="Calibri" pitchFamily="34" charset="0"/>
+              </a:rPr>
+              <a:t>testnim</a:t>
+            </a:r>
+            <a:r>
+              <a:rPr lang="en-US" sz="2000" dirty="0" smtClean="0">
+                <a:latin typeface="Calibri" pitchFamily="34" charset="0"/>
+              </a:rPr>
+              <a:t> </a:t>
+            </a:r>
+            <a:r>
+              <a:rPr lang="en-US" sz="2000" dirty="0" err="1" smtClean="0">
+                <a:latin typeface="Calibri" pitchFamily="34" charset="0"/>
+              </a:rPr>
+              <a:t>podacima</a:t>
+            </a:r>
+            <a:r>
+              <a:rPr lang="en-US" sz="2000" dirty="0" smtClean="0">
+                <a:latin typeface="Calibri" pitchFamily="34" charset="0"/>
+              </a:rPr>
+              <a:t> </a:t>
+            </a:r>
+            <a:r>
+              <a:rPr lang="en-US" sz="2000" dirty="0" err="1" smtClean="0">
+                <a:latin typeface="Calibri" pitchFamily="34" charset="0"/>
+              </a:rPr>
+              <a:t>nalazi</a:t>
+            </a:r>
+            <a:r>
+              <a:rPr lang="en-US" sz="2000" dirty="0" smtClean="0">
+                <a:latin typeface="Calibri" pitchFamily="34" charset="0"/>
+              </a:rPr>
+              <a:t> </a:t>
+            </a:r>
+            <a:r>
+              <a:rPr lang="en-US" sz="2000" dirty="0" err="1" smtClean="0">
+                <a:latin typeface="Calibri" pitchFamily="34" charset="0"/>
+              </a:rPr>
+              <a:t>velik</a:t>
+            </a:r>
+            <a:r>
+              <a:rPr lang="en-US" sz="2000" dirty="0" smtClean="0">
+                <a:latin typeface="Calibri" pitchFamily="34" charset="0"/>
+              </a:rPr>
+              <a:t> </a:t>
+            </a:r>
+            <a:r>
+              <a:rPr lang="en-US" sz="2000" dirty="0" err="1" smtClean="0">
+                <a:latin typeface="Calibri" pitchFamily="34" charset="0"/>
+              </a:rPr>
+              <a:t>broj</a:t>
+            </a:r>
+            <a:r>
+              <a:rPr lang="en-US" sz="2000" dirty="0" smtClean="0">
+                <a:latin typeface="Calibri" pitchFamily="34" charset="0"/>
+              </a:rPr>
+              <a:t> </a:t>
+            </a:r>
+            <a:r>
+              <a:rPr lang="en-US" sz="2000" dirty="0" err="1" smtClean="0">
+                <a:latin typeface="Calibri" pitchFamily="34" charset="0"/>
+              </a:rPr>
+              <a:t>lica</a:t>
+            </a:r>
+            <a:r>
+              <a:rPr lang="en-US" sz="2000" dirty="0" smtClean="0">
+                <a:latin typeface="Calibri" pitchFamily="34" charset="0"/>
+              </a:rPr>
+              <a:t> </a:t>
+            </a:r>
+            <a:r>
+              <a:rPr lang="en-US" sz="2000" dirty="0" err="1" smtClean="0">
+                <a:latin typeface="Calibri" pitchFamily="34" charset="0"/>
+              </a:rPr>
+              <a:t>koja</a:t>
+            </a:r>
+            <a:r>
+              <a:rPr lang="en-US" sz="2000" dirty="0" smtClean="0">
+                <a:latin typeface="Calibri" pitchFamily="34" charset="0"/>
+              </a:rPr>
+              <a:t> </a:t>
+            </a:r>
+            <a:r>
+              <a:rPr lang="en-US" sz="2000" dirty="0" err="1" smtClean="0">
+                <a:latin typeface="Calibri" pitchFamily="34" charset="0"/>
+              </a:rPr>
+              <a:t>su</a:t>
+            </a:r>
+            <a:r>
+              <a:rPr lang="en-US" sz="2000" dirty="0" smtClean="0">
+                <a:latin typeface="Calibri" pitchFamily="34" charset="0"/>
+              </a:rPr>
+              <a:t> </a:t>
+            </a:r>
+            <a:r>
+              <a:rPr lang="en-US" sz="2000" dirty="0" err="1" smtClean="0">
+                <a:latin typeface="Calibri" pitchFamily="34" charset="0"/>
+              </a:rPr>
+              <a:t>manja</a:t>
+            </a:r>
+            <a:r>
+              <a:rPr lang="en-US" sz="2000" dirty="0" smtClean="0">
+                <a:latin typeface="Calibri" pitchFamily="34" charset="0"/>
+              </a:rPr>
+              <a:t> od 40x40, </a:t>
+            </a:r>
+            <a:r>
+              <a:rPr lang="en-US" sz="2000" dirty="0" err="1" smtClean="0">
+                <a:latin typeface="Calibri" pitchFamily="34" charset="0"/>
+              </a:rPr>
+              <a:t>što</a:t>
+            </a:r>
+            <a:r>
+              <a:rPr lang="en-US" sz="2000" dirty="0" smtClean="0">
+                <a:latin typeface="Calibri" pitchFamily="34" charset="0"/>
+              </a:rPr>
+              <a:t> </a:t>
+            </a:r>
+            <a:r>
+              <a:rPr lang="en-US" sz="2000" dirty="0" err="1" smtClean="0">
+                <a:latin typeface="Calibri" pitchFamily="34" charset="0"/>
+              </a:rPr>
+              <a:t>ih</a:t>
+            </a:r>
+            <a:r>
+              <a:rPr lang="en-US" sz="2000" dirty="0" smtClean="0">
+                <a:latin typeface="Calibri" pitchFamily="34" charset="0"/>
+              </a:rPr>
+              <a:t> </a:t>
+            </a:r>
+            <a:r>
+              <a:rPr lang="en-US" sz="2000" dirty="0" err="1" smtClean="0">
+                <a:latin typeface="Calibri" pitchFamily="34" charset="0"/>
+              </a:rPr>
+              <a:t>čini</a:t>
+            </a:r>
+            <a:r>
+              <a:rPr lang="en-US" sz="2000" dirty="0" smtClean="0">
+                <a:latin typeface="Calibri" pitchFamily="34" charset="0"/>
+              </a:rPr>
+              <a:t> </a:t>
+            </a:r>
+            <a:r>
+              <a:rPr lang="en-US" sz="2000" dirty="0" err="1" smtClean="0">
+                <a:latin typeface="Calibri" pitchFamily="34" charset="0"/>
+              </a:rPr>
+              <a:t>teško</a:t>
+            </a:r>
+            <a:r>
+              <a:rPr lang="en-US" sz="2000" dirty="0" smtClean="0">
+                <a:latin typeface="Calibri" pitchFamily="34" charset="0"/>
+              </a:rPr>
+              <a:t> </a:t>
+            </a:r>
+            <a:r>
+              <a:rPr lang="en-US" sz="2000" dirty="0" err="1" smtClean="0">
+                <a:latin typeface="Calibri" pitchFamily="34" charset="0"/>
+              </a:rPr>
+              <a:t>uočljivim</a:t>
+            </a:r>
+            <a:r>
+              <a:rPr lang="en-US" sz="2000" dirty="0" smtClean="0">
+                <a:latin typeface="Calibri" pitchFamily="34" charset="0"/>
+              </a:rPr>
+              <a:t> </a:t>
+            </a:r>
+            <a:r>
+              <a:rPr lang="en-US" sz="2000" dirty="0" err="1" smtClean="0">
+                <a:latin typeface="Calibri" pitchFamily="34" charset="0"/>
+              </a:rPr>
+              <a:t>za</a:t>
+            </a:r>
+            <a:r>
+              <a:rPr lang="en-US" sz="2000" dirty="0" smtClean="0">
+                <a:latin typeface="Calibri" pitchFamily="34" charset="0"/>
+              </a:rPr>
+              <a:t> </a:t>
+            </a:r>
+            <a:r>
+              <a:rPr lang="en-US" sz="2000" dirty="0" err="1" smtClean="0">
+                <a:latin typeface="Calibri" pitchFamily="34" charset="0"/>
+              </a:rPr>
+              <a:t>klasifikator</a:t>
+            </a:r>
+            <a:r>
+              <a:rPr lang="en-US" sz="2000" dirty="0" smtClean="0">
+                <a:latin typeface="Calibri" pitchFamily="34" charset="0"/>
+              </a:rPr>
+              <a:t>.</a:t>
+            </a:r>
+          </a:p>
+          <a:p>
+            <a:pPr eaLnBrk="1" hangingPunct="1"/>
+            <a:endParaRPr lang="en-US" sz="2000" dirty="0">
+              <a:latin typeface="Calibri" pitchFamily="34" charset="0"/>
+            </a:endParaRPr>
+          </a:p>
+          <a:p>
+            <a:pPr eaLnBrk="1" hangingPunct="1"/>
+            <a:r>
+              <a:rPr lang="en-US" sz="2000" dirty="0" err="1" smtClean="0">
+                <a:latin typeface="Calibri" pitchFamily="34" charset="0"/>
+              </a:rPr>
+              <a:t>Druga</a:t>
+            </a:r>
+            <a:r>
+              <a:rPr lang="en-US" sz="2000" dirty="0" smtClean="0">
+                <a:latin typeface="Calibri" pitchFamily="34" charset="0"/>
+              </a:rPr>
+              <a:t> </a:t>
+            </a:r>
+            <a:r>
+              <a:rPr lang="en-US" sz="2000" dirty="0" err="1" smtClean="0">
+                <a:latin typeface="Calibri" pitchFamily="34" charset="0"/>
+              </a:rPr>
+              <a:t>stvar</a:t>
+            </a:r>
+            <a:r>
+              <a:rPr lang="en-US" sz="2000" dirty="0" smtClean="0">
+                <a:latin typeface="Calibri" pitchFamily="34" charset="0"/>
+              </a:rPr>
+              <a:t> </a:t>
+            </a:r>
+            <a:r>
+              <a:rPr lang="en-US" sz="2000" dirty="0" err="1" smtClean="0">
+                <a:latin typeface="Calibri" pitchFamily="34" charset="0"/>
+              </a:rPr>
+              <a:t>koja</a:t>
+            </a:r>
+            <a:r>
+              <a:rPr lang="en-US" sz="2000" dirty="0" smtClean="0">
+                <a:latin typeface="Calibri" pitchFamily="34" charset="0"/>
+              </a:rPr>
+              <a:t> </a:t>
+            </a:r>
+            <a:r>
+              <a:rPr lang="en-US" sz="2000" dirty="0" err="1" smtClean="0">
+                <a:latin typeface="Calibri" pitchFamily="34" charset="0"/>
+              </a:rPr>
+              <a:t>najviše</a:t>
+            </a:r>
+            <a:r>
+              <a:rPr lang="en-US" sz="2000" dirty="0" smtClean="0">
+                <a:latin typeface="Calibri" pitchFamily="34" charset="0"/>
+              </a:rPr>
+              <a:t> </a:t>
+            </a:r>
+            <a:r>
+              <a:rPr lang="en-US" sz="2000" dirty="0" err="1" smtClean="0">
+                <a:latin typeface="Calibri" pitchFamily="34" charset="0"/>
+              </a:rPr>
+              <a:t>utiče</a:t>
+            </a:r>
+            <a:r>
+              <a:rPr lang="en-US" sz="2000" dirty="0" smtClean="0">
+                <a:latin typeface="Calibri" pitchFamily="34" charset="0"/>
+              </a:rPr>
+              <a:t> </a:t>
+            </a:r>
+            <a:r>
+              <a:rPr lang="en-US" sz="2000" dirty="0" err="1" smtClean="0">
+                <a:latin typeface="Calibri" pitchFamily="34" charset="0"/>
+              </a:rPr>
+              <a:t>na</a:t>
+            </a:r>
+            <a:r>
+              <a:rPr lang="en-US" sz="2000" dirty="0" smtClean="0">
+                <a:latin typeface="Calibri" pitchFamily="34" charset="0"/>
+              </a:rPr>
+              <a:t> </a:t>
+            </a:r>
+            <a:r>
+              <a:rPr lang="en-US" sz="2000" dirty="0" err="1" smtClean="0">
+                <a:latin typeface="Calibri" pitchFamily="34" charset="0"/>
+              </a:rPr>
+              <a:t>ovaj</a:t>
+            </a:r>
+            <a:r>
+              <a:rPr lang="en-US" sz="2000" dirty="0" smtClean="0">
+                <a:latin typeface="Calibri" pitchFamily="34" charset="0"/>
+              </a:rPr>
+              <a:t> </a:t>
+            </a:r>
+            <a:r>
+              <a:rPr lang="en-US" sz="2000" dirty="0" err="1" smtClean="0">
+                <a:latin typeface="Calibri" pitchFamily="34" charset="0"/>
+              </a:rPr>
+              <a:t>broj</a:t>
+            </a:r>
+            <a:r>
+              <a:rPr lang="en-US" sz="2000" dirty="0" smtClean="0">
+                <a:latin typeface="Calibri" pitchFamily="34" charset="0"/>
+              </a:rPr>
+              <a:t> </a:t>
+            </a:r>
+            <a:r>
+              <a:rPr lang="en-US" sz="2000" dirty="0" err="1" smtClean="0">
+                <a:latin typeface="Calibri" pitchFamily="34" charset="0"/>
+              </a:rPr>
+              <a:t>jesu</a:t>
+            </a:r>
+            <a:r>
+              <a:rPr lang="en-US" sz="2000" dirty="0" smtClean="0">
+                <a:latin typeface="Calibri" pitchFamily="34" charset="0"/>
+              </a:rPr>
+              <a:t> </a:t>
+            </a:r>
+            <a:r>
+              <a:rPr lang="en-US" sz="2000" dirty="0" err="1" smtClean="0">
+                <a:latin typeface="Calibri" pitchFamily="34" charset="0"/>
+              </a:rPr>
+              <a:t>velike</a:t>
+            </a:r>
+            <a:r>
+              <a:rPr lang="en-US" sz="2000" dirty="0" smtClean="0">
+                <a:latin typeface="Calibri" pitchFamily="34" charset="0"/>
+              </a:rPr>
+              <a:t> </a:t>
+            </a:r>
+            <a:r>
+              <a:rPr lang="en-US" sz="2000" dirty="0" err="1" smtClean="0">
+                <a:latin typeface="Calibri" pitchFamily="34" charset="0"/>
+              </a:rPr>
+              <a:t>razlike</a:t>
+            </a:r>
+            <a:r>
+              <a:rPr lang="en-US" sz="2000" dirty="0" smtClean="0">
+                <a:latin typeface="Calibri" pitchFamily="34" charset="0"/>
+              </a:rPr>
+              <a:t> </a:t>
+            </a:r>
+            <a:r>
+              <a:rPr lang="en-US" sz="2000" dirty="0" err="1" smtClean="0">
+                <a:latin typeface="Calibri" pitchFamily="34" charset="0"/>
+              </a:rPr>
+              <a:t>kod</a:t>
+            </a:r>
+            <a:r>
+              <a:rPr lang="en-US" sz="2000" dirty="0" smtClean="0">
+                <a:latin typeface="Calibri" pitchFamily="34" charset="0"/>
+              </a:rPr>
+              <a:t> </a:t>
+            </a:r>
+            <a:r>
+              <a:rPr lang="en-US" sz="2000" dirty="0" err="1" smtClean="0">
+                <a:latin typeface="Calibri" pitchFamily="34" charset="0"/>
+              </a:rPr>
+              <a:t>skaliranja</a:t>
+            </a:r>
+            <a:r>
+              <a:rPr lang="en-US" sz="2000" dirty="0" smtClean="0">
+                <a:latin typeface="Calibri" pitchFamily="34" charset="0"/>
+              </a:rPr>
+              <a:t> </a:t>
+            </a:r>
+            <a:r>
+              <a:rPr lang="en-US" sz="2000" dirty="0" err="1" smtClean="0">
+                <a:latin typeface="Calibri" pitchFamily="34" charset="0"/>
+              </a:rPr>
+              <a:t>prozora</a:t>
+            </a:r>
+            <a:r>
+              <a:rPr lang="en-US" sz="2000" dirty="0" smtClean="0">
+                <a:latin typeface="Calibri" pitchFamily="34" charset="0"/>
+              </a:rPr>
+              <a:t> </a:t>
+            </a:r>
+            <a:r>
+              <a:rPr lang="en-US" sz="2000" dirty="0" err="1" smtClean="0">
+                <a:latin typeface="Calibri" pitchFamily="34" charset="0"/>
+              </a:rPr>
+              <a:t>jer</a:t>
+            </a:r>
+            <a:r>
+              <a:rPr lang="en-US" sz="2000" dirty="0" smtClean="0">
+                <a:latin typeface="Calibri" pitchFamily="34" charset="0"/>
+              </a:rPr>
+              <a:t> se on u </a:t>
+            </a:r>
+            <a:r>
+              <a:rPr lang="en-US" sz="2000" dirty="0" err="1" smtClean="0">
+                <a:latin typeface="Calibri" pitchFamily="34" charset="0"/>
+              </a:rPr>
+              <a:t>svakom</a:t>
+            </a:r>
+            <a:r>
+              <a:rPr lang="en-US" sz="2000" dirty="0" smtClean="0">
+                <a:latin typeface="Calibri" pitchFamily="34" charset="0"/>
+              </a:rPr>
+              <a:t> </a:t>
+            </a:r>
+            <a:r>
+              <a:rPr lang="en-US" sz="2000" dirty="0" err="1" smtClean="0">
+                <a:latin typeface="Calibri" pitchFamily="34" charset="0"/>
+              </a:rPr>
+              <a:t>prolazu</a:t>
+            </a:r>
+            <a:r>
+              <a:rPr lang="en-US" sz="2000" dirty="0" smtClean="0">
+                <a:latin typeface="Calibri" pitchFamily="34" charset="0"/>
+              </a:rPr>
+              <a:t> </a:t>
+            </a:r>
+            <a:r>
+              <a:rPr lang="en-US" sz="2000" dirty="0" err="1" smtClean="0">
+                <a:latin typeface="Calibri" pitchFamily="34" charset="0"/>
+              </a:rPr>
+              <a:t>povećava</a:t>
+            </a:r>
+            <a:r>
+              <a:rPr lang="en-US" sz="2000" dirty="0" smtClean="0">
+                <a:latin typeface="Calibri" pitchFamily="34" charset="0"/>
+              </a:rPr>
+              <a:t> </a:t>
+            </a:r>
+            <a:r>
+              <a:rPr lang="en-US" sz="2000" dirty="0" err="1" smtClean="0">
+                <a:latin typeface="Calibri" pitchFamily="34" charset="0"/>
+              </a:rPr>
+              <a:t>za</a:t>
+            </a:r>
+            <a:r>
+              <a:rPr lang="en-US" sz="2000" dirty="0" smtClean="0">
+                <a:latin typeface="Calibri" pitchFamily="34" charset="0"/>
+              </a:rPr>
+              <a:t> </a:t>
+            </a:r>
+            <a:r>
+              <a:rPr lang="en-US" sz="2000" dirty="0" err="1" smtClean="0">
+                <a:latin typeface="Calibri" pitchFamily="34" charset="0"/>
+              </a:rPr>
+              <a:t>dva</a:t>
+            </a:r>
+            <a:r>
+              <a:rPr lang="en-US" sz="2000" dirty="0" smtClean="0">
+                <a:latin typeface="Calibri" pitchFamily="34" charset="0"/>
+              </a:rPr>
+              <a:t> </a:t>
+            </a:r>
+            <a:r>
+              <a:rPr lang="en-US" sz="2000" dirty="0" err="1" smtClean="0">
+                <a:latin typeface="Calibri" pitchFamily="34" charset="0"/>
+              </a:rPr>
+              <a:t>puta</a:t>
+            </a:r>
+            <a:r>
+              <a:rPr lang="en-US" sz="2000" dirty="0" smtClean="0">
+                <a:latin typeface="Calibri" pitchFamily="34" charset="0"/>
+              </a:rPr>
+              <a:t>.</a:t>
+            </a:r>
+          </a:p>
+          <a:p>
+            <a:pPr eaLnBrk="1" hangingPunct="1"/>
+            <a:endParaRPr lang="en-US" sz="2000" dirty="0">
+              <a:latin typeface="Calibri" pitchFamily="34" charset="0"/>
+            </a:endParaRPr>
+          </a:p>
+          <a:p>
+            <a:pPr eaLnBrk="1" hangingPunct="1"/>
+            <a:r>
+              <a:rPr lang="en-US" sz="2000" dirty="0" err="1" smtClean="0">
+                <a:latin typeface="Calibri" pitchFamily="34" charset="0"/>
+              </a:rPr>
+              <a:t>Predikcija</a:t>
+            </a:r>
+            <a:r>
+              <a:rPr lang="en-US" sz="2000" dirty="0" smtClean="0">
+                <a:latin typeface="Calibri" pitchFamily="34" charset="0"/>
+              </a:rPr>
+              <a:t> da li </a:t>
+            </a:r>
+            <a:r>
+              <a:rPr lang="en-US" sz="2000" dirty="0" err="1" smtClean="0">
+                <a:latin typeface="Calibri" pitchFamily="34" charset="0"/>
+              </a:rPr>
+              <a:t>lica</a:t>
+            </a:r>
+            <a:r>
+              <a:rPr lang="en-US" sz="2000" dirty="0" smtClean="0">
+                <a:latin typeface="Calibri" pitchFamily="34" charset="0"/>
+              </a:rPr>
+              <a:t> </a:t>
+            </a:r>
+            <a:r>
+              <a:rPr lang="en-US" sz="2000" dirty="0" err="1" smtClean="0">
+                <a:latin typeface="Calibri" pitchFamily="34" charset="0"/>
+              </a:rPr>
+              <a:t>na</a:t>
+            </a:r>
+            <a:r>
+              <a:rPr lang="en-US" sz="2000" dirty="0" smtClean="0">
+                <a:latin typeface="Calibri" pitchFamily="34" charset="0"/>
+              </a:rPr>
+              <a:t> </a:t>
+            </a:r>
+            <a:r>
+              <a:rPr lang="en-US" sz="2000" dirty="0" err="1" smtClean="0">
+                <a:latin typeface="Calibri" pitchFamily="34" charset="0"/>
+              </a:rPr>
+              <a:t>detektovanim</a:t>
+            </a:r>
+            <a:r>
+              <a:rPr lang="en-US" sz="2000" dirty="0" smtClean="0">
+                <a:latin typeface="Calibri" pitchFamily="34" charset="0"/>
+              </a:rPr>
+              <a:t> </a:t>
+            </a:r>
+            <a:r>
+              <a:rPr lang="en-US" sz="2000" dirty="0" err="1" smtClean="0">
+                <a:latin typeface="Calibri" pitchFamily="34" charset="0"/>
+              </a:rPr>
+              <a:t>okvirima</a:t>
+            </a:r>
+            <a:r>
+              <a:rPr lang="en-US" sz="2000" dirty="0" smtClean="0">
+                <a:latin typeface="Calibri" pitchFamily="34" charset="0"/>
+              </a:rPr>
+              <a:t> nose </a:t>
+            </a:r>
+            <a:r>
+              <a:rPr lang="en-US" sz="2000" dirty="0" err="1" smtClean="0">
+                <a:latin typeface="Calibri" pitchFamily="34" charset="0"/>
+              </a:rPr>
+              <a:t>maske</a:t>
+            </a:r>
+            <a:r>
+              <a:rPr lang="en-US" sz="2000" dirty="0" smtClean="0">
+                <a:latin typeface="Calibri" pitchFamily="34" charset="0"/>
+              </a:rPr>
+              <a:t> </a:t>
+            </a:r>
+            <a:r>
+              <a:rPr lang="en-US" sz="2000" dirty="0" err="1" smtClean="0">
+                <a:latin typeface="Calibri" pitchFamily="34" charset="0"/>
+              </a:rPr>
+              <a:t>ili</a:t>
+            </a:r>
+            <a:r>
+              <a:rPr lang="en-US" sz="2000" dirty="0" smtClean="0">
+                <a:latin typeface="Calibri" pitchFamily="34" charset="0"/>
+              </a:rPr>
+              <a:t> ne </a:t>
+            </a:r>
+            <a:r>
+              <a:rPr lang="en-US" sz="2000" dirty="0" err="1" smtClean="0">
+                <a:latin typeface="Calibri" pitchFamily="34" charset="0"/>
+              </a:rPr>
+              <a:t>ima</a:t>
+            </a:r>
+            <a:r>
+              <a:rPr lang="en-US" sz="2000" dirty="0" smtClean="0">
+                <a:latin typeface="Calibri" pitchFamily="34" charset="0"/>
+              </a:rPr>
+              <a:t> </a:t>
+            </a:r>
+            <a:r>
+              <a:rPr lang="en-US" sz="2000" dirty="0" err="1" smtClean="0">
+                <a:latin typeface="Calibri" pitchFamily="34" charset="0"/>
+              </a:rPr>
+              <a:t>preciznost</a:t>
+            </a:r>
+            <a:r>
+              <a:rPr lang="en-US" sz="2000" dirty="0" smtClean="0">
+                <a:latin typeface="Calibri" pitchFamily="34" charset="0"/>
+              </a:rPr>
+              <a:t> od 85.2%, </a:t>
+            </a:r>
+            <a:r>
+              <a:rPr lang="en-US" sz="2000" dirty="0" err="1" smtClean="0">
+                <a:latin typeface="Calibri" pitchFamily="34" charset="0"/>
+              </a:rPr>
+              <a:t>što</a:t>
+            </a:r>
+            <a:r>
+              <a:rPr lang="en-US" sz="2000" dirty="0" smtClean="0">
+                <a:latin typeface="Calibri" pitchFamily="34" charset="0"/>
+              </a:rPr>
+              <a:t> </a:t>
+            </a:r>
+            <a:r>
+              <a:rPr lang="en-US" sz="2000" dirty="0" err="1" smtClean="0">
+                <a:latin typeface="Calibri" pitchFamily="34" charset="0"/>
+              </a:rPr>
+              <a:t>znači</a:t>
+            </a:r>
+            <a:r>
+              <a:rPr lang="en-US" sz="2000" dirty="0" smtClean="0">
+                <a:latin typeface="Calibri" pitchFamily="34" charset="0"/>
+              </a:rPr>
+              <a:t> da </a:t>
+            </a:r>
+            <a:r>
+              <a:rPr lang="en-US" sz="2000" dirty="0" err="1" smtClean="0">
+                <a:latin typeface="Calibri" pitchFamily="34" charset="0"/>
+              </a:rPr>
+              <a:t>detektovani</a:t>
+            </a:r>
+            <a:r>
+              <a:rPr lang="en-US" sz="2000" dirty="0" smtClean="0">
+                <a:latin typeface="Calibri" pitchFamily="34" charset="0"/>
+              </a:rPr>
+              <a:t> </a:t>
+            </a:r>
+            <a:r>
+              <a:rPr lang="en-US" sz="2000" dirty="0" err="1" smtClean="0">
+                <a:latin typeface="Calibri" pitchFamily="34" charset="0"/>
+              </a:rPr>
+              <a:t>okvir</a:t>
+            </a:r>
+            <a:r>
+              <a:rPr lang="en-US" sz="2000" dirty="0" smtClean="0">
+                <a:latin typeface="Calibri" pitchFamily="34" charset="0"/>
+              </a:rPr>
+              <a:t> ne </a:t>
+            </a:r>
+            <a:r>
+              <a:rPr lang="en-US" sz="2000" dirty="0" err="1" smtClean="0">
+                <a:latin typeface="Calibri" pitchFamily="34" charset="0"/>
+              </a:rPr>
+              <a:t>utiče</a:t>
+            </a:r>
+            <a:r>
+              <a:rPr lang="en-US" sz="2000" dirty="0" smtClean="0">
+                <a:latin typeface="Calibri" pitchFamily="34" charset="0"/>
+              </a:rPr>
+              <a:t> </a:t>
+            </a:r>
+            <a:r>
+              <a:rPr lang="en-US" sz="2000" dirty="0" err="1" smtClean="0">
+                <a:latin typeface="Calibri" pitchFamily="34" charset="0"/>
+              </a:rPr>
+              <a:t>previše</a:t>
+            </a:r>
+            <a:r>
+              <a:rPr lang="en-US" sz="2000" dirty="0" smtClean="0">
+                <a:latin typeface="Calibri" pitchFamily="34" charset="0"/>
+              </a:rPr>
+              <a:t> </a:t>
+            </a:r>
+            <a:r>
+              <a:rPr lang="en-US" sz="2000" dirty="0" err="1" smtClean="0">
+                <a:latin typeface="Calibri" pitchFamily="34" charset="0"/>
+              </a:rPr>
+              <a:t>mnogo</a:t>
+            </a:r>
+            <a:r>
+              <a:rPr lang="en-US" sz="2000" dirty="0" smtClean="0">
+                <a:latin typeface="Calibri" pitchFamily="34" charset="0"/>
+              </a:rPr>
+              <a:t> </a:t>
+            </a:r>
+            <a:r>
+              <a:rPr lang="en-US" sz="2000" dirty="0" err="1" smtClean="0">
+                <a:latin typeface="Calibri" pitchFamily="34" charset="0"/>
+              </a:rPr>
+              <a:t>na</a:t>
+            </a:r>
+            <a:r>
+              <a:rPr lang="en-US" sz="2000" dirty="0" smtClean="0">
+                <a:latin typeface="Calibri" pitchFamily="34" charset="0"/>
+              </a:rPr>
+              <a:t> </a:t>
+            </a:r>
+            <a:r>
+              <a:rPr lang="en-US" sz="2000" dirty="0" err="1" smtClean="0">
+                <a:latin typeface="Calibri" pitchFamily="34" charset="0"/>
+              </a:rPr>
+              <a:t>preciznost</a:t>
+            </a:r>
+            <a:r>
+              <a:rPr lang="en-US" sz="2000" dirty="0" smtClean="0">
+                <a:latin typeface="Calibri" pitchFamily="34" charset="0"/>
+              </a:rPr>
+              <a:t> </a:t>
+            </a:r>
+            <a:r>
+              <a:rPr lang="en-US" sz="2000" i="1" dirty="0" smtClean="0">
+                <a:latin typeface="Calibri" pitchFamily="34" charset="0"/>
+              </a:rPr>
+              <a:t>SVM </a:t>
+            </a:r>
+            <a:r>
+              <a:rPr lang="en-US" sz="2000" dirty="0" err="1" smtClean="0">
+                <a:latin typeface="Calibri" pitchFamily="34" charset="0"/>
+              </a:rPr>
+              <a:t>klasifikatora</a:t>
+            </a:r>
+            <a:r>
+              <a:rPr lang="en-US" sz="2000" i="1" dirty="0">
+                <a:latin typeface="Calibri" pitchFamily="34" charset="0"/>
+              </a:rPr>
+              <a:t>.</a:t>
+            </a:r>
+            <a:endParaRPr lang="en-US" sz="2000" i="1" dirty="0" smtClean="0">
+              <a:latin typeface="Calibri" pitchFamily="34" charset="0"/>
+            </a:endParaRPr>
+          </a:p>
+        </p:txBody>
+      </p:sp>
+      <p:sp>
+        <p:nvSpPr>
+          <p:cNvPr id="29" name="Rectangle 28"/>
+          <p:cNvSpPr/>
+          <p:nvPr/>
+        </p:nvSpPr>
+        <p:spPr>
+          <a:xfrm>
+            <a:off x="21926550" y="3200401"/>
+            <a:ext cx="9875520" cy="457200"/>
+          </a:xfrm>
+          <a:prstGeom prst="rect">
+            <a:avLst/>
+          </a:prstGeom>
+          <a:solidFill>
+            <a:schemeClr val="accent1">
+              <a:lumMod val="75000"/>
+            </a:schemeClr>
+          </a:solidFill>
+          <a:ln w="12700"/>
+        </p:spPr>
+        <p:style>
+          <a:lnRef idx="2">
+            <a:schemeClr val="accent1">
+              <a:shade val="50000"/>
+            </a:schemeClr>
+          </a:lnRef>
+          <a:fillRef idx="1">
+            <a:schemeClr val="accent1"/>
+          </a:fillRef>
+          <a:effectRef idx="0">
+            <a:schemeClr val="accent1"/>
+          </a:effectRef>
+          <a:fontRef idx="minor">
+            <a:schemeClr val="lt1"/>
+          </a:fontRef>
+        </p:style>
+        <p:txBody>
+          <a:bodyPr lIns="48971" tIns="24486" rIns="48971" bIns="24486" rtlCol="0" anchor="ctr"/>
+          <a:lstStyle/>
+          <a:p>
+            <a:pPr algn="ctr"/>
+            <a:r>
+              <a:rPr lang="en-US" sz="3200" b="1" dirty="0" err="1" smtClean="0">
+                <a:solidFill>
+                  <a:schemeClr val="accent3">
+                    <a:lumMod val="20000"/>
+                    <a:lumOff val="80000"/>
+                  </a:schemeClr>
+                </a:solidFill>
+              </a:rPr>
+              <a:t>Rezultati</a:t>
+            </a:r>
+            <a:endParaRPr lang="en-US" sz="3200" b="1" dirty="0">
+              <a:solidFill>
+                <a:schemeClr val="accent3">
+                  <a:lumMod val="20000"/>
+                  <a:lumOff val="80000"/>
+                </a:schemeClr>
+              </a:solidFill>
+            </a:endParaRPr>
+          </a:p>
+        </p:txBody>
+      </p:sp>
+      <p:pic>
+        <p:nvPicPr>
+          <p:cNvPr id="3" name="Picture 2"/>
+          <p:cNvPicPr>
+            <a:picLocks noChangeAspect="1" noChangeArrowheads="1"/>
+          </p:cNvPicPr>
+          <p:nvPr/>
+        </p:nvPicPr>
+        <p:blipFill>
+          <a:blip r:embed="rId7">
+            <a:extLst>
+              <a:ext uri="{28A0092B-C50C-407E-A947-70E740481C1C}">
+                <a14:useLocalDpi xmlns:a14="http://schemas.microsoft.com/office/drawing/2010/main" val="0"/>
+              </a:ext>
+            </a:extLst>
+          </a:blip>
+          <a:srcRect/>
+          <a:stretch>
+            <a:fillRect/>
+          </a:stretch>
+        </p:blipFill>
+        <p:spPr bwMode="auto">
+          <a:xfrm>
+            <a:off x="16611600" y="14935201"/>
+            <a:ext cx="4926988" cy="3428999"/>
+          </a:xfrm>
+          <a:prstGeom prst="rect">
+            <a:avLst/>
+          </a:prstGeom>
+          <a:ln w="38100" cap="sq">
+            <a:solidFill>
+              <a:srgbClr val="000000"/>
+            </a:solidFill>
+            <a:prstDash val="solid"/>
+            <a:miter lim="800000"/>
+          </a:ln>
+          <a:effectLst>
+            <a:outerShdw blurRad="50800" dist="38100" dir="2700000" algn="tl" rotWithShape="0">
+              <a:srgbClr val="000000">
+                <a:alpha val="43000"/>
+              </a:srgbClr>
+            </a:outerShdw>
+          </a:effectLst>
+          <a:extLst>
+            <a:ext uri="{909E8E84-426E-40DD-AFC4-6F175D3DCCD1}">
+              <a14:hiddenFill xmlns:a14="http://schemas.microsoft.com/office/drawing/2010/main">
+                <a:solidFill>
+                  <a:schemeClr val="accent1"/>
+                </a:solidFill>
+              </a14:hiddenFill>
+            </a:ext>
             <a:ext uri="{91240B29-F687-4F45-9708-019B960494DF}">
               <a14:hiddenLine xmlns:a14="http://schemas.microsoft.com/office/drawing/2010/main" w="9525">
                 <a:solidFill>
@@ -11161,6 +13440,1482 @@
           </a:extLst>
         </p:spPr>
       </p:pic>
+      <p:sp>
+        <p:nvSpPr>
+          <p:cNvPr id="31" name="Text Box 193"/>
+          <p:cNvSpPr txBox="1">
+            <a:spLocks noChangeArrowheads="1"/>
+          </p:cNvSpPr>
+          <p:nvPr/>
+        </p:nvSpPr>
+        <p:spPr bwMode="auto">
+          <a:xfrm>
+            <a:off x="21926550" y="8305801"/>
+            <a:ext cx="9875520" cy="4198892"/>
+          </a:xfrm>
+          <a:prstGeom prst="rect">
+            <a:avLst/>
+          </a:prstGeom>
+          <a:solidFill>
+            <a:schemeClr val="bg1"/>
+          </a:solidFill>
+          <a:ln w="12700">
+            <a:solidFill>
+              <a:schemeClr val="accent1">
+                <a:lumMod val="75000"/>
+              </a:schemeClr>
+            </a:solidFill>
+          </a:ln>
+          <a:effectLst/>
+        </p:spPr>
+        <p:txBody>
+          <a:bodyPr lIns="97942" tIns="97942" rIns="97942" bIns="97942">
+            <a:spAutoFit/>
+          </a:bodyPr>
+          <a:lstStyle>
+            <a:lvl1pPr eaLnBrk="0" hangingPunct="0">
+              <a:defRPr sz="2200">
+                <a:solidFill>
+                  <a:schemeClr val="tx1"/>
+                </a:solidFill>
+                <a:latin typeface="Arial" charset="0"/>
+              </a:defRPr>
+            </a:lvl1pPr>
+            <a:lvl2pPr marL="742950" indent="-285750" eaLnBrk="0" hangingPunct="0">
+              <a:defRPr sz="2200">
+                <a:solidFill>
+                  <a:schemeClr val="tx1"/>
+                </a:solidFill>
+                <a:latin typeface="Arial" charset="0"/>
+              </a:defRPr>
+            </a:lvl2pPr>
+            <a:lvl3pPr marL="1143000" indent="-228600" eaLnBrk="0" hangingPunct="0">
+              <a:defRPr sz="2200">
+                <a:solidFill>
+                  <a:schemeClr val="tx1"/>
+                </a:solidFill>
+                <a:latin typeface="Arial" charset="0"/>
+              </a:defRPr>
+            </a:lvl3pPr>
+            <a:lvl4pPr marL="1600200" indent="-228600" eaLnBrk="0" hangingPunct="0">
+              <a:defRPr sz="2200">
+                <a:solidFill>
+                  <a:schemeClr val="tx1"/>
+                </a:solidFill>
+                <a:latin typeface="Arial" charset="0"/>
+              </a:defRPr>
+            </a:lvl4pPr>
+            <a:lvl5pPr marL="2057400" indent="-228600" eaLnBrk="0" hangingPunct="0">
+              <a:defRPr sz="2200">
+                <a:solidFill>
+                  <a:schemeClr val="tx1"/>
+                </a:solidFill>
+                <a:latin typeface="Arial" charset="0"/>
+              </a:defRPr>
+            </a:lvl5pPr>
+            <a:lvl6pPr marL="2514600" indent="-228600" eaLnBrk="0" fontAlgn="base" hangingPunct="0">
+              <a:spcBef>
+                <a:spcPct val="0"/>
+              </a:spcBef>
+              <a:spcAft>
+                <a:spcPct val="0"/>
+              </a:spcAft>
+              <a:defRPr sz="2200">
+                <a:solidFill>
+                  <a:schemeClr val="tx1"/>
+                </a:solidFill>
+                <a:latin typeface="Arial" charset="0"/>
+              </a:defRPr>
+            </a:lvl6pPr>
+            <a:lvl7pPr marL="2971800" indent="-228600" eaLnBrk="0" fontAlgn="base" hangingPunct="0">
+              <a:spcBef>
+                <a:spcPct val="0"/>
+              </a:spcBef>
+              <a:spcAft>
+                <a:spcPct val="0"/>
+              </a:spcAft>
+              <a:defRPr sz="2200">
+                <a:solidFill>
+                  <a:schemeClr val="tx1"/>
+                </a:solidFill>
+                <a:latin typeface="Arial" charset="0"/>
+              </a:defRPr>
+            </a:lvl7pPr>
+            <a:lvl8pPr marL="3429000" indent="-228600" eaLnBrk="0" fontAlgn="base" hangingPunct="0">
+              <a:spcBef>
+                <a:spcPct val="0"/>
+              </a:spcBef>
+              <a:spcAft>
+                <a:spcPct val="0"/>
+              </a:spcAft>
+              <a:defRPr sz="2200">
+                <a:solidFill>
+                  <a:schemeClr val="tx1"/>
+                </a:solidFill>
+                <a:latin typeface="Arial" charset="0"/>
+              </a:defRPr>
+            </a:lvl8pPr>
+            <a:lvl9pPr marL="3886200" indent="-228600" eaLnBrk="0" fontAlgn="base" hangingPunct="0">
+              <a:spcBef>
+                <a:spcPct val="0"/>
+              </a:spcBef>
+              <a:spcAft>
+                <a:spcPct val="0"/>
+              </a:spcAft>
+              <a:defRPr sz="2200">
+                <a:solidFill>
+                  <a:schemeClr val="tx1"/>
+                </a:solidFill>
+                <a:latin typeface="Arial" charset="0"/>
+              </a:defRPr>
+            </a:lvl9pPr>
+          </a:lstStyle>
+          <a:p>
+            <a:pPr eaLnBrk="1" hangingPunct="1"/>
+            <a:r>
+              <a:rPr lang="en-US" sz="2000" dirty="0" err="1">
+                <a:latin typeface="Calibri" pitchFamily="34" charset="0"/>
+              </a:rPr>
+              <a:t>Izvlačenje</a:t>
+            </a:r>
+            <a:r>
+              <a:rPr lang="en-US" sz="2000" dirty="0">
+                <a:latin typeface="Calibri" pitchFamily="34" charset="0"/>
+              </a:rPr>
+              <a:t> </a:t>
+            </a:r>
+            <a:r>
+              <a:rPr lang="en-US" sz="2000" i="1" dirty="0">
+                <a:latin typeface="Calibri" pitchFamily="34" charset="0"/>
+              </a:rPr>
+              <a:t>HOG </a:t>
+            </a:r>
+            <a:r>
+              <a:rPr lang="en-US" sz="2000" dirty="0" err="1">
+                <a:latin typeface="Calibri" pitchFamily="34" charset="0"/>
+              </a:rPr>
+              <a:t>karakteristika</a:t>
+            </a:r>
+            <a:r>
+              <a:rPr lang="en-US" sz="2000" dirty="0">
+                <a:latin typeface="Calibri" pitchFamily="34" charset="0"/>
+              </a:rPr>
+              <a:t> </a:t>
+            </a:r>
+            <a:r>
+              <a:rPr lang="en-US" sz="2000" dirty="0" err="1">
+                <a:latin typeface="Calibri" pitchFamily="34" charset="0"/>
+              </a:rPr>
+              <a:t>iz</a:t>
+            </a:r>
+            <a:r>
+              <a:rPr lang="en-US" sz="2000" dirty="0">
+                <a:latin typeface="Calibri" pitchFamily="34" charset="0"/>
+              </a:rPr>
+              <a:t> </a:t>
+            </a:r>
+            <a:r>
+              <a:rPr lang="en-US" sz="2000" dirty="0" err="1">
+                <a:latin typeface="Calibri" pitchFamily="34" charset="0"/>
+              </a:rPr>
+              <a:t>slika</a:t>
+            </a:r>
+            <a:r>
+              <a:rPr lang="en-US" sz="2000" dirty="0">
+                <a:latin typeface="Calibri" pitchFamily="34" charset="0"/>
+              </a:rPr>
+              <a:t> </a:t>
+            </a:r>
+            <a:r>
+              <a:rPr lang="en-US" sz="2000" dirty="0" err="1">
+                <a:latin typeface="Calibri" pitchFamily="34" charset="0"/>
+              </a:rPr>
+              <a:t>za</a:t>
+            </a:r>
+            <a:r>
+              <a:rPr lang="en-US" sz="2000" dirty="0">
+                <a:latin typeface="Calibri" pitchFamily="34" charset="0"/>
+              </a:rPr>
+              <a:t> </a:t>
+            </a:r>
+            <a:r>
+              <a:rPr lang="en-US" sz="2000" dirty="0" err="1">
+                <a:latin typeface="Calibri" pitchFamily="34" charset="0"/>
+              </a:rPr>
+              <a:t>detekciju</a:t>
+            </a:r>
+            <a:r>
+              <a:rPr lang="en-US" sz="2000" dirty="0">
+                <a:latin typeface="Calibri" pitchFamily="34" charset="0"/>
+              </a:rPr>
+              <a:t> </a:t>
+            </a:r>
+            <a:r>
+              <a:rPr lang="en-US" sz="2000" dirty="0" err="1">
+                <a:latin typeface="Calibri" pitchFamily="34" charset="0"/>
+              </a:rPr>
+              <a:t>lica</a:t>
+            </a:r>
+            <a:r>
+              <a:rPr lang="en-US" sz="2000" dirty="0">
+                <a:latin typeface="Calibri" pitchFamily="34" charset="0"/>
+              </a:rPr>
+              <a:t> se </a:t>
+            </a:r>
+            <a:r>
+              <a:rPr lang="en-US" sz="2000" dirty="0" err="1">
+                <a:latin typeface="Calibri" pitchFamily="34" charset="0"/>
+              </a:rPr>
+              <a:t>nije</a:t>
+            </a:r>
+            <a:r>
+              <a:rPr lang="en-US" sz="2000" dirty="0">
+                <a:latin typeface="Calibri" pitchFamily="34" charset="0"/>
+              </a:rPr>
+              <a:t> </a:t>
+            </a:r>
+            <a:r>
+              <a:rPr lang="en-US" sz="2000" dirty="0" err="1">
+                <a:latin typeface="Calibri" pitchFamily="34" charset="0"/>
+              </a:rPr>
+              <a:t>pokazalo</a:t>
+            </a:r>
+            <a:r>
+              <a:rPr lang="en-US" sz="2000" dirty="0">
+                <a:latin typeface="Calibri" pitchFamily="34" charset="0"/>
+              </a:rPr>
+              <a:t> </a:t>
+            </a:r>
+            <a:r>
+              <a:rPr lang="en-US" sz="2000" dirty="0" err="1">
+                <a:latin typeface="Calibri" pitchFamily="34" charset="0"/>
+              </a:rPr>
+              <a:t>kao</a:t>
+            </a:r>
+            <a:r>
+              <a:rPr lang="en-US" sz="2000" dirty="0">
+                <a:latin typeface="Calibri" pitchFamily="34" charset="0"/>
+              </a:rPr>
+              <a:t> </a:t>
+            </a:r>
+            <a:r>
+              <a:rPr lang="en-US" sz="2000" dirty="0" err="1">
+                <a:latin typeface="Calibri" pitchFamily="34" charset="0"/>
+              </a:rPr>
+              <a:t>idealno</a:t>
+            </a:r>
+            <a:r>
+              <a:rPr lang="en-US" sz="2000" dirty="0">
+                <a:latin typeface="Calibri" pitchFamily="34" charset="0"/>
+              </a:rPr>
+              <a:t> </a:t>
+            </a:r>
+            <a:r>
+              <a:rPr lang="en-US" sz="2000" dirty="0" err="1">
+                <a:latin typeface="Calibri" pitchFamily="34" charset="0"/>
+              </a:rPr>
+              <a:t>rešenje</a:t>
+            </a:r>
+            <a:r>
+              <a:rPr lang="en-US" sz="2000" dirty="0">
+                <a:latin typeface="Calibri" pitchFamily="34" charset="0"/>
+              </a:rPr>
+              <a:t>. </a:t>
+            </a:r>
+            <a:r>
+              <a:rPr lang="en-US" sz="2000" dirty="0" err="1">
+                <a:latin typeface="Calibri" pitchFamily="34" charset="0"/>
+              </a:rPr>
+              <a:t>Sledeći</a:t>
+            </a:r>
+            <a:r>
+              <a:rPr lang="en-US" sz="2000" dirty="0">
+                <a:latin typeface="Calibri" pitchFamily="34" charset="0"/>
+              </a:rPr>
+              <a:t> </a:t>
+            </a:r>
+            <a:r>
+              <a:rPr lang="en-US" sz="2000" dirty="0" err="1">
+                <a:latin typeface="Calibri" pitchFamily="34" charset="0"/>
+              </a:rPr>
+              <a:t>korak</a:t>
+            </a:r>
+            <a:r>
+              <a:rPr lang="en-US" sz="2000" dirty="0">
+                <a:latin typeface="Calibri" pitchFamily="34" charset="0"/>
+              </a:rPr>
+              <a:t> bi bio </a:t>
+            </a:r>
+            <a:r>
+              <a:rPr lang="en-US" sz="2000" dirty="0" err="1">
+                <a:latin typeface="Calibri" pitchFamily="34" charset="0"/>
+              </a:rPr>
+              <a:t>koristiti</a:t>
+            </a:r>
+            <a:r>
+              <a:rPr lang="en-US" sz="2000" dirty="0">
+                <a:latin typeface="Calibri" pitchFamily="34" charset="0"/>
+              </a:rPr>
+              <a:t> </a:t>
+            </a:r>
+            <a:r>
+              <a:rPr lang="en-US" sz="2000" dirty="0" err="1">
+                <a:latin typeface="Calibri" pitchFamily="34" charset="0"/>
+              </a:rPr>
+              <a:t>umesto</a:t>
+            </a:r>
+            <a:r>
+              <a:rPr lang="en-US" sz="2000" dirty="0">
+                <a:latin typeface="Calibri" pitchFamily="34" charset="0"/>
+              </a:rPr>
+              <a:t> </a:t>
+            </a:r>
+            <a:r>
+              <a:rPr lang="en-US" sz="2000" i="1" dirty="0">
+                <a:latin typeface="Calibri" pitchFamily="34" charset="0"/>
+              </a:rPr>
+              <a:t>HOG</a:t>
+            </a:r>
+            <a:r>
+              <a:rPr lang="en-US" sz="2000" dirty="0">
+                <a:latin typeface="Calibri" pitchFamily="34" charset="0"/>
+              </a:rPr>
+              <a:t>-a </a:t>
+            </a:r>
+            <a:r>
+              <a:rPr lang="en-US" sz="2000" dirty="0" err="1">
+                <a:latin typeface="Calibri" pitchFamily="34" charset="0"/>
+              </a:rPr>
+              <a:t>koristiti</a:t>
+            </a:r>
+            <a:r>
+              <a:rPr lang="en-US" sz="2000" dirty="0">
+                <a:latin typeface="Calibri" pitchFamily="34" charset="0"/>
+              </a:rPr>
+              <a:t> </a:t>
+            </a:r>
+            <a:r>
+              <a:rPr lang="en-US" sz="2000" dirty="0" err="1">
+                <a:latin typeface="Calibri" pitchFamily="34" charset="0"/>
+              </a:rPr>
+              <a:t>neki</a:t>
+            </a:r>
+            <a:r>
+              <a:rPr lang="en-US" sz="2000" dirty="0">
+                <a:latin typeface="Calibri" pitchFamily="34" charset="0"/>
+              </a:rPr>
+              <a:t> </a:t>
+            </a:r>
+            <a:r>
+              <a:rPr lang="en-US" sz="2000" dirty="0" err="1">
+                <a:latin typeface="Calibri" pitchFamily="34" charset="0"/>
+              </a:rPr>
+              <a:t>algoritam</a:t>
+            </a:r>
+            <a:r>
+              <a:rPr lang="en-US" sz="2000" dirty="0">
+                <a:latin typeface="Calibri" pitchFamily="34" charset="0"/>
+              </a:rPr>
+              <a:t> </a:t>
+            </a:r>
+            <a:r>
+              <a:rPr lang="en-US" sz="2000" dirty="0" err="1">
+                <a:latin typeface="Calibri" pitchFamily="34" charset="0"/>
+              </a:rPr>
+              <a:t>koji</a:t>
+            </a:r>
+            <a:r>
+              <a:rPr lang="en-US" sz="2000" dirty="0">
+                <a:latin typeface="Calibri" pitchFamily="34" charset="0"/>
+              </a:rPr>
+              <a:t> </a:t>
+            </a:r>
+            <a:r>
+              <a:rPr lang="en-US" sz="2000" dirty="0" err="1">
+                <a:latin typeface="Calibri" pitchFamily="34" charset="0"/>
+              </a:rPr>
+              <a:t>bolje</a:t>
+            </a:r>
+            <a:r>
+              <a:rPr lang="en-US" sz="2000" dirty="0">
+                <a:latin typeface="Calibri" pitchFamily="34" charset="0"/>
+              </a:rPr>
+              <a:t> </a:t>
+            </a:r>
+            <a:r>
+              <a:rPr lang="en-US" sz="2000" dirty="0" err="1">
+                <a:latin typeface="Calibri" pitchFamily="34" charset="0"/>
+              </a:rPr>
+              <a:t>prati</a:t>
+            </a:r>
+            <a:r>
+              <a:rPr lang="en-US" sz="2000" dirty="0">
+                <a:latin typeface="Calibri" pitchFamily="34" charset="0"/>
+              </a:rPr>
+              <a:t> </a:t>
+            </a:r>
+            <a:r>
+              <a:rPr lang="en-US" sz="2000" dirty="0" err="1">
+                <a:latin typeface="Calibri" pitchFamily="34" charset="0"/>
+              </a:rPr>
+              <a:t>konture</a:t>
+            </a:r>
+            <a:r>
+              <a:rPr lang="en-US" sz="2000" dirty="0">
+                <a:latin typeface="Calibri" pitchFamily="34" charset="0"/>
+              </a:rPr>
+              <a:t> i </a:t>
+            </a:r>
+            <a:r>
+              <a:rPr lang="en-US" sz="2000" dirty="0" err="1">
+                <a:latin typeface="Calibri" pitchFamily="34" charset="0"/>
+              </a:rPr>
+              <a:t>karakteristike</a:t>
+            </a:r>
+            <a:r>
+              <a:rPr lang="en-US" sz="2000" dirty="0">
+                <a:latin typeface="Calibri" pitchFamily="34" charset="0"/>
+              </a:rPr>
+              <a:t> </a:t>
+            </a:r>
+            <a:r>
+              <a:rPr lang="en-US" sz="2000" dirty="0" err="1">
+                <a:latin typeface="Calibri" pitchFamily="34" charset="0"/>
+              </a:rPr>
+              <a:t>lica</a:t>
+            </a:r>
+            <a:r>
+              <a:rPr lang="en-US" sz="2000" dirty="0">
+                <a:latin typeface="Calibri" pitchFamily="34" charset="0"/>
+              </a:rPr>
+              <a:t>.</a:t>
+            </a:r>
+            <a:endParaRPr lang="en-US" sz="2000" i="1" dirty="0">
+              <a:latin typeface="Calibri" pitchFamily="34" charset="0"/>
+            </a:endParaRPr>
+          </a:p>
+          <a:p>
+            <a:pPr eaLnBrk="1" hangingPunct="1"/>
+            <a:endParaRPr lang="en-US" sz="2000" dirty="0" smtClean="0">
+              <a:latin typeface="Calibri" pitchFamily="34" charset="0"/>
+            </a:endParaRPr>
+          </a:p>
+          <a:p>
+            <a:pPr eaLnBrk="1" hangingPunct="1"/>
+            <a:r>
+              <a:rPr lang="en-US" sz="2000" dirty="0" err="1" smtClean="0">
+                <a:latin typeface="Calibri" pitchFamily="34" charset="0"/>
+              </a:rPr>
+              <a:t>Loša</a:t>
+            </a:r>
+            <a:r>
+              <a:rPr lang="en-US" sz="2000" dirty="0" smtClean="0">
+                <a:latin typeface="Calibri" pitchFamily="34" charset="0"/>
+              </a:rPr>
+              <a:t> </a:t>
+            </a:r>
+            <a:r>
+              <a:rPr lang="en-US" sz="2000" dirty="0" err="1">
+                <a:latin typeface="Calibri" pitchFamily="34" charset="0"/>
+              </a:rPr>
+              <a:t>strana</a:t>
+            </a:r>
+            <a:r>
+              <a:rPr lang="en-US" sz="2000" dirty="0">
+                <a:latin typeface="Calibri" pitchFamily="34" charset="0"/>
+              </a:rPr>
+              <a:t> </a:t>
+            </a:r>
+            <a:r>
+              <a:rPr lang="en-US" sz="2000" dirty="0" err="1">
+                <a:latin typeface="Calibri" pitchFamily="34" charset="0"/>
+              </a:rPr>
+              <a:t>ovog</a:t>
+            </a:r>
+            <a:r>
+              <a:rPr lang="en-US" sz="2000" dirty="0">
+                <a:latin typeface="Calibri" pitchFamily="34" charset="0"/>
+              </a:rPr>
+              <a:t> </a:t>
+            </a:r>
+            <a:r>
+              <a:rPr lang="en-US" sz="2000" dirty="0" err="1" smtClean="0">
+                <a:latin typeface="Calibri" pitchFamily="34" charset="0"/>
+              </a:rPr>
+              <a:t>programa</a:t>
+            </a:r>
+            <a:r>
+              <a:rPr lang="en-US" sz="2000" dirty="0" smtClean="0">
+                <a:latin typeface="Calibri" pitchFamily="34" charset="0"/>
+              </a:rPr>
+              <a:t> </a:t>
+            </a:r>
+            <a:r>
+              <a:rPr lang="en-US" sz="2000" dirty="0" err="1" smtClean="0">
+                <a:latin typeface="Calibri" pitchFamily="34" charset="0"/>
+              </a:rPr>
+              <a:t>jeste</a:t>
+            </a:r>
+            <a:r>
+              <a:rPr lang="en-US" sz="2000" dirty="0" smtClean="0">
+                <a:latin typeface="Calibri" pitchFamily="34" charset="0"/>
+              </a:rPr>
+              <a:t> </a:t>
+            </a:r>
+            <a:r>
+              <a:rPr lang="en-US" sz="2000" dirty="0" err="1">
+                <a:latin typeface="Calibri" pitchFamily="34" charset="0"/>
+              </a:rPr>
+              <a:t>što</a:t>
+            </a:r>
+            <a:r>
+              <a:rPr lang="en-US" sz="2000" dirty="0">
+                <a:latin typeface="Calibri" pitchFamily="34" charset="0"/>
+              </a:rPr>
+              <a:t> se </a:t>
+            </a:r>
+            <a:r>
+              <a:rPr lang="en-US" sz="2000" dirty="0" err="1">
+                <a:latin typeface="Calibri" pitchFamily="34" charset="0"/>
+              </a:rPr>
+              <a:t>oslanjamo</a:t>
+            </a:r>
+            <a:r>
+              <a:rPr lang="en-US" sz="2000" dirty="0">
+                <a:latin typeface="Calibri" pitchFamily="34" charset="0"/>
+              </a:rPr>
+              <a:t> </a:t>
+            </a:r>
+            <a:r>
+              <a:rPr lang="en-US" sz="2000" dirty="0" err="1">
+                <a:latin typeface="Calibri" pitchFamily="34" charset="0"/>
+              </a:rPr>
+              <a:t>na</a:t>
+            </a:r>
+            <a:r>
+              <a:rPr lang="en-US" sz="2000" dirty="0">
+                <a:latin typeface="Calibri" pitchFamily="34" charset="0"/>
+              </a:rPr>
+              <a:t> </a:t>
+            </a:r>
+            <a:r>
+              <a:rPr lang="en-US" sz="2000" dirty="0" err="1">
+                <a:latin typeface="Calibri" pitchFamily="34" charset="0"/>
+              </a:rPr>
+              <a:t>dva</a:t>
+            </a:r>
+            <a:r>
+              <a:rPr lang="en-US" sz="2000" dirty="0">
+                <a:latin typeface="Calibri" pitchFamily="34" charset="0"/>
+              </a:rPr>
+              <a:t> </a:t>
+            </a:r>
+            <a:r>
+              <a:rPr lang="en-US" sz="2000" dirty="0" err="1">
+                <a:latin typeface="Calibri" pitchFamily="34" charset="0"/>
+              </a:rPr>
+              <a:t>sloja</a:t>
+            </a:r>
+            <a:r>
+              <a:rPr lang="en-US" sz="2000" dirty="0">
+                <a:latin typeface="Calibri" pitchFamily="34" charset="0"/>
+              </a:rPr>
+              <a:t> (</a:t>
+            </a:r>
+            <a:r>
+              <a:rPr lang="en-US" sz="2000" dirty="0" err="1">
+                <a:latin typeface="Calibri" pitchFamily="34" charset="0"/>
+              </a:rPr>
+              <a:t>prva</a:t>
+            </a:r>
+            <a:r>
+              <a:rPr lang="en-US" sz="2000" dirty="0">
+                <a:latin typeface="Calibri" pitchFamily="34" charset="0"/>
+              </a:rPr>
+              <a:t> </a:t>
+            </a:r>
+            <a:r>
+              <a:rPr lang="en-US" sz="2000" dirty="0" err="1">
+                <a:latin typeface="Calibri" pitchFamily="34" charset="0"/>
+              </a:rPr>
+              <a:t>dva</a:t>
+            </a:r>
+            <a:r>
+              <a:rPr lang="en-US" sz="2000" dirty="0">
+                <a:latin typeface="Calibri" pitchFamily="34" charset="0"/>
+              </a:rPr>
+              <a:t> </a:t>
+            </a:r>
+            <a:r>
+              <a:rPr lang="en-US" sz="2000" dirty="0" err="1">
+                <a:latin typeface="Calibri" pitchFamily="34" charset="0"/>
+              </a:rPr>
+              <a:t>klasifikatora</a:t>
+            </a:r>
+            <a:r>
+              <a:rPr lang="en-US" sz="2000" dirty="0">
+                <a:latin typeface="Calibri" pitchFamily="34" charset="0"/>
+              </a:rPr>
+              <a:t> u </a:t>
+            </a:r>
+            <a:r>
+              <a:rPr lang="en-US" sz="2000" dirty="0" err="1">
+                <a:latin typeface="Calibri" pitchFamily="34" charset="0"/>
+              </a:rPr>
+              <a:t>prvom</a:t>
+            </a:r>
+            <a:r>
+              <a:rPr lang="en-US" sz="2000" dirty="0">
+                <a:latin typeface="Calibri" pitchFamily="34" charset="0"/>
+              </a:rPr>
+              <a:t> </a:t>
+            </a:r>
+            <a:r>
+              <a:rPr lang="en-US" sz="2000" dirty="0" err="1">
+                <a:latin typeface="Calibri" pitchFamily="34" charset="0"/>
+              </a:rPr>
+              <a:t>sloju</a:t>
+            </a:r>
+            <a:r>
+              <a:rPr lang="en-US" sz="2000" dirty="0">
+                <a:latin typeface="Calibri" pitchFamily="34" charset="0"/>
+              </a:rPr>
+              <a:t> i </a:t>
+            </a:r>
+            <a:r>
+              <a:rPr lang="en-US" sz="2000" dirty="0" err="1">
+                <a:latin typeface="Calibri" pitchFamily="34" charset="0"/>
+              </a:rPr>
+              <a:t>treći</a:t>
+            </a:r>
+            <a:r>
+              <a:rPr lang="en-US" sz="2000" dirty="0">
+                <a:latin typeface="Calibri" pitchFamily="34" charset="0"/>
+              </a:rPr>
+              <a:t> </a:t>
+            </a:r>
+            <a:r>
+              <a:rPr lang="en-US" sz="2000" dirty="0" err="1">
+                <a:latin typeface="Calibri" pitchFamily="34" charset="0"/>
+              </a:rPr>
+              <a:t>klasifikator</a:t>
+            </a:r>
+            <a:r>
+              <a:rPr lang="en-US" sz="2000" dirty="0">
+                <a:latin typeface="Calibri" pitchFamily="34" charset="0"/>
+              </a:rPr>
+              <a:t> u </a:t>
+            </a:r>
+            <a:r>
+              <a:rPr lang="en-US" sz="2000" dirty="0" err="1">
+                <a:latin typeface="Calibri" pitchFamily="34" charset="0"/>
+              </a:rPr>
+              <a:t>drugom</a:t>
+            </a:r>
+            <a:r>
+              <a:rPr lang="en-US" sz="2000" dirty="0">
+                <a:latin typeface="Calibri" pitchFamily="34" charset="0"/>
+              </a:rPr>
+              <a:t> </a:t>
+            </a:r>
+            <a:r>
+              <a:rPr lang="en-US" sz="2000" dirty="0" err="1">
+                <a:latin typeface="Calibri" pitchFamily="34" charset="0"/>
+              </a:rPr>
+              <a:t>sloju</a:t>
+            </a:r>
+            <a:r>
+              <a:rPr lang="en-US" sz="2000" dirty="0">
+                <a:latin typeface="Calibri" pitchFamily="34" charset="0"/>
+              </a:rPr>
+              <a:t>) </a:t>
+            </a:r>
+            <a:r>
+              <a:rPr lang="en-US" sz="2000" dirty="0" err="1">
+                <a:latin typeface="Calibri" pitchFamily="34" charset="0"/>
+              </a:rPr>
+              <a:t>koji</a:t>
+            </a:r>
+            <a:r>
+              <a:rPr lang="en-US" sz="2000" dirty="0">
+                <a:latin typeface="Calibri" pitchFamily="34" charset="0"/>
+              </a:rPr>
+              <a:t> </a:t>
+            </a:r>
+            <a:r>
+              <a:rPr lang="en-US" sz="2000" dirty="0" err="1">
+                <a:latin typeface="Calibri" pitchFamily="34" charset="0"/>
+              </a:rPr>
+              <a:t>su</a:t>
+            </a:r>
+            <a:r>
+              <a:rPr lang="en-US" sz="2000" dirty="0">
+                <a:latin typeface="Calibri" pitchFamily="34" charset="0"/>
+              </a:rPr>
+              <a:t> </a:t>
+            </a:r>
+            <a:r>
+              <a:rPr lang="en-US" sz="2000" dirty="0" err="1">
+                <a:latin typeface="Calibri" pitchFamily="34" charset="0"/>
+              </a:rPr>
+              <a:t>međusobno</a:t>
+            </a:r>
+            <a:r>
+              <a:rPr lang="en-US" sz="2000" dirty="0">
+                <a:latin typeface="Calibri" pitchFamily="34" charset="0"/>
+              </a:rPr>
+              <a:t> </a:t>
+            </a:r>
+            <a:r>
+              <a:rPr lang="en-US" sz="2000" dirty="0" err="1">
+                <a:latin typeface="Calibri" pitchFamily="34" charset="0"/>
+              </a:rPr>
+              <a:t>zavisni</a:t>
+            </a:r>
+            <a:r>
+              <a:rPr lang="en-US" sz="2000" dirty="0">
+                <a:latin typeface="Calibri" pitchFamily="34" charset="0"/>
+              </a:rPr>
+              <a:t>. </a:t>
+            </a:r>
+            <a:r>
+              <a:rPr lang="en-US" sz="2000" dirty="0" err="1">
+                <a:latin typeface="Calibri" pitchFamily="34" charset="0"/>
+              </a:rPr>
+              <a:t>Prema</a:t>
+            </a:r>
+            <a:r>
+              <a:rPr lang="en-US" sz="2000" dirty="0">
+                <a:latin typeface="Calibri" pitchFamily="34" charset="0"/>
+              </a:rPr>
+              <a:t> tome </a:t>
+            </a:r>
+            <a:r>
+              <a:rPr lang="en-US" sz="2000" dirty="0" err="1" smtClean="0">
+                <a:latin typeface="Calibri" pitchFamily="34" charset="0"/>
+              </a:rPr>
+              <a:t>najbolja</a:t>
+            </a:r>
+            <a:r>
+              <a:rPr lang="en-US" sz="2000" dirty="0" smtClean="0">
+                <a:latin typeface="Calibri" pitchFamily="34" charset="0"/>
+              </a:rPr>
+              <a:t> </a:t>
+            </a:r>
+            <a:r>
+              <a:rPr lang="en-US" sz="2000" dirty="0" err="1" smtClean="0">
+                <a:latin typeface="Calibri" pitchFamily="34" charset="0"/>
+              </a:rPr>
+              <a:t>preciznost</a:t>
+            </a:r>
+            <a:r>
+              <a:rPr lang="en-US" sz="2000" dirty="0" smtClean="0">
+                <a:latin typeface="Calibri" pitchFamily="34" charset="0"/>
+              </a:rPr>
+              <a:t> </a:t>
+            </a:r>
+            <a:r>
+              <a:rPr lang="en-US" sz="2000" dirty="0" err="1">
+                <a:latin typeface="Calibri" pitchFamily="34" charset="0"/>
+              </a:rPr>
+              <a:t>klasifikacije</a:t>
+            </a:r>
+            <a:r>
+              <a:rPr lang="en-US" sz="2000" dirty="0">
+                <a:latin typeface="Calibri" pitchFamily="34" charset="0"/>
+              </a:rPr>
+              <a:t> da li </a:t>
+            </a:r>
+            <a:r>
+              <a:rPr lang="en-US" sz="2000" dirty="0" err="1">
+                <a:latin typeface="Calibri" pitchFamily="34" charset="0"/>
+              </a:rPr>
+              <a:t>osoba</a:t>
+            </a:r>
+            <a:r>
+              <a:rPr lang="en-US" sz="2000" dirty="0">
+                <a:latin typeface="Calibri" pitchFamily="34" charset="0"/>
+              </a:rPr>
+              <a:t> </a:t>
+            </a:r>
+            <a:r>
+              <a:rPr lang="en-US" sz="2000" dirty="0" err="1">
+                <a:latin typeface="Calibri" pitchFamily="34" charset="0"/>
+              </a:rPr>
+              <a:t>nosi</a:t>
+            </a:r>
+            <a:r>
+              <a:rPr lang="en-US" sz="2000" dirty="0">
+                <a:latin typeface="Calibri" pitchFamily="34" charset="0"/>
+              </a:rPr>
+              <a:t> </a:t>
+            </a:r>
+            <a:r>
+              <a:rPr lang="en-US" sz="2000" dirty="0" err="1">
+                <a:latin typeface="Calibri" pitchFamily="34" charset="0"/>
+              </a:rPr>
+              <a:t>masku</a:t>
+            </a:r>
+            <a:r>
+              <a:rPr lang="en-US" sz="2000" dirty="0">
+                <a:latin typeface="Calibri" pitchFamily="34" charset="0"/>
+              </a:rPr>
+              <a:t> se </a:t>
+            </a:r>
+            <a:r>
+              <a:rPr lang="en-US" sz="2000" dirty="0" err="1">
+                <a:latin typeface="Calibri" pitchFamily="34" charset="0"/>
+              </a:rPr>
+              <a:t>dobija</a:t>
+            </a:r>
+            <a:r>
+              <a:rPr lang="en-US" sz="2000" dirty="0">
+                <a:latin typeface="Calibri" pitchFamily="34" charset="0"/>
+              </a:rPr>
+              <a:t> </a:t>
+            </a:r>
+            <a:r>
+              <a:rPr lang="en-US" sz="2000" dirty="0" err="1">
+                <a:latin typeface="Calibri" pitchFamily="34" charset="0"/>
+              </a:rPr>
+              <a:t>množenjem</a:t>
+            </a:r>
+            <a:r>
+              <a:rPr lang="en-US" sz="2000" dirty="0">
+                <a:latin typeface="Calibri" pitchFamily="34" charset="0"/>
+              </a:rPr>
+              <a:t> </a:t>
+            </a:r>
+            <a:r>
+              <a:rPr lang="en-US" sz="2000" dirty="0" err="1">
+                <a:latin typeface="Calibri" pitchFamily="34" charset="0"/>
+              </a:rPr>
+              <a:t>preciznosti</a:t>
+            </a:r>
+            <a:r>
+              <a:rPr lang="en-US" sz="2000" dirty="0">
+                <a:latin typeface="Calibri" pitchFamily="34" charset="0"/>
+              </a:rPr>
+              <a:t> </a:t>
+            </a:r>
+            <a:r>
+              <a:rPr lang="en-US" sz="2000" dirty="0" err="1">
+                <a:latin typeface="Calibri" pitchFamily="34" charset="0"/>
+              </a:rPr>
+              <a:t>tih</a:t>
+            </a:r>
+            <a:r>
+              <a:rPr lang="en-US" sz="2000" dirty="0">
+                <a:latin typeface="Calibri" pitchFamily="34" charset="0"/>
+              </a:rPr>
+              <a:t> </a:t>
+            </a:r>
+            <a:r>
+              <a:rPr lang="en-US" sz="2000" dirty="0" err="1">
+                <a:latin typeface="Calibri" pitchFamily="34" charset="0"/>
+              </a:rPr>
+              <a:t>slojeva</a:t>
+            </a:r>
+            <a:r>
+              <a:rPr lang="en-US" sz="2000" dirty="0">
+                <a:latin typeface="Calibri" pitchFamily="34" charset="0"/>
+              </a:rPr>
+              <a:t>. </a:t>
+            </a:r>
+            <a:r>
+              <a:rPr lang="en-US" sz="2000" dirty="0" err="1">
+                <a:latin typeface="Calibri" pitchFamily="34" charset="0"/>
+              </a:rPr>
+              <a:t>Idealno</a:t>
+            </a:r>
+            <a:r>
+              <a:rPr lang="en-US" sz="2000" dirty="0">
+                <a:latin typeface="Calibri" pitchFamily="34" charset="0"/>
+              </a:rPr>
+              <a:t> </a:t>
+            </a:r>
+            <a:r>
+              <a:rPr lang="en-US" sz="2000" dirty="0" err="1">
+                <a:latin typeface="Calibri" pitchFamily="34" charset="0"/>
+              </a:rPr>
+              <a:t>rešenje</a:t>
+            </a:r>
+            <a:r>
+              <a:rPr lang="en-US" sz="2000" dirty="0">
+                <a:latin typeface="Calibri" pitchFamily="34" charset="0"/>
+              </a:rPr>
+              <a:t> bi se </a:t>
+            </a:r>
+            <a:r>
+              <a:rPr lang="en-US" sz="2000" dirty="0" err="1">
+                <a:latin typeface="Calibri" pitchFamily="34" charset="0"/>
+              </a:rPr>
+              <a:t>oslanjalo</a:t>
+            </a:r>
+            <a:r>
+              <a:rPr lang="en-US" sz="2000" dirty="0">
+                <a:latin typeface="Calibri" pitchFamily="34" charset="0"/>
+              </a:rPr>
+              <a:t> </a:t>
+            </a:r>
+            <a:r>
+              <a:rPr lang="en-US" sz="2000" dirty="0" err="1">
+                <a:latin typeface="Calibri" pitchFamily="34" charset="0"/>
+              </a:rPr>
+              <a:t>na</a:t>
+            </a:r>
+            <a:r>
+              <a:rPr lang="en-US" sz="2000" dirty="0">
+                <a:latin typeface="Calibri" pitchFamily="34" charset="0"/>
+              </a:rPr>
+              <a:t> </a:t>
+            </a:r>
+            <a:r>
+              <a:rPr lang="en-US" sz="2000" dirty="0" err="1">
+                <a:latin typeface="Calibri" pitchFamily="34" charset="0"/>
+              </a:rPr>
+              <a:t>jedan</a:t>
+            </a:r>
+            <a:r>
+              <a:rPr lang="en-US" sz="2000" dirty="0">
+                <a:latin typeface="Calibri" pitchFamily="34" charset="0"/>
+              </a:rPr>
+              <a:t> </a:t>
+            </a:r>
+            <a:r>
+              <a:rPr lang="en-US" sz="2000" dirty="0" err="1">
+                <a:latin typeface="Calibri" pitchFamily="34" charset="0"/>
+              </a:rPr>
+              <a:t>sloj</a:t>
+            </a:r>
+            <a:r>
+              <a:rPr lang="en-US" sz="2000" dirty="0">
+                <a:latin typeface="Calibri" pitchFamily="34" charset="0"/>
+              </a:rPr>
+              <a:t> </a:t>
+            </a:r>
+            <a:r>
+              <a:rPr lang="en-US" sz="2000" dirty="0" err="1">
+                <a:latin typeface="Calibri" pitchFamily="34" charset="0"/>
+              </a:rPr>
+              <a:t>klasifikatora</a:t>
+            </a:r>
+            <a:r>
+              <a:rPr lang="en-US" sz="2000" dirty="0" smtClean="0">
+                <a:latin typeface="Calibri" pitchFamily="34" charset="0"/>
+              </a:rPr>
+              <a:t>.</a:t>
+            </a:r>
+          </a:p>
+          <a:p>
+            <a:pPr eaLnBrk="1" hangingPunct="1"/>
+            <a:endParaRPr lang="en-US" sz="2000" dirty="0">
+              <a:latin typeface="Calibri" pitchFamily="34" charset="0"/>
+            </a:endParaRPr>
+          </a:p>
+          <a:p>
+            <a:pPr eaLnBrk="1" hangingPunct="1"/>
+            <a:r>
+              <a:rPr lang="en-US" sz="2000" dirty="0" err="1">
+                <a:latin typeface="Calibri" pitchFamily="34" charset="0"/>
+              </a:rPr>
+              <a:t>Ukoliko</a:t>
+            </a:r>
+            <a:r>
+              <a:rPr lang="en-US" sz="2000" dirty="0">
+                <a:latin typeface="Calibri" pitchFamily="34" charset="0"/>
+              </a:rPr>
+              <a:t> bi </a:t>
+            </a:r>
+            <a:r>
+              <a:rPr lang="en-US" sz="2000" dirty="0" err="1">
+                <a:latin typeface="Calibri" pitchFamily="34" charset="0"/>
+              </a:rPr>
+              <a:t>hteli</a:t>
+            </a:r>
+            <a:r>
+              <a:rPr lang="en-US" sz="2000" dirty="0">
+                <a:latin typeface="Calibri" pitchFamily="34" charset="0"/>
+              </a:rPr>
+              <a:t> </a:t>
+            </a:r>
+            <a:r>
+              <a:rPr lang="en-US" sz="2000" dirty="0" err="1">
+                <a:latin typeface="Calibri" pitchFamily="34" charset="0"/>
+              </a:rPr>
+              <a:t>unaprediti</a:t>
+            </a:r>
+            <a:r>
+              <a:rPr lang="en-US" sz="2000" dirty="0">
+                <a:latin typeface="Calibri" pitchFamily="34" charset="0"/>
+              </a:rPr>
+              <a:t> </a:t>
+            </a:r>
+            <a:r>
+              <a:rPr lang="en-US" sz="2000" dirty="0" err="1">
+                <a:latin typeface="Calibri" pitchFamily="34" charset="0"/>
+              </a:rPr>
+              <a:t>ovaj</a:t>
+            </a:r>
+            <a:r>
+              <a:rPr lang="en-US" sz="2000" dirty="0">
+                <a:latin typeface="Calibri" pitchFamily="34" charset="0"/>
+              </a:rPr>
+              <a:t> program </a:t>
+            </a:r>
+            <a:r>
+              <a:rPr lang="en-US" sz="2000" dirty="0" err="1">
+                <a:latin typeface="Calibri" pitchFamily="34" charset="0"/>
+              </a:rPr>
+              <a:t>za</a:t>
+            </a:r>
+            <a:r>
+              <a:rPr lang="en-US" sz="2000" dirty="0">
+                <a:latin typeface="Calibri" pitchFamily="34" charset="0"/>
+              </a:rPr>
+              <a:t> </a:t>
+            </a:r>
+            <a:r>
+              <a:rPr lang="en-US" sz="2000" dirty="0" err="1">
+                <a:latin typeface="Calibri" pitchFamily="34" charset="0"/>
+              </a:rPr>
+              <a:t>detekciju</a:t>
+            </a:r>
+            <a:r>
+              <a:rPr lang="en-US" sz="2000" dirty="0">
+                <a:latin typeface="Calibri" pitchFamily="34" charset="0"/>
+              </a:rPr>
+              <a:t> </a:t>
+            </a:r>
+            <a:r>
+              <a:rPr lang="en-US" sz="2000" dirty="0" err="1">
+                <a:latin typeface="Calibri" pitchFamily="34" charset="0"/>
+              </a:rPr>
+              <a:t>na</a:t>
+            </a:r>
+            <a:r>
+              <a:rPr lang="en-US" sz="2000" dirty="0">
+                <a:latin typeface="Calibri" pitchFamily="34" charset="0"/>
+              </a:rPr>
+              <a:t> </a:t>
+            </a:r>
+            <a:r>
+              <a:rPr lang="en-US" sz="2000" dirty="0" err="1">
+                <a:latin typeface="Calibri" pitchFamily="34" charset="0"/>
+              </a:rPr>
+              <a:t>videu</a:t>
+            </a:r>
+            <a:r>
+              <a:rPr lang="en-US" sz="2000" dirty="0">
+                <a:latin typeface="Calibri" pitchFamily="34" charset="0"/>
+              </a:rPr>
+              <a:t>, </a:t>
+            </a:r>
+            <a:r>
+              <a:rPr lang="en-US" sz="2000" dirty="0" err="1">
+                <a:latin typeface="Calibri" pitchFamily="34" charset="0"/>
+              </a:rPr>
+              <a:t>morali</a:t>
+            </a:r>
+            <a:r>
+              <a:rPr lang="en-US" sz="2000" dirty="0">
+                <a:latin typeface="Calibri" pitchFamily="34" charset="0"/>
+              </a:rPr>
+              <a:t> bi </a:t>
+            </a:r>
+            <a:r>
+              <a:rPr lang="en-US" sz="2000" dirty="0" err="1">
+                <a:latin typeface="Calibri" pitchFamily="34" charset="0"/>
+              </a:rPr>
+              <a:t>promeniti</a:t>
+            </a:r>
+            <a:r>
+              <a:rPr lang="en-US" sz="2000" dirty="0">
+                <a:latin typeface="Calibri" pitchFamily="34" charset="0"/>
+              </a:rPr>
+              <a:t> </a:t>
+            </a:r>
+            <a:r>
+              <a:rPr lang="en-US" sz="2000" dirty="0" err="1">
+                <a:latin typeface="Calibri" pitchFamily="34" charset="0"/>
+              </a:rPr>
+              <a:t>ceo</a:t>
+            </a:r>
+            <a:r>
+              <a:rPr lang="en-US" sz="2000" dirty="0">
+                <a:latin typeface="Calibri" pitchFamily="34" charset="0"/>
+              </a:rPr>
+              <a:t> </a:t>
+            </a:r>
+            <a:r>
+              <a:rPr lang="en-US" sz="2000" dirty="0" err="1">
+                <a:latin typeface="Calibri" pitchFamily="34" charset="0"/>
+              </a:rPr>
+              <a:t>pristup</a:t>
+            </a:r>
+            <a:r>
+              <a:rPr lang="en-US" sz="2000" dirty="0">
+                <a:latin typeface="Calibri" pitchFamily="34" charset="0"/>
+              </a:rPr>
+              <a:t>, </a:t>
+            </a:r>
+            <a:r>
+              <a:rPr lang="en-US" sz="2000" dirty="0" err="1">
+                <a:latin typeface="Calibri" pitchFamily="34" charset="0"/>
+              </a:rPr>
+              <a:t>jer</a:t>
+            </a:r>
+            <a:r>
+              <a:rPr lang="en-US" sz="2000" dirty="0">
+                <a:latin typeface="Calibri" pitchFamily="34" charset="0"/>
+              </a:rPr>
+              <a:t> </a:t>
+            </a:r>
+            <a:r>
+              <a:rPr lang="en-US" sz="2000" dirty="0" err="1">
+                <a:latin typeface="Calibri" pitchFamily="34" charset="0"/>
+              </a:rPr>
+              <a:t>su</a:t>
+            </a:r>
+            <a:r>
+              <a:rPr lang="en-US" sz="2000" dirty="0">
+                <a:latin typeface="Calibri" pitchFamily="34" charset="0"/>
+              </a:rPr>
+              <a:t> </a:t>
+            </a:r>
+            <a:r>
+              <a:rPr lang="en-US" sz="2000" dirty="0" err="1">
+                <a:latin typeface="Calibri" pitchFamily="34" charset="0"/>
+              </a:rPr>
+              <a:t>vremenske</a:t>
+            </a:r>
+            <a:r>
+              <a:rPr lang="en-US" sz="2000" dirty="0">
+                <a:latin typeface="Calibri" pitchFamily="34" charset="0"/>
+              </a:rPr>
+              <a:t> </a:t>
+            </a:r>
+            <a:r>
+              <a:rPr lang="en-US" sz="2000" dirty="0" err="1">
+                <a:latin typeface="Calibri" pitchFamily="34" charset="0"/>
+              </a:rPr>
+              <a:t>performanse</a:t>
+            </a:r>
+            <a:r>
+              <a:rPr lang="en-US" sz="2000" dirty="0">
+                <a:latin typeface="Calibri" pitchFamily="34" charset="0"/>
+              </a:rPr>
+              <a:t> </a:t>
+            </a:r>
+            <a:r>
+              <a:rPr lang="en-US" sz="2000" dirty="0" err="1">
+                <a:latin typeface="Calibri" pitchFamily="34" charset="0"/>
+              </a:rPr>
+              <a:t>ovog</a:t>
+            </a:r>
+            <a:r>
+              <a:rPr lang="en-US" sz="2000" dirty="0">
+                <a:latin typeface="Calibri" pitchFamily="34" charset="0"/>
+              </a:rPr>
+              <a:t> </a:t>
+            </a:r>
+            <a:r>
+              <a:rPr lang="en-US" sz="2000" dirty="0" err="1">
+                <a:latin typeface="Calibri" pitchFamily="34" charset="0"/>
+              </a:rPr>
+              <a:t>programa</a:t>
+            </a:r>
+            <a:r>
+              <a:rPr lang="en-US" sz="2000" dirty="0">
+                <a:latin typeface="Calibri" pitchFamily="34" charset="0"/>
+              </a:rPr>
+              <a:t> </a:t>
+            </a:r>
+            <a:r>
+              <a:rPr lang="en-US" sz="2000" dirty="0" err="1">
+                <a:latin typeface="Calibri" pitchFamily="34" charset="0"/>
+              </a:rPr>
+              <a:t>poprilično</a:t>
+            </a:r>
+            <a:r>
+              <a:rPr lang="en-US" sz="2000" dirty="0">
+                <a:latin typeface="Calibri" pitchFamily="34" charset="0"/>
+              </a:rPr>
+              <a:t> </a:t>
+            </a:r>
+            <a:r>
+              <a:rPr lang="en-US" sz="2000" dirty="0" err="1">
+                <a:latin typeface="Calibri" pitchFamily="34" charset="0"/>
+              </a:rPr>
+              <a:t>loše</a:t>
+            </a:r>
+            <a:r>
+              <a:rPr lang="en-US" sz="2000" dirty="0">
+                <a:latin typeface="Calibri" pitchFamily="34" charset="0"/>
+              </a:rPr>
+              <a:t>, </a:t>
+            </a:r>
+            <a:r>
+              <a:rPr lang="en-US" sz="2000" dirty="0" err="1">
+                <a:latin typeface="Calibri" pitchFamily="34" charset="0"/>
+              </a:rPr>
+              <a:t>pogotovo</a:t>
+            </a:r>
+            <a:r>
+              <a:rPr lang="en-US" sz="2000" dirty="0">
+                <a:latin typeface="Calibri" pitchFamily="34" charset="0"/>
+              </a:rPr>
+              <a:t> </a:t>
+            </a:r>
+            <a:r>
+              <a:rPr lang="en-US" sz="2000" dirty="0" err="1">
+                <a:latin typeface="Calibri" pitchFamily="34" charset="0"/>
+              </a:rPr>
+              <a:t>kada</a:t>
+            </a:r>
+            <a:r>
+              <a:rPr lang="en-US" sz="2000" dirty="0">
+                <a:latin typeface="Calibri" pitchFamily="34" charset="0"/>
+              </a:rPr>
+              <a:t> </a:t>
+            </a:r>
+            <a:r>
+              <a:rPr lang="en-US" sz="2000" dirty="0" err="1">
+                <a:latin typeface="Calibri" pitchFamily="34" charset="0"/>
+              </a:rPr>
+              <a:t>radimo</a:t>
+            </a:r>
+            <a:r>
+              <a:rPr lang="en-US" sz="2000" dirty="0">
+                <a:latin typeface="Calibri" pitchFamily="34" charset="0"/>
+              </a:rPr>
+              <a:t> </a:t>
+            </a:r>
+            <a:r>
+              <a:rPr lang="en-US" sz="2000" dirty="0" err="1">
+                <a:latin typeface="Calibri" pitchFamily="34" charset="0"/>
+              </a:rPr>
+              <a:t>sa</a:t>
+            </a:r>
+            <a:r>
+              <a:rPr lang="en-US" sz="2000" dirty="0">
+                <a:latin typeface="Calibri" pitchFamily="34" charset="0"/>
+              </a:rPr>
+              <a:t> </a:t>
+            </a:r>
+            <a:r>
+              <a:rPr lang="en-US" sz="2000" dirty="0" err="1">
+                <a:latin typeface="Calibri" pitchFamily="34" charset="0"/>
+              </a:rPr>
+              <a:t>slikama</a:t>
+            </a:r>
+            <a:r>
+              <a:rPr lang="en-US" sz="2000" dirty="0">
+                <a:latin typeface="Calibri" pitchFamily="34" charset="0"/>
+              </a:rPr>
+              <a:t> </a:t>
+            </a:r>
+            <a:r>
+              <a:rPr lang="en-US" sz="2000" dirty="0" err="1">
+                <a:latin typeface="Calibri" pitchFamily="34" charset="0"/>
+              </a:rPr>
+              <a:t>velikih</a:t>
+            </a:r>
+            <a:r>
+              <a:rPr lang="en-US" sz="2000" dirty="0">
+                <a:latin typeface="Calibri" pitchFamily="34" charset="0"/>
+              </a:rPr>
+              <a:t> </a:t>
+            </a:r>
+            <a:r>
+              <a:rPr lang="en-US" sz="2000" dirty="0" err="1">
+                <a:latin typeface="Calibri" pitchFamily="34" charset="0"/>
+              </a:rPr>
+              <a:t>dimenzija</a:t>
+            </a:r>
+            <a:r>
+              <a:rPr lang="en-US" sz="2000" dirty="0">
+                <a:latin typeface="Calibri" pitchFamily="34" charset="0"/>
+              </a:rPr>
+              <a:t>. </a:t>
+            </a:r>
+            <a:r>
+              <a:rPr lang="en-US" sz="2000" dirty="0" err="1">
+                <a:latin typeface="Calibri" pitchFamily="34" charset="0"/>
+              </a:rPr>
+              <a:t>Bilo</a:t>
+            </a:r>
+            <a:r>
+              <a:rPr lang="en-US" sz="2000" dirty="0">
+                <a:latin typeface="Calibri" pitchFamily="34" charset="0"/>
+              </a:rPr>
+              <a:t> </a:t>
+            </a:r>
+            <a:r>
+              <a:rPr lang="en-US" sz="2000" dirty="0" err="1">
+                <a:latin typeface="Calibri" pitchFamily="34" charset="0"/>
+              </a:rPr>
+              <a:t>koja</a:t>
+            </a:r>
+            <a:r>
+              <a:rPr lang="en-US" sz="2000" dirty="0">
+                <a:latin typeface="Calibri" pitchFamily="34" charset="0"/>
+              </a:rPr>
+              <a:t> od </a:t>
+            </a:r>
+            <a:r>
+              <a:rPr lang="en-US" sz="2000" dirty="0" err="1">
+                <a:latin typeface="Calibri" pitchFamily="34" charset="0"/>
+              </a:rPr>
+              <a:t>iteracija</a:t>
+            </a:r>
+            <a:r>
+              <a:rPr lang="en-US" sz="2000" dirty="0">
+                <a:latin typeface="Calibri" pitchFamily="34" charset="0"/>
+              </a:rPr>
+              <a:t> </a:t>
+            </a:r>
+            <a:r>
+              <a:rPr lang="en-US" sz="2000" i="1" dirty="0">
+                <a:latin typeface="Calibri" pitchFamily="34" charset="0"/>
+              </a:rPr>
+              <a:t>YOLO </a:t>
+            </a:r>
+            <a:r>
+              <a:rPr lang="en-US" sz="2000" dirty="0" err="1">
+                <a:latin typeface="Calibri" pitchFamily="34" charset="0"/>
+              </a:rPr>
+              <a:t>algoritama</a:t>
+            </a:r>
+            <a:r>
+              <a:rPr lang="en-US" sz="2000" dirty="0">
+                <a:latin typeface="Calibri" pitchFamily="34" charset="0"/>
+              </a:rPr>
+              <a:t> bi </a:t>
+            </a:r>
+            <a:r>
+              <a:rPr lang="en-US" sz="2000" dirty="0" err="1">
+                <a:latin typeface="Calibri" pitchFamily="34" charset="0"/>
+              </a:rPr>
+              <a:t>značajno</a:t>
+            </a:r>
+            <a:r>
+              <a:rPr lang="en-US" sz="2000" dirty="0">
+                <a:latin typeface="Calibri" pitchFamily="34" charset="0"/>
+              </a:rPr>
+              <a:t> </a:t>
+            </a:r>
+            <a:r>
+              <a:rPr lang="en-US" sz="2000" dirty="0" err="1">
+                <a:latin typeface="Calibri" pitchFamily="34" charset="0"/>
+              </a:rPr>
+              <a:t>poboljšala</a:t>
+            </a:r>
+            <a:r>
+              <a:rPr lang="en-US" sz="2000" dirty="0">
+                <a:latin typeface="Calibri" pitchFamily="34" charset="0"/>
+              </a:rPr>
+              <a:t> </a:t>
+            </a:r>
+            <a:r>
+              <a:rPr lang="en-US" sz="2000" dirty="0" err="1">
+                <a:latin typeface="Calibri" pitchFamily="34" charset="0"/>
+              </a:rPr>
+              <a:t>ovaj</a:t>
+            </a:r>
+            <a:r>
+              <a:rPr lang="en-US" sz="2000" dirty="0">
+                <a:latin typeface="Calibri" pitchFamily="34" charset="0"/>
+              </a:rPr>
+              <a:t> problem</a:t>
+            </a:r>
+            <a:r>
+              <a:rPr lang="en-US" sz="2000" dirty="0" smtClean="0">
+                <a:latin typeface="Calibri" pitchFamily="34" charset="0"/>
+              </a:rPr>
+              <a:t>.</a:t>
+            </a:r>
+            <a:endParaRPr lang="en-US" sz="2000" i="1" dirty="0">
+              <a:latin typeface="Calibri" pitchFamily="34" charset="0"/>
+            </a:endParaRPr>
+          </a:p>
+        </p:txBody>
+      </p:sp>
+      <p:sp>
+        <p:nvSpPr>
+          <p:cNvPr id="35" name="Rectangle 34"/>
+          <p:cNvSpPr/>
+          <p:nvPr/>
+        </p:nvSpPr>
+        <p:spPr>
+          <a:xfrm>
+            <a:off x="21926550" y="7848601"/>
+            <a:ext cx="9875520" cy="457200"/>
+          </a:xfrm>
+          <a:prstGeom prst="rect">
+            <a:avLst/>
+          </a:prstGeom>
+          <a:solidFill>
+            <a:schemeClr val="accent1">
+              <a:lumMod val="75000"/>
+            </a:schemeClr>
+          </a:solidFill>
+          <a:ln w="12700"/>
+        </p:spPr>
+        <p:style>
+          <a:lnRef idx="2">
+            <a:schemeClr val="accent1">
+              <a:shade val="50000"/>
+            </a:schemeClr>
+          </a:lnRef>
+          <a:fillRef idx="1">
+            <a:schemeClr val="accent1"/>
+          </a:fillRef>
+          <a:effectRef idx="0">
+            <a:schemeClr val="accent1"/>
+          </a:effectRef>
+          <a:fontRef idx="minor">
+            <a:schemeClr val="lt1"/>
+          </a:fontRef>
+        </p:style>
+        <p:txBody>
+          <a:bodyPr lIns="48971" tIns="24486" rIns="48971" bIns="24486" rtlCol="0" anchor="ctr"/>
+          <a:lstStyle/>
+          <a:p>
+            <a:pPr algn="ctr"/>
+            <a:r>
+              <a:rPr lang="en-US" sz="3200" b="1" dirty="0" err="1" smtClean="0">
+                <a:solidFill>
+                  <a:schemeClr val="accent3">
+                    <a:lumMod val="20000"/>
+                    <a:lumOff val="80000"/>
+                  </a:schemeClr>
+                </a:solidFill>
+              </a:rPr>
+              <a:t>Z</a:t>
+            </a:r>
+            <a:r>
+              <a:rPr lang="en-US" sz="3200" b="1" dirty="0" err="1" smtClean="0">
+                <a:solidFill>
+                  <a:schemeClr val="accent3">
+                    <a:lumMod val="20000"/>
+                    <a:lumOff val="80000"/>
+                  </a:schemeClr>
+                </a:solidFill>
+              </a:rPr>
+              <a:t>aključak</a:t>
+            </a:r>
+            <a:endParaRPr lang="en-US" sz="3200" b="1" dirty="0">
+              <a:solidFill>
+                <a:schemeClr val="accent3">
+                  <a:lumMod val="20000"/>
+                  <a:lumOff val="80000"/>
+                </a:schemeClr>
+              </a:solidFill>
+            </a:endParaRPr>
+          </a:p>
+        </p:txBody>
+      </p:sp>
     </p:spTree>
     <p:extLst>
       <p:ext uri="{BB962C8B-B14F-4D97-AF65-F5344CB8AC3E}">
